--- a/Cameraw_presentation.pptx
+++ b/Cameraw_presentation.pptx
@@ -5,7 +5,7 @@
     <p:sldMasterId id="2147483648" r:id="rId1"/>
   </p:sldMasterIdLst>
   <p:notesMasterIdLst>
-    <p:notesMasterId r:id="rId13"/>
+    <p:notesMasterId r:id="rId12"/>
   </p:notesMasterIdLst>
   <p:sldIdLst>
     <p:sldId id="256" r:id="rId2"/>
@@ -16,9 +16,8 @@
     <p:sldId id="261" r:id="rId7"/>
     <p:sldId id="262" r:id="rId8"/>
     <p:sldId id="263" r:id="rId9"/>
-    <p:sldId id="264" r:id="rId10"/>
-    <p:sldId id="265" r:id="rId11"/>
-    <p:sldId id="266" r:id="rId12"/>
+    <p:sldId id="265" r:id="rId10"/>
+    <p:sldId id="266" r:id="rId11"/>
   </p:sldIdLst>
   <p:sldSz cx="9144000" cy="5143500" type="screen16x9"/>
   <p:notesSz cx="5143500" cy="9144000"/>
@@ -415,90 +414,6 @@
 </p:notes>
 </file>
 
-<file path=ppt/notesSlides/notesSlide11.xml><?xml version="1.0" encoding="utf-8"?>
-<p:notes xmlns:a="http://schemas.openxmlformats.org/drawingml/2006/main" xmlns:r="http://schemas.openxmlformats.org/officeDocument/2006/relationships" xmlns:p="http://schemas.openxmlformats.org/presentationml/2006/main">
-  <p:cSld>
-    <p:spTree>
-      <p:nvGrpSpPr>
-        <p:cNvPr id="1" name=""/>
-        <p:cNvGrpSpPr/>
-        <p:nvPr/>
-      </p:nvGrpSpPr>
-      <p:grpSpPr>
-        <a:xfrm>
-          <a:off x="0" y="0"/>
-          <a:ext cx="0" cy="0"/>
-          <a:chOff x="0" y="0"/>
-          <a:chExt cx="0" cy="0"/>
-        </a:xfrm>
-      </p:grpSpPr>
-      <p:sp>
-        <p:nvSpPr>
-          <p:cNvPr id="2" name="Slide Image Placeholder 1"/>
-          <p:cNvSpPr>
-            <a:spLocks noGrp="1" noRot="1" noChangeAspect="1"/>
-          </p:cNvSpPr>
-          <p:nvPr>
-            <p:ph type="sldImg"/>
-          </p:nvPr>
-        </p:nvSpPr>
-        <p:spPr/>
-      </p:sp>
-      <p:sp>
-        <p:nvSpPr>
-          <p:cNvPr id="3" name="Notes Placeholder 2"/>
-          <p:cNvSpPr>
-            <a:spLocks noGrp="1"/>
-          </p:cNvSpPr>
-          <p:nvPr>
-            <p:ph type="body" idx="1"/>
-          </p:nvPr>
-        </p:nvSpPr>
-        <p:spPr/>
-        <p:txBody>
-          <a:bodyPr/>
-          <a:lstStyle/>
-          <a:p>
-            <a:endParaRPr lang="en-US" dirty="0"/>
-          </a:p>
-        </p:txBody>
-      </p:sp>
-      <p:sp>
-        <p:nvSpPr>
-          <p:cNvPr id="4" name="Slide Number Placeholder 3"/>
-          <p:cNvSpPr>
-            <a:spLocks noGrp="1"/>
-          </p:cNvSpPr>
-          <p:nvPr>
-            <p:ph type="sldNum" sz="quarter" idx="10"/>
-          </p:nvPr>
-        </p:nvSpPr>
-        <p:spPr/>
-        <p:txBody>
-          <a:bodyPr/>
-          <a:lstStyle/>
-          <a:p>
-            <a:fld id="{F7021451-1387-4CA6-816F-3879F97B5CBC}" type="slidenum">
-              <a:rPr lang="en-US"/>
-              <a:t>11</a:t>
-            </a:fld>
-            <a:endParaRPr lang="en-US"/>
-          </a:p>
-        </p:txBody>
-      </p:sp>
-    </p:spTree>
-    <p:extLst>
-      <p:ext uri="{BB962C8B-B14F-4D97-AF65-F5344CB8AC3E}">
-        <p14:creationId xmlns:p14="http://schemas.microsoft.com/office/powerpoint/2010/main" val="1024086991"/>
-      </p:ext>
-    </p:extLst>
-  </p:cSld>
-  <p:clrMapOvr>
-    <a:masterClrMapping/>
-  </p:clrMapOvr>
-</p:notes>
-</file>
-
 <file path=ppt/notesSlides/notesSlide2.xml><?xml version="1.0" encoding="utf-8"?>
 <p:notes xmlns:a="http://schemas.openxmlformats.org/drawingml/2006/main" xmlns:r="http://schemas.openxmlformats.org/officeDocument/2006/relationships" xmlns:p="http://schemas.openxmlformats.org/presentationml/2006/main">
   <p:cSld>
@@ -2140,1342 +2055,6 @@
 
 <file path=ppt/slides/slide10.xml><?xml version="1.0" encoding="utf-8"?>
 <p:sld xmlns:a="http://schemas.openxmlformats.org/drawingml/2006/main" xmlns:r="http://schemas.openxmlformats.org/officeDocument/2006/relationships" xmlns:p="http://schemas.openxmlformats.org/presentationml/2006/main">
-  <p:cSld name="Slide 10">
-    <p:bg>
-      <p:bgPr>
-        <a:solidFill>
-          <a:srgbClr val="F7F4EF"/>
-        </a:solidFill>
-        <a:effectLst/>
-      </p:bgPr>
-    </p:bg>
-    <p:spTree>
-      <p:nvGrpSpPr>
-        <p:cNvPr id="1" name=""/>
-        <p:cNvGrpSpPr/>
-        <p:nvPr/>
-      </p:nvGrpSpPr>
-      <p:grpSpPr>
-        <a:xfrm>
-          <a:off x="0" y="0"/>
-          <a:ext cx="0" cy="0"/>
-          <a:chOff x="0" y="0"/>
-          <a:chExt cx="0" cy="0"/>
-        </a:xfrm>
-      </p:grpSpPr>
-      <p:sp>
-        <p:nvSpPr>
-          <p:cNvPr id="2" name="Shape 0"/>
-          <p:cNvSpPr/>
-          <p:nvPr/>
-        </p:nvSpPr>
-        <p:spPr>
-          <a:xfrm>
-            <a:off x="0" y="0"/>
-            <a:ext cx="9144000" cy="1005840"/>
-          </a:xfrm>
-          <a:prstGeom prst="rect">
-            <a:avLst/>
-          </a:prstGeom>
-          <a:solidFill>
-            <a:srgbClr val="1C1C1C"/>
-          </a:solidFill>
-          <a:ln w="12700">
-            <a:solidFill>
-              <a:srgbClr val="1C1C1C"/>
-            </a:solidFill>
-            <a:prstDash val="solid"/>
-          </a:ln>
-        </p:spPr>
-      </p:sp>
-      <p:sp>
-        <p:nvSpPr>
-          <p:cNvPr id="3" name="Shape 1"/>
-          <p:cNvSpPr/>
-          <p:nvPr/>
-        </p:nvSpPr>
-        <p:spPr>
-          <a:xfrm>
-            <a:off x="0" y="0"/>
-            <a:ext cx="201168" cy="5143500"/>
-          </a:xfrm>
-          <a:prstGeom prst="rect">
-            <a:avLst/>
-          </a:prstGeom>
-          <a:solidFill>
-            <a:srgbClr val="B89A6A"/>
-          </a:solidFill>
-          <a:ln w="12700">
-            <a:solidFill>
-              <a:srgbClr val="B89A6A"/>
-            </a:solidFill>
-            <a:prstDash val="solid"/>
-          </a:ln>
-        </p:spPr>
-      </p:sp>
-      <p:sp>
-        <p:nvSpPr>
-          <p:cNvPr id="4" name="Text 2"/>
-          <p:cNvSpPr/>
-          <p:nvPr/>
-        </p:nvSpPr>
-        <p:spPr>
-          <a:xfrm>
-            <a:off x="411480" y="274320"/>
-            <a:ext cx="8229600" cy="457200"/>
-          </a:xfrm>
-          <a:prstGeom prst="rect">
-            <a:avLst/>
-          </a:prstGeom>
-          <a:noFill/>
-          <a:ln/>
-        </p:spPr>
-        <p:txBody>
-          <a:bodyPr wrap="square" rtlCol="0" anchor="ctr"/>
-          <a:lstStyle/>
-          <a:p>
-            <a:pPr marL="0" indent="0" algn="l">
-              <a:buNone/>
-            </a:pPr>
-            <a:r>
-              <a:rPr lang="en-US" sz="2000" b="1" kern="0" spc="300" dirty="0">
-                <a:solidFill>
-                  <a:srgbClr val="FFFFFF"/>
-                </a:solidFill>
-                <a:latin typeface="Calibri" pitchFamily="34" charset="0"/>
-                <a:ea typeface="Calibri" pitchFamily="34" charset="-122"/>
-                <a:cs typeface="Calibri" pitchFamily="34" charset="-120"/>
-              </a:rPr>
-              <a:t>ТЕСТИРОВАНИЕ ПРОДУКТА</a:t>
-            </a:r>
-            <a:endParaRPr lang="en-US" sz="2000" dirty="0"/>
-          </a:p>
-        </p:txBody>
-      </p:sp>
-      <p:sp>
-        <p:nvSpPr>
-          <p:cNvPr id="5" name="Shape 3"/>
-          <p:cNvSpPr/>
-          <p:nvPr/>
-        </p:nvSpPr>
-        <p:spPr>
-          <a:xfrm>
-            <a:off x="411480" y="1143000"/>
-            <a:ext cx="2697480" cy="3611880"/>
-          </a:xfrm>
-          <a:prstGeom prst="rect">
-            <a:avLst/>
-          </a:prstGeom>
-          <a:solidFill>
-            <a:srgbClr val="F0EDE8"/>
-          </a:solidFill>
-          <a:ln w="12700">
-            <a:solidFill>
-              <a:srgbClr val="E8E0D4"/>
-            </a:solidFill>
-            <a:prstDash val="solid"/>
-          </a:ln>
-        </p:spPr>
-      </p:sp>
-      <p:sp>
-        <p:nvSpPr>
-          <p:cNvPr id="6" name="Shape 4"/>
-          <p:cNvSpPr/>
-          <p:nvPr/>
-        </p:nvSpPr>
-        <p:spPr>
-          <a:xfrm>
-            <a:off x="411480" y="1143000"/>
-            <a:ext cx="2697480" cy="594360"/>
-          </a:xfrm>
-          <a:prstGeom prst="rect">
-            <a:avLst/>
-          </a:prstGeom>
-          <a:solidFill>
-            <a:srgbClr val="1C1C1C"/>
-          </a:solidFill>
-          <a:ln w="12700">
-            <a:solidFill>
-              <a:srgbClr val="1C1C1C"/>
-            </a:solidFill>
-            <a:prstDash val="solid"/>
-          </a:ln>
-        </p:spPr>
-      </p:sp>
-      <p:sp>
-        <p:nvSpPr>
-          <p:cNvPr id="7" name="Text 5"/>
-          <p:cNvSpPr/>
-          <p:nvPr/>
-        </p:nvSpPr>
-        <p:spPr>
-          <a:xfrm>
-            <a:off x="521208" y="1170432"/>
-            <a:ext cx="2478024" cy="539496"/>
-          </a:xfrm>
-          <a:prstGeom prst="rect">
-            <a:avLst/>
-          </a:prstGeom>
-          <a:noFill/>
-          <a:ln/>
-        </p:spPr>
-        <p:txBody>
-          <a:bodyPr wrap="square" rtlCol="0" anchor="ctr"/>
-          <a:lstStyle/>
-          <a:p>
-            <a:pPr marL="0" indent="0" algn="ctr">
-              <a:buNone/>
-            </a:pPr>
-            <a:r>
-              <a:rPr lang="en-US" sz="1150" b="1" dirty="0">
-                <a:solidFill>
-                  <a:srgbClr val="FFFFFF"/>
-                </a:solidFill>
-                <a:latin typeface="Calibri" pitchFamily="34" charset="0"/>
-                <a:ea typeface="Calibri" pitchFamily="34" charset="-122"/>
-                <a:cs typeface="Calibri" pitchFamily="34" charset="-120"/>
-              </a:rPr>
-              <a:t>Функциональное</a:t>
-            </a:r>
-            <a:endParaRPr lang="en-US" sz="1150" dirty="0"/>
-          </a:p>
-          <a:p>
-            <a:pPr marL="0" indent="0" algn="ctr">
-              <a:buNone/>
-            </a:pPr>
-            <a:r>
-              <a:rPr lang="en-US" sz="1150" b="1" dirty="0">
-                <a:solidFill>
-                  <a:srgbClr val="FFFFFF"/>
-                </a:solidFill>
-                <a:latin typeface="Calibri" pitchFamily="34" charset="0"/>
-                <a:ea typeface="Calibri" pitchFamily="34" charset="-122"/>
-                <a:cs typeface="Calibri" pitchFamily="34" charset="-120"/>
-              </a:rPr>
-              <a:t>тестирование</a:t>
-            </a:r>
-            <a:endParaRPr lang="en-US" sz="1150" dirty="0"/>
-          </a:p>
-        </p:txBody>
-      </p:sp>
-      <p:sp>
-        <p:nvSpPr>
-          <p:cNvPr id="8" name="Shape 6"/>
-          <p:cNvSpPr/>
-          <p:nvPr/>
-        </p:nvSpPr>
-        <p:spPr>
-          <a:xfrm>
-            <a:off x="868680" y="1874520"/>
-            <a:ext cx="1783080" cy="384048"/>
-          </a:xfrm>
-          <a:prstGeom prst="rect">
-            <a:avLst/>
-          </a:prstGeom>
-          <a:solidFill>
-            <a:srgbClr val="2D6A4F"/>
-          </a:solidFill>
-          <a:ln w="12700">
-            <a:solidFill>
-              <a:srgbClr val="2D6A4F"/>
-            </a:solidFill>
-            <a:prstDash val="solid"/>
-          </a:ln>
-        </p:spPr>
-      </p:sp>
-      <p:sp>
-        <p:nvSpPr>
-          <p:cNvPr id="9" name="Text 7"/>
-          <p:cNvSpPr/>
-          <p:nvPr/>
-        </p:nvSpPr>
-        <p:spPr>
-          <a:xfrm>
-            <a:off x="868680" y="1874520"/>
-            <a:ext cx="1783080" cy="384048"/>
-          </a:xfrm>
-          <a:prstGeom prst="rect">
-            <a:avLst/>
-          </a:prstGeom>
-          <a:noFill/>
-          <a:ln/>
-        </p:spPr>
-        <p:txBody>
-          <a:bodyPr wrap="square" rtlCol="0" anchor="ctr"/>
-          <a:lstStyle/>
-          <a:p>
-            <a:pPr marL="0" indent="0" algn="ctr">
-              <a:buNone/>
-            </a:pPr>
-            <a:r>
-              <a:rPr lang="en-US" sz="1200" b="1" dirty="0">
-                <a:solidFill>
-                  <a:srgbClr val="FFFFFF"/>
-                </a:solidFill>
-                <a:latin typeface="Calibri" pitchFamily="34" charset="0"/>
-                <a:ea typeface="Calibri" pitchFamily="34" charset="-122"/>
-                <a:cs typeface="Calibri" pitchFamily="34" charset="-120"/>
-              </a:rPr>
-              <a:t>ПРОЙДЕНО</a:t>
-            </a:r>
-            <a:endParaRPr lang="en-US" sz="1200" dirty="0"/>
-          </a:p>
-        </p:txBody>
-      </p:sp>
-      <p:sp>
-        <p:nvSpPr>
-          <p:cNvPr id="10" name="Shape 8"/>
-          <p:cNvSpPr/>
-          <p:nvPr/>
-        </p:nvSpPr>
-        <p:spPr>
-          <a:xfrm>
-            <a:off x="594360" y="2423160"/>
-            <a:ext cx="109728" cy="109728"/>
-          </a:xfrm>
-          <a:prstGeom prst="ellipse">
-            <a:avLst/>
-          </a:prstGeom>
-          <a:solidFill>
-            <a:srgbClr val="B89A6A"/>
-          </a:solidFill>
-          <a:ln w="12700">
-            <a:solidFill>
-              <a:srgbClr val="B89A6A"/>
-            </a:solidFill>
-            <a:prstDash val="solid"/>
-          </a:ln>
-        </p:spPr>
-      </p:sp>
-      <p:sp>
-        <p:nvSpPr>
-          <p:cNvPr id="11" name="Text 9"/>
-          <p:cNvSpPr/>
-          <p:nvPr/>
-        </p:nvSpPr>
-        <p:spPr>
-          <a:xfrm>
-            <a:off x="795528" y="2377440"/>
-            <a:ext cx="2212848" cy="384048"/>
-          </a:xfrm>
-          <a:prstGeom prst="rect">
-            <a:avLst/>
-          </a:prstGeom>
-          <a:noFill/>
-          <a:ln/>
-        </p:spPr>
-        <p:txBody>
-          <a:bodyPr wrap="square" rtlCol="0" anchor="ctr"/>
-          <a:lstStyle/>
-          <a:p>
-            <a:pPr marL="0" indent="0">
-              <a:buNone/>
-            </a:pPr>
-            <a:r>
-              <a:rPr lang="en-US" sz="1100" dirty="0">
-                <a:solidFill>
-                  <a:srgbClr val="1C1C1C"/>
-                </a:solidFill>
-                <a:latin typeface="Calibri" pitchFamily="34" charset="0"/>
-                <a:ea typeface="Calibri" pitchFamily="34" charset="-122"/>
-                <a:cs typeface="Calibri" pitchFamily="34" charset="-120"/>
-              </a:rPr>
-              <a:t>Все 10 модулей проверены</a:t>
-            </a:r>
-            <a:endParaRPr lang="en-US" sz="1100" dirty="0"/>
-          </a:p>
-        </p:txBody>
-      </p:sp>
-      <p:sp>
-        <p:nvSpPr>
-          <p:cNvPr id="12" name="Shape 10"/>
-          <p:cNvSpPr/>
-          <p:nvPr/>
-        </p:nvSpPr>
-        <p:spPr>
-          <a:xfrm>
-            <a:off x="594360" y="2935224"/>
-            <a:ext cx="109728" cy="109728"/>
-          </a:xfrm>
-          <a:prstGeom prst="ellipse">
-            <a:avLst/>
-          </a:prstGeom>
-          <a:solidFill>
-            <a:srgbClr val="B89A6A"/>
-          </a:solidFill>
-          <a:ln w="12700">
-            <a:solidFill>
-              <a:srgbClr val="B89A6A"/>
-            </a:solidFill>
-            <a:prstDash val="solid"/>
-          </a:ln>
-        </p:spPr>
-      </p:sp>
-      <p:sp>
-        <p:nvSpPr>
-          <p:cNvPr id="13" name="Text 11"/>
-          <p:cNvSpPr/>
-          <p:nvPr/>
-        </p:nvSpPr>
-        <p:spPr>
-          <a:xfrm>
-            <a:off x="795528" y="2889504"/>
-            <a:ext cx="2212848" cy="384048"/>
-          </a:xfrm>
-          <a:prstGeom prst="rect">
-            <a:avLst/>
-          </a:prstGeom>
-          <a:noFill/>
-          <a:ln/>
-        </p:spPr>
-        <p:txBody>
-          <a:bodyPr wrap="square" rtlCol="0" anchor="ctr"/>
-          <a:lstStyle/>
-          <a:p>
-            <a:pPr marL="0" indent="0">
-              <a:buNone/>
-            </a:pPr>
-            <a:r>
-              <a:rPr lang="en-US" sz="1100" dirty="0">
-                <a:solidFill>
-                  <a:srgbClr val="1C1C1C"/>
-                </a:solidFill>
-                <a:latin typeface="Calibri" pitchFamily="34" charset="0"/>
-                <a:ea typeface="Calibri" pitchFamily="34" charset="-122"/>
-                <a:cs typeface="Calibri" pitchFamily="34" charset="-120"/>
-              </a:rPr>
-              <a:t>Онлайн-запись: слоты корректны</a:t>
-            </a:r>
-            <a:endParaRPr lang="en-US" sz="1100" dirty="0"/>
-          </a:p>
-        </p:txBody>
-      </p:sp>
-      <p:sp>
-        <p:nvSpPr>
-          <p:cNvPr id="14" name="Shape 12"/>
-          <p:cNvSpPr/>
-          <p:nvPr/>
-        </p:nvSpPr>
-        <p:spPr>
-          <a:xfrm>
-            <a:off x="594360" y="3447288"/>
-            <a:ext cx="109728" cy="109728"/>
-          </a:xfrm>
-          <a:prstGeom prst="ellipse">
-            <a:avLst/>
-          </a:prstGeom>
-          <a:solidFill>
-            <a:srgbClr val="B89A6A"/>
-          </a:solidFill>
-          <a:ln w="12700">
-            <a:solidFill>
-              <a:srgbClr val="B89A6A"/>
-            </a:solidFill>
-            <a:prstDash val="solid"/>
-          </a:ln>
-        </p:spPr>
-      </p:sp>
-      <p:sp>
-        <p:nvSpPr>
-          <p:cNvPr id="15" name="Text 13"/>
-          <p:cNvSpPr/>
-          <p:nvPr/>
-        </p:nvSpPr>
-        <p:spPr>
-          <a:xfrm>
-            <a:off x="795528" y="3401568"/>
-            <a:ext cx="2212848" cy="384048"/>
-          </a:xfrm>
-          <a:prstGeom prst="rect">
-            <a:avLst/>
-          </a:prstGeom>
-          <a:noFill/>
-          <a:ln/>
-        </p:spPr>
-        <p:txBody>
-          <a:bodyPr wrap="square" rtlCol="0" anchor="ctr"/>
-          <a:lstStyle/>
-          <a:p>
-            <a:pPr marL="0" indent="0">
-              <a:buNone/>
-            </a:pPr>
-            <a:r>
-              <a:rPr lang="en-US" sz="1100" dirty="0">
-                <a:solidFill>
-                  <a:srgbClr val="1C1C1C"/>
-                </a:solidFill>
-                <a:latin typeface="Calibri" pitchFamily="34" charset="0"/>
-                <a:ea typeface="Calibri" pitchFamily="34" charset="-122"/>
-                <a:cs typeface="Calibri" pitchFamily="34" charset="-120"/>
-              </a:rPr>
-              <a:t>Фотосессии: статусы и выбор работают</a:t>
-            </a:r>
-            <a:endParaRPr lang="en-US" sz="1100" dirty="0"/>
-          </a:p>
-        </p:txBody>
-      </p:sp>
-      <p:sp>
-        <p:nvSpPr>
-          <p:cNvPr id="16" name="Shape 14"/>
-          <p:cNvSpPr/>
-          <p:nvPr/>
-        </p:nvSpPr>
-        <p:spPr>
-          <a:xfrm>
-            <a:off x="594360" y="3959352"/>
-            <a:ext cx="109728" cy="109728"/>
-          </a:xfrm>
-          <a:prstGeom prst="ellipse">
-            <a:avLst/>
-          </a:prstGeom>
-          <a:solidFill>
-            <a:srgbClr val="B89A6A"/>
-          </a:solidFill>
-          <a:ln w="12700">
-            <a:solidFill>
-              <a:srgbClr val="B89A6A"/>
-            </a:solidFill>
-            <a:prstDash val="solid"/>
-          </a:ln>
-        </p:spPr>
-      </p:sp>
-      <p:sp>
-        <p:nvSpPr>
-          <p:cNvPr id="17" name="Text 15"/>
-          <p:cNvSpPr/>
-          <p:nvPr/>
-        </p:nvSpPr>
-        <p:spPr>
-          <a:xfrm>
-            <a:off x="795528" y="3913632"/>
-            <a:ext cx="2212848" cy="384048"/>
-          </a:xfrm>
-          <a:prstGeom prst="rect">
-            <a:avLst/>
-          </a:prstGeom>
-          <a:noFill/>
-          <a:ln/>
-        </p:spPr>
-        <p:txBody>
-          <a:bodyPr wrap="square" rtlCol="0" anchor="ctr"/>
-          <a:lstStyle/>
-          <a:p>
-            <a:pPr marL="0" indent="0">
-              <a:buNone/>
-            </a:pPr>
-            <a:r>
-              <a:rPr lang="en-US" sz="1100" dirty="0">
-                <a:solidFill>
-                  <a:srgbClr val="1C1C1C"/>
-                </a:solidFill>
-                <a:latin typeface="Calibri" pitchFamily="34" charset="0"/>
-                <a:ea typeface="Calibri" pitchFamily="34" charset="-122"/>
-                <a:cs typeface="Calibri" pitchFamily="34" charset="-120"/>
-              </a:rPr>
-              <a:t>Права доступа разграничены верно</a:t>
-            </a:r>
-            <a:endParaRPr lang="en-US" sz="1100" dirty="0"/>
-          </a:p>
-        </p:txBody>
-      </p:sp>
-      <p:sp>
-        <p:nvSpPr>
-          <p:cNvPr id="18" name="Shape 16"/>
-          <p:cNvSpPr/>
-          <p:nvPr/>
-        </p:nvSpPr>
-        <p:spPr>
-          <a:xfrm>
-            <a:off x="3291840" y="1143000"/>
-            <a:ext cx="2697480" cy="3611880"/>
-          </a:xfrm>
-          <a:prstGeom prst="rect">
-            <a:avLst/>
-          </a:prstGeom>
-          <a:solidFill>
-            <a:srgbClr val="F0EDE8"/>
-          </a:solidFill>
-          <a:ln w="12700">
-            <a:solidFill>
-              <a:srgbClr val="E8E0D4"/>
-            </a:solidFill>
-            <a:prstDash val="solid"/>
-          </a:ln>
-        </p:spPr>
-      </p:sp>
-      <p:sp>
-        <p:nvSpPr>
-          <p:cNvPr id="19" name="Shape 17"/>
-          <p:cNvSpPr/>
-          <p:nvPr/>
-        </p:nvSpPr>
-        <p:spPr>
-          <a:xfrm>
-            <a:off x="3291840" y="1143000"/>
-            <a:ext cx="2697480" cy="594360"/>
-          </a:xfrm>
-          <a:prstGeom prst="rect">
-            <a:avLst/>
-          </a:prstGeom>
-          <a:solidFill>
-            <a:srgbClr val="1C1C1C"/>
-          </a:solidFill>
-          <a:ln w="12700">
-            <a:solidFill>
-              <a:srgbClr val="1C1C1C"/>
-            </a:solidFill>
-            <a:prstDash val="solid"/>
-          </a:ln>
-        </p:spPr>
-      </p:sp>
-      <p:sp>
-        <p:nvSpPr>
-          <p:cNvPr id="20" name="Text 18"/>
-          <p:cNvSpPr/>
-          <p:nvPr/>
-        </p:nvSpPr>
-        <p:spPr>
-          <a:xfrm>
-            <a:off x="3401568" y="1170432"/>
-            <a:ext cx="2478024" cy="539496"/>
-          </a:xfrm>
-          <a:prstGeom prst="rect">
-            <a:avLst/>
-          </a:prstGeom>
-          <a:noFill/>
-          <a:ln/>
-        </p:spPr>
-        <p:txBody>
-          <a:bodyPr wrap="square" rtlCol="0" anchor="ctr"/>
-          <a:lstStyle/>
-          <a:p>
-            <a:pPr marL="0" indent="0" algn="ctr">
-              <a:buNone/>
-            </a:pPr>
-            <a:r>
-              <a:rPr lang="en-US" sz="1150" b="1" dirty="0">
-                <a:solidFill>
-                  <a:srgbClr val="FFFFFF"/>
-                </a:solidFill>
-                <a:latin typeface="Calibri" pitchFamily="34" charset="0"/>
-                <a:ea typeface="Calibri" pitchFamily="34" charset="-122"/>
-                <a:cs typeface="Calibri" pitchFamily="34" charset="-120"/>
-              </a:rPr>
-              <a:t>UI-тестирование</a:t>
-            </a:r>
-            <a:endParaRPr lang="en-US" sz="1150" dirty="0"/>
-          </a:p>
-          <a:p>
-            <a:pPr marL="0" indent="0" algn="ctr">
-              <a:buNone/>
-            </a:pPr>
-            <a:r>
-              <a:rPr lang="en-US" sz="1150" b="1" dirty="0">
-                <a:solidFill>
-                  <a:srgbClr val="FFFFFF"/>
-                </a:solidFill>
-                <a:latin typeface="Calibri" pitchFamily="34" charset="0"/>
-                <a:ea typeface="Calibri" pitchFamily="34" charset="-122"/>
-                <a:cs typeface="Calibri" pitchFamily="34" charset="-120"/>
-              </a:rPr>
-              <a:t>(интерфейс)</a:t>
-            </a:r>
-            <a:endParaRPr lang="en-US" sz="1150" dirty="0"/>
-          </a:p>
-        </p:txBody>
-      </p:sp>
-      <p:sp>
-        <p:nvSpPr>
-          <p:cNvPr id="21" name="Shape 19"/>
-          <p:cNvSpPr/>
-          <p:nvPr/>
-        </p:nvSpPr>
-        <p:spPr>
-          <a:xfrm>
-            <a:off x="3749040" y="1874520"/>
-            <a:ext cx="1783080" cy="384048"/>
-          </a:xfrm>
-          <a:prstGeom prst="rect">
-            <a:avLst/>
-          </a:prstGeom>
-          <a:solidFill>
-            <a:srgbClr val="2D6A4F"/>
-          </a:solidFill>
-          <a:ln w="12700">
-            <a:solidFill>
-              <a:srgbClr val="2D6A4F"/>
-            </a:solidFill>
-            <a:prstDash val="solid"/>
-          </a:ln>
-        </p:spPr>
-      </p:sp>
-      <p:sp>
-        <p:nvSpPr>
-          <p:cNvPr id="22" name="Text 20"/>
-          <p:cNvSpPr/>
-          <p:nvPr/>
-        </p:nvSpPr>
-        <p:spPr>
-          <a:xfrm>
-            <a:off x="3749040" y="1874520"/>
-            <a:ext cx="1783080" cy="384048"/>
-          </a:xfrm>
-          <a:prstGeom prst="rect">
-            <a:avLst/>
-          </a:prstGeom>
-          <a:noFill/>
-          <a:ln/>
-        </p:spPr>
-        <p:txBody>
-          <a:bodyPr wrap="square" rtlCol="0" anchor="ctr"/>
-          <a:lstStyle/>
-          <a:p>
-            <a:pPr marL="0" indent="0" algn="ctr">
-              <a:buNone/>
-            </a:pPr>
-            <a:r>
-              <a:rPr lang="en-US" sz="1200" b="1" dirty="0">
-                <a:solidFill>
-                  <a:srgbClr val="FFFFFF"/>
-                </a:solidFill>
-                <a:latin typeface="Calibri" pitchFamily="34" charset="0"/>
-                <a:ea typeface="Calibri" pitchFamily="34" charset="-122"/>
-                <a:cs typeface="Calibri" pitchFamily="34" charset="-120"/>
-              </a:rPr>
-              <a:t>ПРОЙДЕНО</a:t>
-            </a:r>
-            <a:endParaRPr lang="en-US" sz="1200" dirty="0"/>
-          </a:p>
-        </p:txBody>
-      </p:sp>
-      <p:sp>
-        <p:nvSpPr>
-          <p:cNvPr id="23" name="Shape 21"/>
-          <p:cNvSpPr/>
-          <p:nvPr/>
-        </p:nvSpPr>
-        <p:spPr>
-          <a:xfrm>
-            <a:off x="3474720" y="2423160"/>
-            <a:ext cx="109728" cy="109728"/>
-          </a:xfrm>
-          <a:prstGeom prst="ellipse">
-            <a:avLst/>
-          </a:prstGeom>
-          <a:solidFill>
-            <a:srgbClr val="B89A6A"/>
-          </a:solidFill>
-          <a:ln w="12700">
-            <a:solidFill>
-              <a:srgbClr val="B89A6A"/>
-            </a:solidFill>
-            <a:prstDash val="solid"/>
-          </a:ln>
-        </p:spPr>
-      </p:sp>
-      <p:sp>
-        <p:nvSpPr>
-          <p:cNvPr id="24" name="Text 22"/>
-          <p:cNvSpPr/>
-          <p:nvPr/>
-        </p:nvSpPr>
-        <p:spPr>
-          <a:xfrm>
-            <a:off x="3675888" y="2377440"/>
-            <a:ext cx="2212848" cy="384048"/>
-          </a:xfrm>
-          <a:prstGeom prst="rect">
-            <a:avLst/>
-          </a:prstGeom>
-          <a:noFill/>
-          <a:ln/>
-        </p:spPr>
-        <p:txBody>
-          <a:bodyPr wrap="square" rtlCol="0" anchor="ctr"/>
-          <a:lstStyle/>
-          <a:p>
-            <a:pPr marL="0" indent="0">
-              <a:buNone/>
-            </a:pPr>
-            <a:r>
-              <a:rPr lang="en-US" sz="1100" dirty="0">
-                <a:solidFill>
-                  <a:srgbClr val="1C1C1C"/>
-                </a:solidFill>
-                <a:latin typeface="Calibri" pitchFamily="34" charset="0"/>
-                <a:ea typeface="Calibri" pitchFamily="34" charset="-122"/>
-                <a:cs typeface="Calibri" pitchFamily="34" charset="-120"/>
-              </a:rPr>
-              <a:t>320px (мобильный) — корректно</a:t>
-            </a:r>
-            <a:endParaRPr lang="en-US" sz="1100" dirty="0"/>
-          </a:p>
-        </p:txBody>
-      </p:sp>
-      <p:sp>
-        <p:nvSpPr>
-          <p:cNvPr id="25" name="Shape 23"/>
-          <p:cNvSpPr/>
-          <p:nvPr/>
-        </p:nvSpPr>
-        <p:spPr>
-          <a:xfrm>
-            <a:off x="3474720" y="2935224"/>
-            <a:ext cx="109728" cy="109728"/>
-          </a:xfrm>
-          <a:prstGeom prst="ellipse">
-            <a:avLst/>
-          </a:prstGeom>
-          <a:solidFill>
-            <a:srgbClr val="B89A6A"/>
-          </a:solidFill>
-          <a:ln w="12700">
-            <a:solidFill>
-              <a:srgbClr val="B89A6A"/>
-            </a:solidFill>
-            <a:prstDash val="solid"/>
-          </a:ln>
-        </p:spPr>
-      </p:sp>
-      <p:sp>
-        <p:nvSpPr>
-          <p:cNvPr id="26" name="Text 24"/>
-          <p:cNvSpPr/>
-          <p:nvPr/>
-        </p:nvSpPr>
-        <p:spPr>
-          <a:xfrm>
-            <a:off x="3675888" y="2889504"/>
-            <a:ext cx="2212848" cy="384048"/>
-          </a:xfrm>
-          <a:prstGeom prst="rect">
-            <a:avLst/>
-          </a:prstGeom>
-          <a:noFill/>
-          <a:ln/>
-        </p:spPr>
-        <p:txBody>
-          <a:bodyPr wrap="square" rtlCol="0" anchor="ctr"/>
-          <a:lstStyle/>
-          <a:p>
-            <a:pPr marL="0" indent="0">
-              <a:buNone/>
-            </a:pPr>
-            <a:r>
-              <a:rPr lang="en-US" sz="1100" dirty="0">
-                <a:solidFill>
-                  <a:srgbClr val="1C1C1C"/>
-                </a:solidFill>
-                <a:latin typeface="Calibri" pitchFamily="34" charset="0"/>
-                <a:ea typeface="Calibri" pitchFamily="34" charset="-122"/>
-                <a:cs typeface="Calibri" pitchFamily="34" charset="-120"/>
-              </a:rPr>
-              <a:t>768px (планшет) — корректно</a:t>
-            </a:r>
-            <a:endParaRPr lang="en-US" sz="1100" dirty="0"/>
-          </a:p>
-        </p:txBody>
-      </p:sp>
-      <p:sp>
-        <p:nvSpPr>
-          <p:cNvPr id="27" name="Shape 25"/>
-          <p:cNvSpPr/>
-          <p:nvPr/>
-        </p:nvSpPr>
-        <p:spPr>
-          <a:xfrm>
-            <a:off x="3474720" y="3447288"/>
-            <a:ext cx="109728" cy="109728"/>
-          </a:xfrm>
-          <a:prstGeom prst="ellipse">
-            <a:avLst/>
-          </a:prstGeom>
-          <a:solidFill>
-            <a:srgbClr val="B89A6A"/>
-          </a:solidFill>
-          <a:ln w="12700">
-            <a:solidFill>
-              <a:srgbClr val="B89A6A"/>
-            </a:solidFill>
-            <a:prstDash val="solid"/>
-          </a:ln>
-        </p:spPr>
-      </p:sp>
-      <p:sp>
-        <p:nvSpPr>
-          <p:cNvPr id="28" name="Text 26"/>
-          <p:cNvSpPr/>
-          <p:nvPr/>
-        </p:nvSpPr>
-        <p:spPr>
-          <a:xfrm>
-            <a:off x="3675888" y="3401568"/>
-            <a:ext cx="2212848" cy="384048"/>
-          </a:xfrm>
-          <a:prstGeom prst="rect">
-            <a:avLst/>
-          </a:prstGeom>
-          <a:noFill/>
-          <a:ln/>
-        </p:spPr>
-        <p:txBody>
-          <a:bodyPr wrap="square" rtlCol="0" anchor="ctr"/>
-          <a:lstStyle/>
-          <a:p>
-            <a:pPr marL="0" indent="0">
-              <a:buNone/>
-            </a:pPr>
-            <a:r>
-              <a:rPr lang="en-US" sz="1100" dirty="0">
-                <a:solidFill>
-                  <a:srgbClr val="1C1C1C"/>
-                </a:solidFill>
-                <a:latin typeface="Calibri" pitchFamily="34" charset="0"/>
-                <a:ea typeface="Calibri" pitchFamily="34" charset="-122"/>
-                <a:cs typeface="Calibri" pitchFamily="34" charset="-120"/>
-              </a:rPr>
-              <a:t>1920px (десктоп) — корректно</a:t>
-            </a:r>
-            <a:endParaRPr lang="en-US" sz="1100" dirty="0"/>
-          </a:p>
-        </p:txBody>
-      </p:sp>
-      <p:sp>
-        <p:nvSpPr>
-          <p:cNvPr id="29" name="Shape 27"/>
-          <p:cNvSpPr/>
-          <p:nvPr/>
-        </p:nvSpPr>
-        <p:spPr>
-          <a:xfrm>
-            <a:off x="3474720" y="3959352"/>
-            <a:ext cx="109728" cy="109728"/>
-          </a:xfrm>
-          <a:prstGeom prst="ellipse">
-            <a:avLst/>
-          </a:prstGeom>
-          <a:solidFill>
-            <a:srgbClr val="B89A6A"/>
-          </a:solidFill>
-          <a:ln w="12700">
-            <a:solidFill>
-              <a:srgbClr val="B89A6A"/>
-            </a:solidFill>
-            <a:prstDash val="solid"/>
-          </a:ln>
-        </p:spPr>
-      </p:sp>
-      <p:sp>
-        <p:nvSpPr>
-          <p:cNvPr id="30" name="Text 28"/>
-          <p:cNvSpPr/>
-          <p:nvPr/>
-        </p:nvSpPr>
-        <p:spPr>
-          <a:xfrm>
-            <a:off x="3675888" y="3913632"/>
-            <a:ext cx="2212848" cy="384048"/>
-          </a:xfrm>
-          <a:prstGeom prst="rect">
-            <a:avLst/>
-          </a:prstGeom>
-          <a:noFill/>
-          <a:ln/>
-        </p:spPr>
-        <p:txBody>
-          <a:bodyPr wrap="square" rtlCol="0" anchor="ctr"/>
-          <a:lstStyle/>
-          <a:p>
-            <a:pPr marL="0" indent="0">
-              <a:buNone/>
-            </a:pPr>
-            <a:r>
-              <a:rPr lang="en-US" sz="1100" dirty="0">
-                <a:solidFill>
-                  <a:srgbClr val="1C1C1C"/>
-                </a:solidFill>
-                <a:latin typeface="Calibri" pitchFamily="34" charset="0"/>
-                <a:ea typeface="Calibri" pitchFamily="34" charset="-122"/>
-                <a:cs typeface="Calibri" pitchFamily="34" charset="-120"/>
-              </a:rPr>
-              <a:t>Hover-эффекты на всех элементах</a:t>
-            </a:r>
-            <a:endParaRPr lang="en-US" sz="1100" dirty="0"/>
-          </a:p>
-        </p:txBody>
-      </p:sp>
-      <p:sp>
-        <p:nvSpPr>
-          <p:cNvPr id="31" name="Shape 29"/>
-          <p:cNvSpPr/>
-          <p:nvPr/>
-        </p:nvSpPr>
-        <p:spPr>
-          <a:xfrm>
-            <a:off x="6172200" y="1143000"/>
-            <a:ext cx="2697480" cy="3611880"/>
-          </a:xfrm>
-          <a:prstGeom prst="rect">
-            <a:avLst/>
-          </a:prstGeom>
-          <a:solidFill>
-            <a:srgbClr val="F0EDE8"/>
-          </a:solidFill>
-          <a:ln w="12700">
-            <a:solidFill>
-              <a:srgbClr val="E8E0D4"/>
-            </a:solidFill>
-            <a:prstDash val="solid"/>
-          </a:ln>
-        </p:spPr>
-      </p:sp>
-      <p:sp>
-        <p:nvSpPr>
-          <p:cNvPr id="32" name="Shape 30"/>
-          <p:cNvSpPr/>
-          <p:nvPr/>
-        </p:nvSpPr>
-        <p:spPr>
-          <a:xfrm>
-            <a:off x="6172200" y="1143000"/>
-            <a:ext cx="2697480" cy="594360"/>
-          </a:xfrm>
-          <a:prstGeom prst="rect">
-            <a:avLst/>
-          </a:prstGeom>
-          <a:solidFill>
-            <a:srgbClr val="1C1C1C"/>
-          </a:solidFill>
-          <a:ln w="12700">
-            <a:solidFill>
-              <a:srgbClr val="1C1C1C"/>
-            </a:solidFill>
-            <a:prstDash val="solid"/>
-          </a:ln>
-        </p:spPr>
-      </p:sp>
-      <p:sp>
-        <p:nvSpPr>
-          <p:cNvPr id="33" name="Text 31"/>
-          <p:cNvSpPr/>
-          <p:nvPr/>
-        </p:nvSpPr>
-        <p:spPr>
-          <a:xfrm>
-            <a:off x="6281928" y="1170432"/>
-            <a:ext cx="2478024" cy="539496"/>
-          </a:xfrm>
-          <a:prstGeom prst="rect">
-            <a:avLst/>
-          </a:prstGeom>
-          <a:noFill/>
-          <a:ln/>
-        </p:spPr>
-        <p:txBody>
-          <a:bodyPr wrap="square" rtlCol="0" anchor="ctr"/>
-          <a:lstStyle/>
-          <a:p>
-            <a:pPr marL="0" indent="0" algn="ctr">
-              <a:buNone/>
-            </a:pPr>
-            <a:r>
-              <a:rPr lang="en-US" sz="1150" b="1" dirty="0">
-                <a:solidFill>
-                  <a:srgbClr val="FFFFFF"/>
-                </a:solidFill>
-                <a:latin typeface="Calibri" pitchFamily="34" charset="0"/>
-                <a:ea typeface="Calibri" pitchFamily="34" charset="-122"/>
-                <a:cs typeface="Calibri" pitchFamily="34" charset="-120"/>
-              </a:rPr>
-              <a:t>Тестирование</a:t>
-            </a:r>
-            <a:endParaRPr lang="en-US" sz="1150" dirty="0"/>
-          </a:p>
-          <a:p>
-            <a:pPr marL="0" indent="0" algn="ctr">
-              <a:buNone/>
-            </a:pPr>
-            <a:r>
-              <a:rPr lang="en-US" sz="1150" b="1" dirty="0">
-                <a:solidFill>
-                  <a:srgbClr val="FFFFFF"/>
-                </a:solidFill>
-                <a:latin typeface="Calibri" pitchFamily="34" charset="0"/>
-                <a:ea typeface="Calibri" pitchFamily="34" charset="-122"/>
-                <a:cs typeface="Calibri" pitchFamily="34" charset="-120"/>
-              </a:rPr>
-              <a:t>безопасности</a:t>
-            </a:r>
-            <a:endParaRPr lang="en-US" sz="1150" dirty="0"/>
-          </a:p>
-        </p:txBody>
-      </p:sp>
-      <p:sp>
-        <p:nvSpPr>
-          <p:cNvPr id="34" name="Shape 32"/>
-          <p:cNvSpPr/>
-          <p:nvPr/>
-        </p:nvSpPr>
-        <p:spPr>
-          <a:xfrm>
-            <a:off x="6629400" y="1874520"/>
-            <a:ext cx="1783080" cy="384048"/>
-          </a:xfrm>
-          <a:prstGeom prst="rect">
-            <a:avLst/>
-          </a:prstGeom>
-          <a:solidFill>
-            <a:srgbClr val="2D6A4F"/>
-          </a:solidFill>
-          <a:ln w="12700">
-            <a:solidFill>
-              <a:srgbClr val="2D6A4F"/>
-            </a:solidFill>
-            <a:prstDash val="solid"/>
-          </a:ln>
-        </p:spPr>
-      </p:sp>
-      <p:sp>
-        <p:nvSpPr>
-          <p:cNvPr id="35" name="Text 33"/>
-          <p:cNvSpPr/>
-          <p:nvPr/>
-        </p:nvSpPr>
-        <p:spPr>
-          <a:xfrm>
-            <a:off x="6629400" y="1874520"/>
-            <a:ext cx="1783080" cy="384048"/>
-          </a:xfrm>
-          <a:prstGeom prst="rect">
-            <a:avLst/>
-          </a:prstGeom>
-          <a:noFill/>
-          <a:ln/>
-        </p:spPr>
-        <p:txBody>
-          <a:bodyPr wrap="square" rtlCol="0" anchor="ctr"/>
-          <a:lstStyle/>
-          <a:p>
-            <a:pPr marL="0" indent="0" algn="ctr">
-              <a:buNone/>
-            </a:pPr>
-            <a:r>
-              <a:rPr lang="en-US" sz="1200" b="1" dirty="0">
-                <a:solidFill>
-                  <a:srgbClr val="FFFFFF"/>
-                </a:solidFill>
-                <a:latin typeface="Calibri" pitchFamily="34" charset="0"/>
-                <a:ea typeface="Calibri" pitchFamily="34" charset="-122"/>
-                <a:cs typeface="Calibri" pitchFamily="34" charset="-120"/>
-              </a:rPr>
-              <a:t>ПРОЙДЕНО</a:t>
-            </a:r>
-            <a:endParaRPr lang="en-US" sz="1200" dirty="0"/>
-          </a:p>
-        </p:txBody>
-      </p:sp>
-      <p:sp>
-        <p:nvSpPr>
-          <p:cNvPr id="36" name="Shape 34"/>
-          <p:cNvSpPr/>
-          <p:nvPr/>
-        </p:nvSpPr>
-        <p:spPr>
-          <a:xfrm>
-            <a:off x="6355080" y="2423160"/>
-            <a:ext cx="109728" cy="109728"/>
-          </a:xfrm>
-          <a:prstGeom prst="ellipse">
-            <a:avLst/>
-          </a:prstGeom>
-          <a:solidFill>
-            <a:srgbClr val="B89A6A"/>
-          </a:solidFill>
-          <a:ln w="12700">
-            <a:solidFill>
-              <a:srgbClr val="B89A6A"/>
-            </a:solidFill>
-            <a:prstDash val="solid"/>
-          </a:ln>
-        </p:spPr>
-      </p:sp>
-      <p:sp>
-        <p:nvSpPr>
-          <p:cNvPr id="37" name="Text 35"/>
-          <p:cNvSpPr/>
-          <p:nvPr/>
-        </p:nvSpPr>
-        <p:spPr>
-          <a:xfrm>
-            <a:off x="6556248" y="2377440"/>
-            <a:ext cx="2212848" cy="384048"/>
-          </a:xfrm>
-          <a:prstGeom prst="rect">
-            <a:avLst/>
-          </a:prstGeom>
-          <a:noFill/>
-          <a:ln/>
-        </p:spPr>
-        <p:txBody>
-          <a:bodyPr wrap="square" rtlCol="0" anchor="ctr"/>
-          <a:lstStyle/>
-          <a:p>
-            <a:pPr marL="0" indent="0">
-              <a:buNone/>
-            </a:pPr>
-            <a:r>
-              <a:rPr lang="en-US" sz="1100" dirty="0">
-                <a:solidFill>
-                  <a:srgbClr val="1C1C1C"/>
-                </a:solidFill>
-                <a:latin typeface="Calibri" pitchFamily="34" charset="0"/>
-                <a:ea typeface="Calibri" pitchFamily="34" charset="-122"/>
-                <a:cs typeface="Calibri" pitchFamily="34" charset="-120"/>
-              </a:rPr>
-              <a:t>/admin без авторизации → 401</a:t>
-            </a:r>
-            <a:endParaRPr lang="en-US" sz="1100" dirty="0"/>
-          </a:p>
-        </p:txBody>
-      </p:sp>
-      <p:sp>
-        <p:nvSpPr>
-          <p:cNvPr id="38" name="Shape 36"/>
-          <p:cNvSpPr/>
-          <p:nvPr/>
-        </p:nvSpPr>
-        <p:spPr>
-          <a:xfrm>
-            <a:off x="6355080" y="2935224"/>
-            <a:ext cx="109728" cy="109728"/>
-          </a:xfrm>
-          <a:prstGeom prst="ellipse">
-            <a:avLst/>
-          </a:prstGeom>
-          <a:solidFill>
-            <a:srgbClr val="B89A6A"/>
-          </a:solidFill>
-          <a:ln w="12700">
-            <a:solidFill>
-              <a:srgbClr val="B89A6A"/>
-            </a:solidFill>
-            <a:prstDash val="solid"/>
-          </a:ln>
-        </p:spPr>
-      </p:sp>
-      <p:sp>
-        <p:nvSpPr>
-          <p:cNvPr id="39" name="Text 37"/>
-          <p:cNvSpPr/>
-          <p:nvPr/>
-        </p:nvSpPr>
-        <p:spPr>
-          <a:xfrm>
-            <a:off x="6556248" y="2889504"/>
-            <a:ext cx="2212848" cy="384048"/>
-          </a:xfrm>
-          <a:prstGeom prst="rect">
-            <a:avLst/>
-          </a:prstGeom>
-          <a:noFill/>
-          <a:ln/>
-        </p:spPr>
-        <p:txBody>
-          <a:bodyPr wrap="square" rtlCol="0" anchor="ctr"/>
-          <a:lstStyle/>
-          <a:p>
-            <a:pPr marL="0" indent="0">
-              <a:buNone/>
-            </a:pPr>
-            <a:r>
-              <a:rPr lang="en-US" sz="1100" dirty="0">
-                <a:solidFill>
-                  <a:srgbClr val="1C1C1C"/>
-                </a:solidFill>
-                <a:latin typeface="Calibri" pitchFamily="34" charset="0"/>
-                <a:ea typeface="Calibri" pitchFamily="34" charset="-122"/>
-                <a:cs typeface="Calibri" pitchFamily="34" charset="-120"/>
-              </a:rPr>
-              <a:t>Клиент не видит чужие данные</a:t>
-            </a:r>
-            <a:endParaRPr lang="en-US" sz="1100" dirty="0"/>
-          </a:p>
-        </p:txBody>
-      </p:sp>
-      <p:sp>
-        <p:nvSpPr>
-          <p:cNvPr id="40" name="Shape 38"/>
-          <p:cNvSpPr/>
-          <p:nvPr/>
-        </p:nvSpPr>
-        <p:spPr>
-          <a:xfrm>
-            <a:off x="6355080" y="3447288"/>
-            <a:ext cx="109728" cy="109728"/>
-          </a:xfrm>
-          <a:prstGeom prst="ellipse">
-            <a:avLst/>
-          </a:prstGeom>
-          <a:solidFill>
-            <a:srgbClr val="B89A6A"/>
-          </a:solidFill>
-          <a:ln w="12700">
-            <a:solidFill>
-              <a:srgbClr val="B89A6A"/>
-            </a:solidFill>
-            <a:prstDash val="solid"/>
-          </a:ln>
-        </p:spPr>
-      </p:sp>
-      <p:sp>
-        <p:nvSpPr>
-          <p:cNvPr id="41" name="Text 39"/>
-          <p:cNvSpPr/>
-          <p:nvPr/>
-        </p:nvSpPr>
-        <p:spPr>
-          <a:xfrm>
-            <a:off x="6556248" y="3401568"/>
-            <a:ext cx="2212848" cy="384048"/>
-          </a:xfrm>
-          <a:prstGeom prst="rect">
-            <a:avLst/>
-          </a:prstGeom>
-          <a:noFill/>
-          <a:ln/>
-        </p:spPr>
-        <p:txBody>
-          <a:bodyPr wrap="square" rtlCol="0" anchor="ctr"/>
-          <a:lstStyle/>
-          <a:p>
-            <a:pPr marL="0" indent="0">
-              <a:buNone/>
-            </a:pPr>
-            <a:r>
-              <a:rPr lang="en-US" sz="1100" dirty="0">
-                <a:solidFill>
-                  <a:srgbClr val="1C1C1C"/>
-                </a:solidFill>
-                <a:latin typeface="Calibri" pitchFamily="34" charset="0"/>
-                <a:ea typeface="Calibri" pitchFamily="34" charset="-122"/>
-                <a:cs typeface="Calibri" pitchFamily="34" charset="-120"/>
-              </a:rPr>
-              <a:t>Bcrypt для паролей</a:t>
-            </a:r>
-            <a:endParaRPr lang="en-US" sz="1100" dirty="0"/>
-          </a:p>
-        </p:txBody>
-      </p:sp>
-    </p:spTree>
-  </p:cSld>
-  <p:clrMapOvr>
-    <a:masterClrMapping/>
-  </p:clrMapOvr>
-</p:sld>
-</file>
-
-<file path=ppt/slides/slide11.xml><?xml version="1.0" encoding="utf-8"?>
-<p:sld xmlns:a="http://schemas.openxmlformats.org/drawingml/2006/main" xmlns:r="http://schemas.openxmlformats.org/officeDocument/2006/relationships" xmlns:p="http://schemas.openxmlformats.org/presentationml/2006/main">
   <p:cSld name="Slide 11">
     <p:bg>
       <p:bgPr>
@@ -10887,7 +9466,7 @@
                 <a:ea typeface="Calibri" pitchFamily="34" charset="-122"/>
                 <a:cs typeface="Calibri" pitchFamily="34" charset="-120"/>
               </a:rPr>
-              <a:t>ИННОВАЦИОННЫЙ МОДУЛЬ «МОИ ФОТОСЕССИИ»</a:t>
+              <a:t>МОДУЛЬ «МОИ ФОТОСЕССИИ»</a:t>
             </a:r>
             <a:endParaRPr lang="en-US" sz="1800" dirty="0"/>
           </a:p>
@@ -12119,11 +10698,11 @@
 
 <file path=ppt/slides/slide9.xml><?xml version="1.0" encoding="utf-8"?>
 <p:sld xmlns:a="http://schemas.openxmlformats.org/drawingml/2006/main" xmlns:r="http://schemas.openxmlformats.org/officeDocument/2006/relationships" xmlns:p="http://schemas.openxmlformats.org/presentationml/2006/main">
-  <p:cSld name="Slide 9">
+  <p:cSld name="Slide 10">
     <p:bg>
       <p:bgPr>
         <a:solidFill>
-          <a:srgbClr val="1C1C1C"/>
+          <a:srgbClr val="F7F4EF"/>
         </a:solidFill>
         <a:effectLst/>
       </p:bgPr>
@@ -12151,6 +10730,31 @@
         <p:spPr>
           <a:xfrm>
             <a:off x="0" y="0"/>
+            <a:ext cx="9144000" cy="1005840"/>
+          </a:xfrm>
+          <a:prstGeom prst="rect">
+            <a:avLst/>
+          </a:prstGeom>
+          <a:solidFill>
+            <a:srgbClr val="1C1C1C"/>
+          </a:solidFill>
+          <a:ln w="12700">
+            <a:solidFill>
+              <a:srgbClr val="1C1C1C"/>
+            </a:solidFill>
+            <a:prstDash val="solid"/>
+          </a:ln>
+        </p:spPr>
+      </p:sp>
+      <p:sp>
+        <p:nvSpPr>
+          <p:cNvPr id="3" name="Shape 1"/>
+          <p:cNvSpPr/>
+          <p:nvPr/>
+        </p:nvSpPr>
+        <p:spPr>
+          <a:xfrm>
+            <a:off x="0" y="0"/>
             <a:ext cx="201168" cy="5143500"/>
           </a:xfrm>
           <a:prstGeom prst="rect">
@@ -12169,14 +10773,248 @@
       </p:sp>
       <p:sp>
         <p:nvSpPr>
-          <p:cNvPr id="3" name="Text 1"/>
+          <p:cNvPr id="4" name="Text 2"/>
           <p:cNvSpPr/>
           <p:nvPr/>
         </p:nvSpPr>
         <p:spPr>
           <a:xfrm>
             <a:off x="411480" y="274320"/>
-            <a:ext cx="8229600" cy="365760"/>
+            <a:ext cx="8229600" cy="457200"/>
+          </a:xfrm>
+          <a:prstGeom prst="rect">
+            <a:avLst/>
+          </a:prstGeom>
+          <a:noFill/>
+          <a:ln/>
+        </p:spPr>
+        <p:txBody>
+          <a:bodyPr wrap="square" rtlCol="0" anchor="ctr"/>
+          <a:lstStyle/>
+          <a:p>
+            <a:pPr marL="0" indent="0" algn="l">
+              <a:buNone/>
+            </a:pPr>
+            <a:r>
+              <a:rPr lang="en-US" sz="2000" b="1" kern="0" spc="300" dirty="0">
+                <a:solidFill>
+                  <a:srgbClr val="FFFFFF"/>
+                </a:solidFill>
+                <a:latin typeface="Calibri" pitchFamily="34" charset="0"/>
+                <a:ea typeface="Calibri" pitchFamily="34" charset="-122"/>
+                <a:cs typeface="Calibri" pitchFamily="34" charset="-120"/>
+              </a:rPr>
+              <a:t>ТЕСТИРОВАНИЕ ПРОДУКТА</a:t>
+            </a:r>
+            <a:endParaRPr lang="en-US" sz="2000" dirty="0"/>
+          </a:p>
+        </p:txBody>
+      </p:sp>
+      <p:sp>
+        <p:nvSpPr>
+          <p:cNvPr id="5" name="Shape 3"/>
+          <p:cNvSpPr/>
+          <p:nvPr/>
+        </p:nvSpPr>
+        <p:spPr>
+          <a:xfrm>
+            <a:off x="411480" y="1143000"/>
+            <a:ext cx="2697480" cy="3611880"/>
+          </a:xfrm>
+          <a:prstGeom prst="rect">
+            <a:avLst/>
+          </a:prstGeom>
+          <a:solidFill>
+            <a:srgbClr val="F0EDE8"/>
+          </a:solidFill>
+          <a:ln w="12700">
+            <a:solidFill>
+              <a:srgbClr val="E8E0D4"/>
+            </a:solidFill>
+            <a:prstDash val="solid"/>
+          </a:ln>
+        </p:spPr>
+      </p:sp>
+      <p:sp>
+        <p:nvSpPr>
+          <p:cNvPr id="6" name="Shape 4"/>
+          <p:cNvSpPr/>
+          <p:nvPr/>
+        </p:nvSpPr>
+        <p:spPr>
+          <a:xfrm>
+            <a:off x="411480" y="1143000"/>
+            <a:ext cx="2697480" cy="594360"/>
+          </a:xfrm>
+          <a:prstGeom prst="rect">
+            <a:avLst/>
+          </a:prstGeom>
+          <a:solidFill>
+            <a:srgbClr val="1C1C1C"/>
+          </a:solidFill>
+          <a:ln w="12700">
+            <a:solidFill>
+              <a:srgbClr val="1C1C1C"/>
+            </a:solidFill>
+            <a:prstDash val="solid"/>
+          </a:ln>
+        </p:spPr>
+      </p:sp>
+      <p:sp>
+        <p:nvSpPr>
+          <p:cNvPr id="7" name="Text 5"/>
+          <p:cNvSpPr/>
+          <p:nvPr/>
+        </p:nvSpPr>
+        <p:spPr>
+          <a:xfrm>
+            <a:off x="521208" y="1170432"/>
+            <a:ext cx="2478024" cy="539496"/>
+          </a:xfrm>
+          <a:prstGeom prst="rect">
+            <a:avLst/>
+          </a:prstGeom>
+          <a:noFill/>
+          <a:ln/>
+        </p:spPr>
+        <p:txBody>
+          <a:bodyPr wrap="square" rtlCol="0" anchor="ctr"/>
+          <a:lstStyle/>
+          <a:p>
+            <a:pPr marL="0" indent="0" algn="ctr">
+              <a:buNone/>
+            </a:pPr>
+            <a:r>
+              <a:rPr lang="en-US" sz="1150" b="1" dirty="0">
+                <a:solidFill>
+                  <a:srgbClr val="FFFFFF"/>
+                </a:solidFill>
+                <a:latin typeface="Calibri" pitchFamily="34" charset="0"/>
+                <a:ea typeface="Calibri" pitchFamily="34" charset="-122"/>
+                <a:cs typeface="Calibri" pitchFamily="34" charset="-120"/>
+              </a:rPr>
+              <a:t>Функциональное</a:t>
+            </a:r>
+            <a:endParaRPr lang="en-US" sz="1150" dirty="0"/>
+          </a:p>
+          <a:p>
+            <a:pPr marL="0" indent="0" algn="ctr">
+              <a:buNone/>
+            </a:pPr>
+            <a:r>
+              <a:rPr lang="en-US" sz="1150" b="1" dirty="0">
+                <a:solidFill>
+                  <a:srgbClr val="FFFFFF"/>
+                </a:solidFill>
+                <a:latin typeface="Calibri" pitchFamily="34" charset="0"/>
+                <a:ea typeface="Calibri" pitchFamily="34" charset="-122"/>
+                <a:cs typeface="Calibri" pitchFamily="34" charset="-120"/>
+              </a:rPr>
+              <a:t>тестирование</a:t>
+            </a:r>
+            <a:endParaRPr lang="en-US" sz="1150" dirty="0"/>
+          </a:p>
+        </p:txBody>
+      </p:sp>
+      <p:sp>
+        <p:nvSpPr>
+          <p:cNvPr id="8" name="Shape 6"/>
+          <p:cNvSpPr/>
+          <p:nvPr/>
+        </p:nvSpPr>
+        <p:spPr>
+          <a:xfrm>
+            <a:off x="868680" y="1874520"/>
+            <a:ext cx="1783080" cy="384048"/>
+          </a:xfrm>
+          <a:prstGeom prst="rect">
+            <a:avLst/>
+          </a:prstGeom>
+          <a:solidFill>
+            <a:srgbClr val="2D6A4F"/>
+          </a:solidFill>
+          <a:ln w="12700">
+            <a:solidFill>
+              <a:srgbClr val="2D6A4F"/>
+            </a:solidFill>
+            <a:prstDash val="solid"/>
+          </a:ln>
+        </p:spPr>
+      </p:sp>
+      <p:sp>
+        <p:nvSpPr>
+          <p:cNvPr id="9" name="Text 7"/>
+          <p:cNvSpPr/>
+          <p:nvPr/>
+        </p:nvSpPr>
+        <p:spPr>
+          <a:xfrm>
+            <a:off x="868680" y="1874520"/>
+            <a:ext cx="1783080" cy="384048"/>
+          </a:xfrm>
+          <a:prstGeom prst="rect">
+            <a:avLst/>
+          </a:prstGeom>
+          <a:noFill/>
+          <a:ln/>
+        </p:spPr>
+        <p:txBody>
+          <a:bodyPr wrap="square" rtlCol="0" anchor="ctr"/>
+          <a:lstStyle/>
+          <a:p>
+            <a:pPr marL="0" indent="0" algn="ctr">
+              <a:buNone/>
+            </a:pPr>
+            <a:r>
+              <a:rPr lang="en-US" sz="1200" b="1" dirty="0">
+                <a:solidFill>
+                  <a:srgbClr val="FFFFFF"/>
+                </a:solidFill>
+                <a:latin typeface="Calibri" pitchFamily="34" charset="0"/>
+                <a:ea typeface="Calibri" pitchFamily="34" charset="-122"/>
+                <a:cs typeface="Calibri" pitchFamily="34" charset="-120"/>
+              </a:rPr>
+              <a:t>ПРОЙДЕНО</a:t>
+            </a:r>
+            <a:endParaRPr lang="en-US" sz="1200" dirty="0"/>
+          </a:p>
+        </p:txBody>
+      </p:sp>
+      <p:sp>
+        <p:nvSpPr>
+          <p:cNvPr id="10" name="Shape 8"/>
+          <p:cNvSpPr/>
+          <p:nvPr/>
+        </p:nvSpPr>
+        <p:spPr>
+          <a:xfrm>
+            <a:off x="594360" y="2423160"/>
+            <a:ext cx="109728" cy="109728"/>
+          </a:xfrm>
+          <a:prstGeom prst="ellipse">
+            <a:avLst/>
+          </a:prstGeom>
+          <a:solidFill>
+            <a:srgbClr val="B89A6A"/>
+          </a:solidFill>
+          <a:ln w="12700">
+            <a:solidFill>
+              <a:srgbClr val="B89A6A"/>
+            </a:solidFill>
+            <a:prstDash val="solid"/>
+          </a:ln>
+        </p:spPr>
+      </p:sp>
+      <p:sp>
+        <p:nvSpPr>
+          <p:cNvPr id="11" name="Text 9"/>
+          <p:cNvSpPr/>
+          <p:nvPr/>
+        </p:nvSpPr>
+        <p:spPr>
+          <a:xfrm>
+            <a:off x="795528" y="2377440"/>
+            <a:ext cx="2212848" cy="384048"/>
           </a:xfrm>
           <a:prstGeom prst="rect">
             <a:avLst/>
@@ -12192,15 +11030,15 @@
               <a:buNone/>
             </a:pPr>
             <a:r>
-              <a:rPr lang="en-US" sz="1100" b="1" kern="0" spc="300" dirty="0">
-                <a:solidFill>
-                  <a:srgbClr val="B89A6A"/>
-                </a:solidFill>
-                <a:latin typeface="Calibri" pitchFamily="34" charset="0"/>
-                <a:ea typeface="Calibri" pitchFamily="34" charset="-122"/>
-                <a:cs typeface="Calibri" pitchFamily="34" charset="-120"/>
-              </a:rPr>
-              <a:t>МОДЕЛИРОВАНИЕ ПРЕДМЕТНОЙ ОБЛАСТИ</a:t>
+              <a:rPr lang="en-US" sz="1100" dirty="0">
+                <a:solidFill>
+                  <a:srgbClr val="1C1C1C"/>
+                </a:solidFill>
+                <a:latin typeface="Calibri" pitchFamily="34" charset="0"/>
+                <a:ea typeface="Calibri" pitchFamily="34" charset="-122"/>
+                <a:cs typeface="Calibri" pitchFamily="34" charset="-120"/>
+              </a:rPr>
+              <a:t>Все 10 модулей проверены</a:t>
             </a:r>
             <a:endParaRPr lang="en-US" sz="1100" dirty="0"/>
           </a:p>
@@ -12208,14 +11046,39 @@
       </p:sp>
       <p:sp>
         <p:nvSpPr>
-          <p:cNvPr id="4" name="Text 2"/>
-          <p:cNvSpPr/>
-          <p:nvPr/>
-        </p:nvSpPr>
-        <p:spPr>
-          <a:xfrm>
-            <a:off x="411480" y="685800"/>
-            <a:ext cx="8229600" cy="365760"/>
+          <p:cNvPr id="12" name="Shape 10"/>
+          <p:cNvSpPr/>
+          <p:nvPr/>
+        </p:nvSpPr>
+        <p:spPr>
+          <a:xfrm>
+            <a:off x="594360" y="2935224"/>
+            <a:ext cx="109728" cy="109728"/>
+          </a:xfrm>
+          <a:prstGeom prst="ellipse">
+            <a:avLst/>
+          </a:prstGeom>
+          <a:solidFill>
+            <a:srgbClr val="B89A6A"/>
+          </a:solidFill>
+          <a:ln w="12700">
+            <a:solidFill>
+              <a:srgbClr val="B89A6A"/>
+            </a:solidFill>
+            <a:prstDash val="solid"/>
+          </a:ln>
+        </p:spPr>
+      </p:sp>
+      <p:sp>
+        <p:nvSpPr>
+          <p:cNvPr id="13" name="Text 11"/>
+          <p:cNvSpPr/>
+          <p:nvPr/>
+        </p:nvSpPr>
+        <p:spPr>
+          <a:xfrm>
+            <a:off x="795528" y="2889504"/>
+            <a:ext cx="2212848" cy="384048"/>
           </a:xfrm>
           <a:prstGeom prst="rect">
             <a:avLst/>
@@ -12231,57 +11094,330 @@
               <a:buNone/>
             </a:pPr>
             <a:r>
-              <a:rPr lang="en-US" sz="1800" i="1" dirty="0">
+              <a:rPr lang="en-US" sz="1100" dirty="0">
+                <a:solidFill>
+                  <a:srgbClr val="1C1C1C"/>
+                </a:solidFill>
+                <a:latin typeface="Calibri" pitchFamily="34" charset="0"/>
+                <a:ea typeface="Calibri" pitchFamily="34" charset="-122"/>
+                <a:cs typeface="Calibri" pitchFamily="34" charset="-120"/>
+              </a:rPr>
+              <a:t>Онлайн-запись: слоты корректны</a:t>
+            </a:r>
+            <a:endParaRPr lang="en-US" sz="1100" dirty="0"/>
+          </a:p>
+        </p:txBody>
+      </p:sp>
+      <p:sp>
+        <p:nvSpPr>
+          <p:cNvPr id="14" name="Shape 12"/>
+          <p:cNvSpPr/>
+          <p:nvPr/>
+        </p:nvSpPr>
+        <p:spPr>
+          <a:xfrm>
+            <a:off x="594360" y="3447288"/>
+            <a:ext cx="109728" cy="109728"/>
+          </a:xfrm>
+          <a:prstGeom prst="ellipse">
+            <a:avLst/>
+          </a:prstGeom>
+          <a:solidFill>
+            <a:srgbClr val="B89A6A"/>
+          </a:solidFill>
+          <a:ln w="12700">
+            <a:solidFill>
+              <a:srgbClr val="B89A6A"/>
+            </a:solidFill>
+            <a:prstDash val="solid"/>
+          </a:ln>
+        </p:spPr>
+      </p:sp>
+      <p:sp>
+        <p:nvSpPr>
+          <p:cNvPr id="15" name="Text 13"/>
+          <p:cNvSpPr/>
+          <p:nvPr/>
+        </p:nvSpPr>
+        <p:spPr>
+          <a:xfrm>
+            <a:off x="795528" y="3401568"/>
+            <a:ext cx="2212848" cy="384048"/>
+          </a:xfrm>
+          <a:prstGeom prst="rect">
+            <a:avLst/>
+          </a:prstGeom>
+          <a:noFill/>
+          <a:ln/>
+        </p:spPr>
+        <p:txBody>
+          <a:bodyPr wrap="square" rtlCol="0" anchor="ctr"/>
+          <a:lstStyle/>
+          <a:p>
+            <a:pPr marL="0" indent="0">
+              <a:buNone/>
+            </a:pPr>
+            <a:r>
+              <a:rPr lang="en-US" sz="1100" dirty="0">
+                <a:solidFill>
+                  <a:srgbClr val="1C1C1C"/>
+                </a:solidFill>
+                <a:latin typeface="Calibri" pitchFamily="34" charset="0"/>
+                <a:ea typeface="Calibri" pitchFamily="34" charset="-122"/>
+                <a:cs typeface="Calibri" pitchFamily="34" charset="-120"/>
+              </a:rPr>
+              <a:t>Фотосессии: статусы и выбор работают</a:t>
+            </a:r>
+            <a:endParaRPr lang="en-US" sz="1100" dirty="0"/>
+          </a:p>
+        </p:txBody>
+      </p:sp>
+      <p:sp>
+        <p:nvSpPr>
+          <p:cNvPr id="16" name="Shape 14"/>
+          <p:cNvSpPr/>
+          <p:nvPr/>
+        </p:nvSpPr>
+        <p:spPr>
+          <a:xfrm>
+            <a:off x="594360" y="3959352"/>
+            <a:ext cx="109728" cy="109728"/>
+          </a:xfrm>
+          <a:prstGeom prst="ellipse">
+            <a:avLst/>
+          </a:prstGeom>
+          <a:solidFill>
+            <a:srgbClr val="B89A6A"/>
+          </a:solidFill>
+          <a:ln w="12700">
+            <a:solidFill>
+              <a:srgbClr val="B89A6A"/>
+            </a:solidFill>
+            <a:prstDash val="solid"/>
+          </a:ln>
+        </p:spPr>
+      </p:sp>
+      <p:sp>
+        <p:nvSpPr>
+          <p:cNvPr id="17" name="Text 15"/>
+          <p:cNvSpPr/>
+          <p:nvPr/>
+        </p:nvSpPr>
+        <p:spPr>
+          <a:xfrm>
+            <a:off x="795528" y="3913632"/>
+            <a:ext cx="2212848" cy="384048"/>
+          </a:xfrm>
+          <a:prstGeom prst="rect">
+            <a:avLst/>
+          </a:prstGeom>
+          <a:noFill/>
+          <a:ln/>
+        </p:spPr>
+        <p:txBody>
+          <a:bodyPr wrap="square" rtlCol="0" anchor="ctr"/>
+          <a:lstStyle/>
+          <a:p>
+            <a:pPr marL="0" indent="0">
+              <a:buNone/>
+            </a:pPr>
+            <a:r>
+              <a:rPr lang="en-US" sz="1100" dirty="0">
+                <a:solidFill>
+                  <a:srgbClr val="1C1C1C"/>
+                </a:solidFill>
+                <a:latin typeface="Calibri" pitchFamily="34" charset="0"/>
+                <a:ea typeface="Calibri" pitchFamily="34" charset="-122"/>
+                <a:cs typeface="Calibri" pitchFamily="34" charset="-120"/>
+              </a:rPr>
+              <a:t>Права доступа разграничены верно</a:t>
+            </a:r>
+            <a:endParaRPr lang="en-US" sz="1100" dirty="0"/>
+          </a:p>
+        </p:txBody>
+      </p:sp>
+      <p:sp>
+        <p:nvSpPr>
+          <p:cNvPr id="18" name="Shape 16"/>
+          <p:cNvSpPr/>
+          <p:nvPr/>
+        </p:nvSpPr>
+        <p:spPr>
+          <a:xfrm>
+            <a:off x="3291840" y="1143000"/>
+            <a:ext cx="2697480" cy="3611880"/>
+          </a:xfrm>
+          <a:prstGeom prst="rect">
+            <a:avLst/>
+          </a:prstGeom>
+          <a:solidFill>
+            <a:srgbClr val="F0EDE8"/>
+          </a:solidFill>
+          <a:ln w="12700">
+            <a:solidFill>
+              <a:srgbClr val="E8E0D4"/>
+            </a:solidFill>
+            <a:prstDash val="solid"/>
+          </a:ln>
+        </p:spPr>
+      </p:sp>
+      <p:sp>
+        <p:nvSpPr>
+          <p:cNvPr id="19" name="Shape 17"/>
+          <p:cNvSpPr/>
+          <p:nvPr/>
+        </p:nvSpPr>
+        <p:spPr>
+          <a:xfrm>
+            <a:off x="3291840" y="1143000"/>
+            <a:ext cx="2697480" cy="594360"/>
+          </a:xfrm>
+          <a:prstGeom prst="rect">
+            <a:avLst/>
+          </a:prstGeom>
+          <a:solidFill>
+            <a:srgbClr val="1C1C1C"/>
+          </a:solidFill>
+          <a:ln w="12700">
+            <a:solidFill>
+              <a:srgbClr val="1C1C1C"/>
+            </a:solidFill>
+            <a:prstDash val="solid"/>
+          </a:ln>
+        </p:spPr>
+      </p:sp>
+      <p:sp>
+        <p:nvSpPr>
+          <p:cNvPr id="20" name="Text 18"/>
+          <p:cNvSpPr/>
+          <p:nvPr/>
+        </p:nvSpPr>
+        <p:spPr>
+          <a:xfrm>
+            <a:off x="3401568" y="1170432"/>
+            <a:ext cx="2478024" cy="539496"/>
+          </a:xfrm>
+          <a:prstGeom prst="rect">
+            <a:avLst/>
+          </a:prstGeom>
+          <a:noFill/>
+          <a:ln/>
+        </p:spPr>
+        <p:txBody>
+          <a:bodyPr wrap="square" rtlCol="0" anchor="ctr"/>
+          <a:lstStyle/>
+          <a:p>
+            <a:pPr marL="0" indent="0" algn="ctr">
+              <a:buNone/>
+            </a:pPr>
+            <a:r>
+              <a:rPr lang="en-US" sz="1150" b="1" dirty="0">
                 <a:solidFill>
                   <a:srgbClr val="FFFFFF"/>
                 </a:solidFill>
-                <a:latin typeface="Georgia" pitchFamily="34" charset="0"/>
-                <a:ea typeface="Georgia" pitchFamily="34" charset="-122"/>
-                <a:cs typeface="Georgia" pitchFamily="34" charset="-120"/>
-              </a:rPr>
-              <a:t>Нотация UML — оптимальна для описания архитектуры ИС</a:t>
-            </a:r>
-            <a:endParaRPr lang="en-US" sz="1800" dirty="0"/>
-          </a:p>
-        </p:txBody>
-      </p:sp>
-      <p:sp>
-        <p:nvSpPr>
-          <p:cNvPr id="5" name="Shape 3"/>
-          <p:cNvSpPr/>
-          <p:nvPr/>
-        </p:nvSpPr>
-        <p:spPr>
-          <a:xfrm>
-            <a:off x="411480" y="1234440"/>
-            <a:ext cx="2697480" cy="3520440"/>
-          </a:xfrm>
-          <a:prstGeom prst="rect">
-            <a:avLst/>
-          </a:prstGeom>
-          <a:solidFill>
-            <a:srgbClr val="252525"/>
-          </a:solidFill>
-          <a:ln w="12700">
-            <a:solidFill>
-              <a:srgbClr val="3A3A3A"/>
-            </a:solidFill>
-            <a:prstDash val="solid"/>
-          </a:ln>
-        </p:spPr>
-      </p:sp>
-      <p:sp>
-        <p:nvSpPr>
-          <p:cNvPr id="6" name="Shape 4"/>
-          <p:cNvSpPr/>
-          <p:nvPr/>
-        </p:nvSpPr>
-        <p:spPr>
-          <a:xfrm>
-            <a:off x="411480" y="1234440"/>
-            <a:ext cx="2697480" cy="621792"/>
-          </a:xfrm>
-          <a:prstGeom prst="rect">
+                <a:latin typeface="Calibri" pitchFamily="34" charset="0"/>
+                <a:ea typeface="Calibri" pitchFamily="34" charset="-122"/>
+                <a:cs typeface="Calibri" pitchFamily="34" charset="-120"/>
+              </a:rPr>
+              <a:t>UI-тестирование</a:t>
+            </a:r>
+            <a:endParaRPr lang="en-US" sz="1150" dirty="0"/>
+          </a:p>
+          <a:p>
+            <a:pPr marL="0" indent="0" algn="ctr">
+              <a:buNone/>
+            </a:pPr>
+            <a:r>
+              <a:rPr lang="en-US" sz="1150" b="1" dirty="0">
+                <a:solidFill>
+                  <a:srgbClr val="FFFFFF"/>
+                </a:solidFill>
+                <a:latin typeface="Calibri" pitchFamily="34" charset="0"/>
+                <a:ea typeface="Calibri" pitchFamily="34" charset="-122"/>
+                <a:cs typeface="Calibri" pitchFamily="34" charset="-120"/>
+              </a:rPr>
+              <a:t>(интерфейс)</a:t>
+            </a:r>
+            <a:endParaRPr lang="en-US" sz="1150" dirty="0"/>
+          </a:p>
+        </p:txBody>
+      </p:sp>
+      <p:sp>
+        <p:nvSpPr>
+          <p:cNvPr id="21" name="Shape 19"/>
+          <p:cNvSpPr/>
+          <p:nvPr/>
+        </p:nvSpPr>
+        <p:spPr>
+          <a:xfrm>
+            <a:off x="3749040" y="1874520"/>
+            <a:ext cx="1783080" cy="384048"/>
+          </a:xfrm>
+          <a:prstGeom prst="rect">
+            <a:avLst/>
+          </a:prstGeom>
+          <a:solidFill>
+            <a:srgbClr val="2D6A4F"/>
+          </a:solidFill>
+          <a:ln w="12700">
+            <a:solidFill>
+              <a:srgbClr val="2D6A4F"/>
+            </a:solidFill>
+            <a:prstDash val="solid"/>
+          </a:ln>
+        </p:spPr>
+      </p:sp>
+      <p:sp>
+        <p:nvSpPr>
+          <p:cNvPr id="22" name="Text 20"/>
+          <p:cNvSpPr/>
+          <p:nvPr/>
+        </p:nvSpPr>
+        <p:spPr>
+          <a:xfrm>
+            <a:off x="3749040" y="1874520"/>
+            <a:ext cx="1783080" cy="384048"/>
+          </a:xfrm>
+          <a:prstGeom prst="rect">
+            <a:avLst/>
+          </a:prstGeom>
+          <a:noFill/>
+          <a:ln/>
+        </p:spPr>
+        <p:txBody>
+          <a:bodyPr wrap="square" rtlCol="0" anchor="ctr"/>
+          <a:lstStyle/>
+          <a:p>
+            <a:pPr marL="0" indent="0" algn="ctr">
+              <a:buNone/>
+            </a:pPr>
+            <a:r>
+              <a:rPr lang="en-US" sz="1200" b="1" dirty="0">
+                <a:solidFill>
+                  <a:srgbClr val="FFFFFF"/>
+                </a:solidFill>
+                <a:latin typeface="Calibri" pitchFamily="34" charset="0"/>
+                <a:ea typeface="Calibri" pitchFamily="34" charset="-122"/>
+                <a:cs typeface="Calibri" pitchFamily="34" charset="-120"/>
+              </a:rPr>
+              <a:t>ПРОЙДЕНО</a:t>
+            </a:r>
+            <a:endParaRPr lang="en-US" sz="1200" dirty="0"/>
+          </a:p>
+        </p:txBody>
+      </p:sp>
+      <p:sp>
+        <p:nvSpPr>
+          <p:cNvPr id="23" name="Shape 21"/>
+          <p:cNvSpPr/>
+          <p:nvPr/>
+        </p:nvSpPr>
+        <p:spPr>
+          <a:xfrm>
+            <a:off x="3474720" y="2423160"/>
+            <a:ext cx="109728" cy="109728"/>
+          </a:xfrm>
+          <a:prstGeom prst="ellipse">
             <a:avLst/>
           </a:prstGeom>
           <a:solidFill>
@@ -12297,14 +11433,295 @@
       </p:sp>
       <p:sp>
         <p:nvSpPr>
-          <p:cNvPr id="7" name="Text 5"/>
-          <p:cNvSpPr/>
-          <p:nvPr/>
-        </p:nvSpPr>
-        <p:spPr>
-          <a:xfrm>
-            <a:off x="502920" y="1261872"/>
-            <a:ext cx="2514600" cy="566928"/>
+          <p:cNvPr id="24" name="Text 22"/>
+          <p:cNvSpPr/>
+          <p:nvPr/>
+        </p:nvSpPr>
+        <p:spPr>
+          <a:xfrm>
+            <a:off x="3675888" y="2377440"/>
+            <a:ext cx="2212848" cy="384048"/>
+          </a:xfrm>
+          <a:prstGeom prst="rect">
+            <a:avLst/>
+          </a:prstGeom>
+          <a:noFill/>
+          <a:ln/>
+        </p:spPr>
+        <p:txBody>
+          <a:bodyPr wrap="square" rtlCol="0" anchor="ctr"/>
+          <a:lstStyle/>
+          <a:p>
+            <a:pPr marL="0" indent="0">
+              <a:buNone/>
+            </a:pPr>
+            <a:r>
+              <a:rPr lang="en-US" sz="1100" dirty="0">
+                <a:solidFill>
+                  <a:srgbClr val="1C1C1C"/>
+                </a:solidFill>
+                <a:latin typeface="Calibri" pitchFamily="34" charset="0"/>
+                <a:ea typeface="Calibri" pitchFamily="34" charset="-122"/>
+                <a:cs typeface="Calibri" pitchFamily="34" charset="-120"/>
+              </a:rPr>
+              <a:t>320px (мобильный) — корректно</a:t>
+            </a:r>
+            <a:endParaRPr lang="en-US" sz="1100" dirty="0"/>
+          </a:p>
+        </p:txBody>
+      </p:sp>
+      <p:sp>
+        <p:nvSpPr>
+          <p:cNvPr id="25" name="Shape 23"/>
+          <p:cNvSpPr/>
+          <p:nvPr/>
+        </p:nvSpPr>
+        <p:spPr>
+          <a:xfrm>
+            <a:off x="3474720" y="2935224"/>
+            <a:ext cx="109728" cy="109728"/>
+          </a:xfrm>
+          <a:prstGeom prst="ellipse">
+            <a:avLst/>
+          </a:prstGeom>
+          <a:solidFill>
+            <a:srgbClr val="B89A6A"/>
+          </a:solidFill>
+          <a:ln w="12700">
+            <a:solidFill>
+              <a:srgbClr val="B89A6A"/>
+            </a:solidFill>
+            <a:prstDash val="solid"/>
+          </a:ln>
+        </p:spPr>
+      </p:sp>
+      <p:sp>
+        <p:nvSpPr>
+          <p:cNvPr id="26" name="Text 24"/>
+          <p:cNvSpPr/>
+          <p:nvPr/>
+        </p:nvSpPr>
+        <p:spPr>
+          <a:xfrm>
+            <a:off x="3675888" y="2889504"/>
+            <a:ext cx="2212848" cy="384048"/>
+          </a:xfrm>
+          <a:prstGeom prst="rect">
+            <a:avLst/>
+          </a:prstGeom>
+          <a:noFill/>
+          <a:ln/>
+        </p:spPr>
+        <p:txBody>
+          <a:bodyPr wrap="square" rtlCol="0" anchor="ctr"/>
+          <a:lstStyle/>
+          <a:p>
+            <a:pPr marL="0" indent="0">
+              <a:buNone/>
+            </a:pPr>
+            <a:r>
+              <a:rPr lang="en-US" sz="1100" dirty="0">
+                <a:solidFill>
+                  <a:srgbClr val="1C1C1C"/>
+                </a:solidFill>
+                <a:latin typeface="Calibri" pitchFamily="34" charset="0"/>
+                <a:ea typeface="Calibri" pitchFamily="34" charset="-122"/>
+                <a:cs typeface="Calibri" pitchFamily="34" charset="-120"/>
+              </a:rPr>
+              <a:t>768px (планшет) — корректно</a:t>
+            </a:r>
+            <a:endParaRPr lang="en-US" sz="1100" dirty="0"/>
+          </a:p>
+        </p:txBody>
+      </p:sp>
+      <p:sp>
+        <p:nvSpPr>
+          <p:cNvPr id="27" name="Shape 25"/>
+          <p:cNvSpPr/>
+          <p:nvPr/>
+        </p:nvSpPr>
+        <p:spPr>
+          <a:xfrm>
+            <a:off x="3474720" y="3447288"/>
+            <a:ext cx="109728" cy="109728"/>
+          </a:xfrm>
+          <a:prstGeom prst="ellipse">
+            <a:avLst/>
+          </a:prstGeom>
+          <a:solidFill>
+            <a:srgbClr val="B89A6A"/>
+          </a:solidFill>
+          <a:ln w="12700">
+            <a:solidFill>
+              <a:srgbClr val="B89A6A"/>
+            </a:solidFill>
+            <a:prstDash val="solid"/>
+          </a:ln>
+        </p:spPr>
+      </p:sp>
+      <p:sp>
+        <p:nvSpPr>
+          <p:cNvPr id="28" name="Text 26"/>
+          <p:cNvSpPr/>
+          <p:nvPr/>
+        </p:nvSpPr>
+        <p:spPr>
+          <a:xfrm>
+            <a:off x="3675888" y="3401568"/>
+            <a:ext cx="2212848" cy="384048"/>
+          </a:xfrm>
+          <a:prstGeom prst="rect">
+            <a:avLst/>
+          </a:prstGeom>
+          <a:noFill/>
+          <a:ln/>
+        </p:spPr>
+        <p:txBody>
+          <a:bodyPr wrap="square" rtlCol="0" anchor="ctr"/>
+          <a:lstStyle/>
+          <a:p>
+            <a:pPr marL="0" indent="0">
+              <a:buNone/>
+            </a:pPr>
+            <a:r>
+              <a:rPr lang="en-US" sz="1100" dirty="0">
+                <a:solidFill>
+                  <a:srgbClr val="1C1C1C"/>
+                </a:solidFill>
+                <a:latin typeface="Calibri" pitchFamily="34" charset="0"/>
+                <a:ea typeface="Calibri" pitchFamily="34" charset="-122"/>
+                <a:cs typeface="Calibri" pitchFamily="34" charset="-120"/>
+              </a:rPr>
+              <a:t>1920px (десктоп) — корректно</a:t>
+            </a:r>
+            <a:endParaRPr lang="en-US" sz="1100" dirty="0"/>
+          </a:p>
+        </p:txBody>
+      </p:sp>
+      <p:sp>
+        <p:nvSpPr>
+          <p:cNvPr id="29" name="Shape 27"/>
+          <p:cNvSpPr/>
+          <p:nvPr/>
+        </p:nvSpPr>
+        <p:spPr>
+          <a:xfrm>
+            <a:off x="3474720" y="3959352"/>
+            <a:ext cx="109728" cy="109728"/>
+          </a:xfrm>
+          <a:prstGeom prst="ellipse">
+            <a:avLst/>
+          </a:prstGeom>
+          <a:solidFill>
+            <a:srgbClr val="B89A6A"/>
+          </a:solidFill>
+          <a:ln w="12700">
+            <a:solidFill>
+              <a:srgbClr val="B89A6A"/>
+            </a:solidFill>
+            <a:prstDash val="solid"/>
+          </a:ln>
+        </p:spPr>
+      </p:sp>
+      <p:sp>
+        <p:nvSpPr>
+          <p:cNvPr id="30" name="Text 28"/>
+          <p:cNvSpPr/>
+          <p:nvPr/>
+        </p:nvSpPr>
+        <p:spPr>
+          <a:xfrm>
+            <a:off x="3675888" y="3913632"/>
+            <a:ext cx="2212848" cy="384048"/>
+          </a:xfrm>
+          <a:prstGeom prst="rect">
+            <a:avLst/>
+          </a:prstGeom>
+          <a:noFill/>
+          <a:ln/>
+        </p:spPr>
+        <p:txBody>
+          <a:bodyPr wrap="square" rtlCol="0" anchor="ctr"/>
+          <a:lstStyle/>
+          <a:p>
+            <a:pPr marL="0" indent="0">
+              <a:buNone/>
+            </a:pPr>
+            <a:r>
+              <a:rPr lang="en-US" sz="1100" dirty="0">
+                <a:solidFill>
+                  <a:srgbClr val="1C1C1C"/>
+                </a:solidFill>
+                <a:latin typeface="Calibri" pitchFamily="34" charset="0"/>
+                <a:ea typeface="Calibri" pitchFamily="34" charset="-122"/>
+                <a:cs typeface="Calibri" pitchFamily="34" charset="-120"/>
+              </a:rPr>
+              <a:t>Hover-эффекты на всех элементах</a:t>
+            </a:r>
+            <a:endParaRPr lang="en-US" sz="1100" dirty="0"/>
+          </a:p>
+        </p:txBody>
+      </p:sp>
+      <p:sp>
+        <p:nvSpPr>
+          <p:cNvPr id="31" name="Shape 29"/>
+          <p:cNvSpPr/>
+          <p:nvPr/>
+        </p:nvSpPr>
+        <p:spPr>
+          <a:xfrm>
+            <a:off x="6172200" y="1143000"/>
+            <a:ext cx="2697480" cy="3611880"/>
+          </a:xfrm>
+          <a:prstGeom prst="rect">
+            <a:avLst/>
+          </a:prstGeom>
+          <a:solidFill>
+            <a:srgbClr val="F0EDE8"/>
+          </a:solidFill>
+          <a:ln w="12700">
+            <a:solidFill>
+              <a:srgbClr val="E8E0D4"/>
+            </a:solidFill>
+            <a:prstDash val="solid"/>
+          </a:ln>
+        </p:spPr>
+      </p:sp>
+      <p:sp>
+        <p:nvSpPr>
+          <p:cNvPr id="32" name="Shape 30"/>
+          <p:cNvSpPr/>
+          <p:nvPr/>
+        </p:nvSpPr>
+        <p:spPr>
+          <a:xfrm>
+            <a:off x="6172200" y="1143000"/>
+            <a:ext cx="2697480" cy="594360"/>
+          </a:xfrm>
+          <a:prstGeom prst="rect">
+            <a:avLst/>
+          </a:prstGeom>
+          <a:solidFill>
+            <a:srgbClr val="1C1C1C"/>
+          </a:solidFill>
+          <a:ln w="12700">
+            <a:solidFill>
+              <a:srgbClr val="1C1C1C"/>
+            </a:solidFill>
+            <a:prstDash val="solid"/>
+          </a:ln>
+        </p:spPr>
+      </p:sp>
+      <p:sp>
+        <p:nvSpPr>
+          <p:cNvPr id="33" name="Text 31"/>
+          <p:cNvSpPr/>
+          <p:nvPr/>
+        </p:nvSpPr>
+        <p:spPr>
+          <a:xfrm>
+            <a:off x="6281928" y="1170432"/>
+            <a:ext cx="2478024" cy="539496"/>
           </a:xfrm>
           <a:prstGeom prst="rect">
             <a:avLst/>
@@ -12320,7 +11737,152 @@
               <a:buNone/>
             </a:pPr>
             <a:r>
-              <a:rPr lang="en-US" sz="1000" b="1" dirty="0">
+              <a:rPr lang="en-US" sz="1150" b="1" dirty="0">
+                <a:solidFill>
+                  <a:srgbClr val="FFFFFF"/>
+                </a:solidFill>
+                <a:latin typeface="Calibri" pitchFamily="34" charset="0"/>
+                <a:ea typeface="Calibri" pitchFamily="34" charset="-122"/>
+                <a:cs typeface="Calibri" pitchFamily="34" charset="-120"/>
+              </a:rPr>
+              <a:t>Тестирование</a:t>
+            </a:r>
+            <a:endParaRPr lang="en-US" sz="1150" dirty="0"/>
+          </a:p>
+          <a:p>
+            <a:pPr marL="0" indent="0" algn="ctr">
+              <a:buNone/>
+            </a:pPr>
+            <a:r>
+              <a:rPr lang="en-US" sz="1150" b="1" dirty="0">
+                <a:solidFill>
+                  <a:srgbClr val="FFFFFF"/>
+                </a:solidFill>
+                <a:latin typeface="Calibri" pitchFamily="34" charset="0"/>
+                <a:ea typeface="Calibri" pitchFamily="34" charset="-122"/>
+                <a:cs typeface="Calibri" pitchFamily="34" charset="-120"/>
+              </a:rPr>
+              <a:t>безопасности</a:t>
+            </a:r>
+            <a:endParaRPr lang="en-US" sz="1150" dirty="0"/>
+          </a:p>
+        </p:txBody>
+      </p:sp>
+      <p:sp>
+        <p:nvSpPr>
+          <p:cNvPr id="34" name="Shape 32"/>
+          <p:cNvSpPr/>
+          <p:nvPr/>
+        </p:nvSpPr>
+        <p:spPr>
+          <a:xfrm>
+            <a:off x="6629400" y="1874520"/>
+            <a:ext cx="1783080" cy="384048"/>
+          </a:xfrm>
+          <a:prstGeom prst="rect">
+            <a:avLst/>
+          </a:prstGeom>
+          <a:solidFill>
+            <a:srgbClr val="2D6A4F"/>
+          </a:solidFill>
+          <a:ln w="12700">
+            <a:solidFill>
+              <a:srgbClr val="2D6A4F"/>
+            </a:solidFill>
+            <a:prstDash val="solid"/>
+          </a:ln>
+        </p:spPr>
+      </p:sp>
+      <p:sp>
+        <p:nvSpPr>
+          <p:cNvPr id="35" name="Text 33"/>
+          <p:cNvSpPr/>
+          <p:nvPr/>
+        </p:nvSpPr>
+        <p:spPr>
+          <a:xfrm>
+            <a:off x="6629400" y="1874520"/>
+            <a:ext cx="1783080" cy="384048"/>
+          </a:xfrm>
+          <a:prstGeom prst="rect">
+            <a:avLst/>
+          </a:prstGeom>
+          <a:noFill/>
+          <a:ln/>
+        </p:spPr>
+        <p:txBody>
+          <a:bodyPr wrap="square" rtlCol="0" anchor="ctr"/>
+          <a:lstStyle/>
+          <a:p>
+            <a:pPr marL="0" indent="0" algn="ctr">
+              <a:buNone/>
+            </a:pPr>
+            <a:r>
+              <a:rPr lang="en-US" sz="1200" b="1" dirty="0">
+                <a:solidFill>
+                  <a:srgbClr val="FFFFFF"/>
+                </a:solidFill>
+                <a:latin typeface="Calibri" pitchFamily="34" charset="0"/>
+                <a:ea typeface="Calibri" pitchFamily="34" charset="-122"/>
+                <a:cs typeface="Calibri" pitchFamily="34" charset="-120"/>
+              </a:rPr>
+              <a:t>ПРОЙДЕНО</a:t>
+            </a:r>
+            <a:endParaRPr lang="en-US" sz="1200" dirty="0"/>
+          </a:p>
+        </p:txBody>
+      </p:sp>
+      <p:sp>
+        <p:nvSpPr>
+          <p:cNvPr id="36" name="Shape 34"/>
+          <p:cNvSpPr/>
+          <p:nvPr/>
+        </p:nvSpPr>
+        <p:spPr>
+          <a:xfrm>
+            <a:off x="6355080" y="2423160"/>
+            <a:ext cx="109728" cy="109728"/>
+          </a:xfrm>
+          <a:prstGeom prst="ellipse">
+            <a:avLst/>
+          </a:prstGeom>
+          <a:solidFill>
+            <a:srgbClr val="B89A6A"/>
+          </a:solidFill>
+          <a:ln w="12700">
+            <a:solidFill>
+              <a:srgbClr val="B89A6A"/>
+            </a:solidFill>
+            <a:prstDash val="solid"/>
+          </a:ln>
+        </p:spPr>
+      </p:sp>
+      <p:sp>
+        <p:nvSpPr>
+          <p:cNvPr id="37" name="Text 35"/>
+          <p:cNvSpPr/>
+          <p:nvPr/>
+        </p:nvSpPr>
+        <p:spPr>
+          <a:xfrm>
+            <a:off x="6556248" y="2377440"/>
+            <a:ext cx="2212848" cy="384048"/>
+          </a:xfrm>
+          <a:prstGeom prst="rect">
+            <a:avLst/>
+          </a:prstGeom>
+          <a:noFill/>
+          <a:ln/>
+        </p:spPr>
+        <p:txBody>
+          <a:bodyPr wrap="square" rtlCol="0" anchor="ctr"/>
+          <a:lstStyle/>
+          <a:p>
+            <a:pPr marL="0" indent="0">
+              <a:buNone/>
+            </a:pPr>
+            <a:r>
+              <a:rPr lang="en-US" sz="1100" dirty="0">
                 <a:solidFill>
                   <a:srgbClr val="1C1C1C"/>
                 </a:solidFill>
@@ -12328,16 +11890,63 @@
                 <a:ea typeface="Calibri" pitchFamily="34" charset="-122"/>
                 <a:cs typeface="Calibri" pitchFamily="34" charset="-120"/>
               </a:rPr>
-              <a:t>ДИАГРАММА ВАРИАНТОВ</a:t>
-            </a:r>
-            <a:endParaRPr lang="en-US" sz="1000" dirty="0"/>
-          </a:p>
-          <a:p>
-            <a:pPr marL="0" indent="0" algn="ctr">
-              <a:buNone/>
-            </a:pPr>
-            <a:r>
-              <a:rPr lang="en-US" sz="1000" b="1" dirty="0">
+              <a:t>/admin без авторизации → 401</a:t>
+            </a:r>
+            <a:endParaRPr lang="en-US" sz="1100" dirty="0"/>
+          </a:p>
+        </p:txBody>
+      </p:sp>
+      <p:sp>
+        <p:nvSpPr>
+          <p:cNvPr id="38" name="Shape 36"/>
+          <p:cNvSpPr/>
+          <p:nvPr/>
+        </p:nvSpPr>
+        <p:spPr>
+          <a:xfrm>
+            <a:off x="6355080" y="2935224"/>
+            <a:ext cx="109728" cy="109728"/>
+          </a:xfrm>
+          <a:prstGeom prst="ellipse">
+            <a:avLst/>
+          </a:prstGeom>
+          <a:solidFill>
+            <a:srgbClr val="B89A6A"/>
+          </a:solidFill>
+          <a:ln w="12700">
+            <a:solidFill>
+              <a:srgbClr val="B89A6A"/>
+            </a:solidFill>
+            <a:prstDash val="solid"/>
+          </a:ln>
+        </p:spPr>
+      </p:sp>
+      <p:sp>
+        <p:nvSpPr>
+          <p:cNvPr id="39" name="Text 37"/>
+          <p:cNvSpPr/>
+          <p:nvPr/>
+        </p:nvSpPr>
+        <p:spPr>
+          <a:xfrm>
+            <a:off x="6556248" y="2889504"/>
+            <a:ext cx="2212848" cy="384048"/>
+          </a:xfrm>
+          <a:prstGeom prst="rect">
+            <a:avLst/>
+          </a:prstGeom>
+          <a:noFill/>
+          <a:ln/>
+        </p:spPr>
+        <p:txBody>
+          <a:bodyPr wrap="square" rtlCol="0" anchor="ctr"/>
+          <a:lstStyle/>
+          <a:p>
+            <a:pPr marL="0" indent="0">
+              <a:buNone/>
+            </a:pPr>
+            <a:r>
+              <a:rPr lang="en-US" sz="1100" dirty="0">
                 <a:solidFill>
                   <a:srgbClr val="1C1C1C"/>
                 </a:solidFill>
@@ -12345,28 +11954,28 @@
                 <a:ea typeface="Calibri" pitchFamily="34" charset="-122"/>
                 <a:cs typeface="Calibri" pitchFamily="34" charset="-120"/>
               </a:rPr>
-              <a:t>ИСПОЛЬЗОВАНИЯ</a:t>
-            </a:r>
-            <a:endParaRPr lang="en-US" sz="1000" dirty="0"/>
-          </a:p>
-        </p:txBody>
-      </p:sp>
-      <p:sp>
-        <p:nvSpPr>
-          <p:cNvPr id="8" name="Shape 6"/>
-          <p:cNvSpPr/>
-          <p:nvPr/>
-        </p:nvSpPr>
-        <p:spPr>
-          <a:xfrm>
-            <a:off x="1417320" y="2011680"/>
-            <a:ext cx="685800" cy="365760"/>
+              <a:t>Клиент не видит чужие данные</a:t>
+            </a:r>
+            <a:endParaRPr lang="en-US" sz="1100" dirty="0"/>
+          </a:p>
+        </p:txBody>
+      </p:sp>
+      <p:sp>
+        <p:nvSpPr>
+          <p:cNvPr id="40" name="Shape 38"/>
+          <p:cNvSpPr/>
+          <p:nvPr/>
+        </p:nvSpPr>
+        <p:spPr>
+          <a:xfrm>
+            <a:off x="6355080" y="3447288"/>
+            <a:ext cx="109728" cy="109728"/>
           </a:xfrm>
           <a:prstGeom prst="ellipse">
             <a:avLst/>
           </a:prstGeom>
           <a:solidFill>
-            <a:srgbClr val="363636"/>
+            <a:srgbClr val="B89A6A"/>
           </a:solidFill>
           <a:ln w="12700">
             <a:solidFill>
@@ -12378,64 +11987,14 @@
       </p:sp>
       <p:sp>
         <p:nvSpPr>
-          <p:cNvPr id="9" name="Shape 7"/>
-          <p:cNvSpPr/>
-          <p:nvPr/>
-        </p:nvSpPr>
-        <p:spPr>
-          <a:xfrm>
-            <a:off x="685800" y="2560320"/>
-            <a:ext cx="2148840" cy="274320"/>
-          </a:xfrm>
-          <a:prstGeom prst="rect">
-            <a:avLst/>
-          </a:prstGeom>
-          <a:solidFill>
-            <a:srgbClr val="363636"/>
-          </a:solidFill>
-          <a:ln w="12700">
-            <a:solidFill>
-              <a:srgbClr val="4A4A4A"/>
-            </a:solidFill>
-            <a:prstDash val="solid"/>
-          </a:ln>
-        </p:spPr>
-      </p:sp>
-      <p:sp>
-        <p:nvSpPr>
-          <p:cNvPr id="10" name="Shape 8"/>
-          <p:cNvSpPr/>
-          <p:nvPr/>
-        </p:nvSpPr>
-        <p:spPr>
-          <a:xfrm>
-            <a:off x="685800" y="2926080"/>
-            <a:ext cx="2148840" cy="274320"/>
-          </a:xfrm>
-          <a:prstGeom prst="rect">
-            <a:avLst/>
-          </a:prstGeom>
-          <a:solidFill>
-            <a:srgbClr val="363636"/>
-          </a:solidFill>
-          <a:ln w="12700">
-            <a:solidFill>
-              <a:srgbClr val="4A4A4A"/>
-            </a:solidFill>
-            <a:prstDash val="solid"/>
-          </a:ln>
-        </p:spPr>
-      </p:sp>
-      <p:sp>
-        <p:nvSpPr>
-          <p:cNvPr id="11" name="Text 9"/>
-          <p:cNvSpPr/>
-          <p:nvPr/>
-        </p:nvSpPr>
-        <p:spPr>
-          <a:xfrm>
-            <a:off x="548640" y="3337560"/>
-            <a:ext cx="2423160" cy="1325880"/>
+          <p:cNvPr id="41" name="Text 39"/>
+          <p:cNvSpPr/>
+          <p:nvPr/>
+        </p:nvSpPr>
+        <p:spPr>
+          <a:xfrm>
+            <a:off x="6556248" y="3401568"/>
+            <a:ext cx="2212848" cy="384048"/>
           </a:xfrm>
           <a:prstGeom prst="rect">
             <a:avLst/>
@@ -12451,147 +12010,7 @@
               <a:buNone/>
             </a:pPr>
             <a:r>
-              <a:rPr lang="en-US" sz="1050" dirty="0">
-                <a:solidFill>
-                  <a:srgbClr val="7A7570"/>
-                </a:solidFill>
-                <a:latin typeface="Calibri" pitchFamily="34" charset="0"/>
-                <a:ea typeface="Calibri" pitchFamily="34" charset="-122"/>
-                <a:cs typeface="Calibri" pitchFamily="34" charset="-120"/>
-              </a:rPr>
-              <a:t>3 актора: Гость, Клиент, Администратор</a:t>
-            </a:r>
-            <a:endParaRPr lang="en-US" sz="1050" dirty="0"/>
-          </a:p>
-          <a:p>
-            <a:pPr marL="0" indent="0">
-              <a:buNone/>
-            </a:pPr>
-            <a:r>
-              <a:rPr lang="en-US" sz="1050" dirty="0">
-                <a:solidFill>
-                  <a:srgbClr val="7A7570"/>
-                </a:solidFill>
-                <a:latin typeface="Calibri" pitchFamily="34" charset="0"/>
-                <a:ea typeface="Calibri" pitchFamily="34" charset="-122"/>
-                <a:cs typeface="Calibri" pitchFamily="34" charset="-120"/>
-              </a:rPr>
-              <a:t>Гость — просмотр, запись без регистрации</a:t>
-            </a:r>
-            <a:endParaRPr lang="en-US" sz="1050" dirty="0"/>
-          </a:p>
-          <a:p>
-            <a:pPr marL="0" indent="0">
-              <a:buNone/>
-            </a:pPr>
-            <a:r>
-              <a:rPr lang="en-US" sz="1050" dirty="0">
-                <a:solidFill>
-                  <a:srgbClr val="7A7570"/>
-                </a:solidFill>
-                <a:latin typeface="Calibri" pitchFamily="34" charset="0"/>
-                <a:ea typeface="Calibri" pitchFamily="34" charset="-122"/>
-                <a:cs typeface="Calibri" pitchFamily="34" charset="-120"/>
-              </a:rPr>
-              <a:t>Клиент — личный кабинет, фотосессии</a:t>
-            </a:r>
-            <a:endParaRPr lang="en-US" sz="1050" dirty="0"/>
-          </a:p>
-          <a:p>
-            <a:pPr marL="0" indent="0">
-              <a:buNone/>
-            </a:pPr>
-            <a:r>
-              <a:rPr lang="en-US" sz="1050" dirty="0">
-                <a:solidFill>
-                  <a:srgbClr val="7A7570"/>
-                </a:solidFill>
-                <a:latin typeface="Calibri" pitchFamily="34" charset="0"/>
-                <a:ea typeface="Calibri" pitchFamily="34" charset="-122"/>
-                <a:cs typeface="Calibri" pitchFamily="34" charset="-120"/>
-              </a:rPr>
-              <a:t>Администратор — полное управление ИС</a:t>
-            </a:r>
-            <a:endParaRPr lang="en-US" sz="1050" dirty="0"/>
-          </a:p>
-        </p:txBody>
-      </p:sp>
-      <p:sp>
-        <p:nvSpPr>
-          <p:cNvPr id="12" name="Shape 10"/>
-          <p:cNvSpPr/>
-          <p:nvPr/>
-        </p:nvSpPr>
-        <p:spPr>
-          <a:xfrm>
-            <a:off x="3291840" y="1234440"/>
-            <a:ext cx="2697480" cy="3520440"/>
-          </a:xfrm>
-          <a:prstGeom prst="rect">
-            <a:avLst/>
-          </a:prstGeom>
-          <a:solidFill>
-            <a:srgbClr val="252525"/>
-          </a:solidFill>
-          <a:ln w="12700">
-            <a:solidFill>
-              <a:srgbClr val="3A3A3A"/>
-            </a:solidFill>
-            <a:prstDash val="solid"/>
-          </a:ln>
-        </p:spPr>
-      </p:sp>
-      <p:sp>
-        <p:nvSpPr>
-          <p:cNvPr id="13" name="Shape 11"/>
-          <p:cNvSpPr/>
-          <p:nvPr/>
-        </p:nvSpPr>
-        <p:spPr>
-          <a:xfrm>
-            <a:off x="3291840" y="1234440"/>
-            <a:ext cx="2697480" cy="621792"/>
-          </a:xfrm>
-          <a:prstGeom prst="rect">
-            <a:avLst/>
-          </a:prstGeom>
-          <a:solidFill>
-            <a:srgbClr val="B89A6A"/>
-          </a:solidFill>
-          <a:ln w="12700">
-            <a:solidFill>
-              <a:srgbClr val="B89A6A"/>
-            </a:solidFill>
-            <a:prstDash val="solid"/>
-          </a:ln>
-        </p:spPr>
-      </p:sp>
-      <p:sp>
-        <p:nvSpPr>
-          <p:cNvPr id="14" name="Text 12"/>
-          <p:cNvSpPr/>
-          <p:nvPr/>
-        </p:nvSpPr>
-        <p:spPr>
-          <a:xfrm>
-            <a:off x="3383280" y="1261872"/>
-            <a:ext cx="2514600" cy="566928"/>
-          </a:xfrm>
-          <a:prstGeom prst="rect">
-            <a:avLst/>
-          </a:prstGeom>
-          <a:noFill/>
-          <a:ln/>
-        </p:spPr>
-        <p:txBody>
-          <a:bodyPr wrap="square" rtlCol="0" anchor="ctr"/>
-          <a:lstStyle/>
-          <a:p>
-            <a:pPr marL="0" indent="0" algn="ctr">
-              <a:buNone/>
-            </a:pPr>
-            <a:r>
-              <a:rPr lang="en-US" sz="1000" b="1" dirty="0">
+              <a:rPr lang="en-US" sz="1100" dirty="0">
                 <a:solidFill>
                   <a:srgbClr val="1C1C1C"/>
                 </a:solidFill>
@@ -12599,445 +12018,9 @@
                 <a:ea typeface="Calibri" pitchFamily="34" charset="-122"/>
                 <a:cs typeface="Calibri" pitchFamily="34" charset="-120"/>
               </a:rPr>
-              <a:t>ДИАГРАММА КЛАССОВ</a:t>
-            </a:r>
-            <a:endParaRPr lang="en-US" sz="1000" dirty="0"/>
-          </a:p>
-        </p:txBody>
-      </p:sp>
-      <p:sp>
-        <p:nvSpPr>
-          <p:cNvPr id="15" name="Shape 13"/>
-          <p:cNvSpPr/>
-          <p:nvPr/>
-        </p:nvSpPr>
-        <p:spPr>
-          <a:xfrm>
-            <a:off x="4297680" y="2011680"/>
-            <a:ext cx="685800" cy="365760"/>
-          </a:xfrm>
-          <a:prstGeom prst="ellipse">
-            <a:avLst/>
-          </a:prstGeom>
-          <a:solidFill>
-            <a:srgbClr val="363636"/>
-          </a:solidFill>
-          <a:ln w="12700">
-            <a:solidFill>
-              <a:srgbClr val="B89A6A"/>
-            </a:solidFill>
-            <a:prstDash val="solid"/>
-          </a:ln>
-        </p:spPr>
-      </p:sp>
-      <p:sp>
-        <p:nvSpPr>
-          <p:cNvPr id="16" name="Shape 14"/>
-          <p:cNvSpPr/>
-          <p:nvPr/>
-        </p:nvSpPr>
-        <p:spPr>
-          <a:xfrm>
-            <a:off x="3566160" y="2560320"/>
-            <a:ext cx="2148840" cy="274320"/>
-          </a:xfrm>
-          <a:prstGeom prst="rect">
-            <a:avLst/>
-          </a:prstGeom>
-          <a:solidFill>
-            <a:srgbClr val="363636"/>
-          </a:solidFill>
-          <a:ln w="12700">
-            <a:solidFill>
-              <a:srgbClr val="4A4A4A"/>
-            </a:solidFill>
-            <a:prstDash val="solid"/>
-          </a:ln>
-        </p:spPr>
-      </p:sp>
-      <p:sp>
-        <p:nvSpPr>
-          <p:cNvPr id="17" name="Shape 15"/>
-          <p:cNvSpPr/>
-          <p:nvPr/>
-        </p:nvSpPr>
-        <p:spPr>
-          <a:xfrm>
-            <a:off x="3566160" y="2926080"/>
-            <a:ext cx="2148840" cy="274320"/>
-          </a:xfrm>
-          <a:prstGeom prst="rect">
-            <a:avLst/>
-          </a:prstGeom>
-          <a:solidFill>
-            <a:srgbClr val="363636"/>
-          </a:solidFill>
-          <a:ln w="12700">
-            <a:solidFill>
-              <a:srgbClr val="4A4A4A"/>
-            </a:solidFill>
-            <a:prstDash val="solid"/>
-          </a:ln>
-        </p:spPr>
-      </p:sp>
-      <p:sp>
-        <p:nvSpPr>
-          <p:cNvPr id="18" name="Text 16"/>
-          <p:cNvSpPr/>
-          <p:nvPr/>
-        </p:nvSpPr>
-        <p:spPr>
-          <a:xfrm>
-            <a:off x="3429000" y="3337560"/>
-            <a:ext cx="2423160" cy="1325880"/>
-          </a:xfrm>
-          <a:prstGeom prst="rect">
-            <a:avLst/>
-          </a:prstGeom>
-          <a:noFill/>
-          <a:ln/>
-        </p:spPr>
-        <p:txBody>
-          <a:bodyPr wrap="square" rtlCol="0" anchor="ctr"/>
-          <a:lstStyle/>
-          <a:p>
-            <a:pPr marL="0" indent="0">
-              <a:buNone/>
-            </a:pPr>
-            <a:r>
-              <a:rPr lang="en-US" sz="1050" dirty="0">
-                <a:solidFill>
-                  <a:srgbClr val="7A7570"/>
-                </a:solidFill>
-                <a:latin typeface="Calibri" pitchFamily="34" charset="0"/>
-                <a:ea typeface="Calibri" pitchFamily="34" charset="-122"/>
-                <a:cs typeface="Calibri" pitchFamily="34" charset="-120"/>
-              </a:rPr>
-              <a:t>8 основных классов:</a:t>
-            </a:r>
-            <a:endParaRPr lang="en-US" sz="1050" dirty="0"/>
-          </a:p>
-          <a:p>
-            <a:pPr marL="0" indent="0">
-              <a:buNone/>
-            </a:pPr>
-            <a:r>
-              <a:rPr lang="en-US" sz="1050" dirty="0">
-                <a:solidFill>
-                  <a:srgbClr val="7A7570"/>
-                </a:solidFill>
-                <a:latin typeface="Calibri" pitchFamily="34" charset="0"/>
-                <a:ea typeface="Calibri" pitchFamily="34" charset="-122"/>
-                <a:cs typeface="Calibri" pitchFamily="34" charset="-120"/>
-              </a:rPr>
-              <a:t>User, Service, Booking, Photosession,</a:t>
-            </a:r>
-            <a:endParaRPr lang="en-US" sz="1050" dirty="0"/>
-          </a:p>
-          <a:p>
-            <a:pPr marL="0" indent="0">
-              <a:buNone/>
-            </a:pPr>
-            <a:r>
-              <a:rPr lang="en-US" sz="1050" dirty="0">
-                <a:solidFill>
-                  <a:srgbClr val="7A7570"/>
-                </a:solidFill>
-                <a:latin typeface="Calibri" pitchFamily="34" charset="0"/>
-                <a:ea typeface="Calibri" pitchFamily="34" charset="-122"/>
-                <a:cs typeface="Calibri" pitchFamily="34" charset="-120"/>
-              </a:rPr>
-              <a:t>PhotosessionPhoto, Category,</a:t>
-            </a:r>
-            <a:endParaRPr lang="en-US" sz="1050" dirty="0"/>
-          </a:p>
-          <a:p>
-            <a:pPr marL="0" indent="0">
-              <a:buNone/>
-            </a:pPr>
-            <a:r>
-              <a:rPr lang="en-US" sz="1050" dirty="0">
-                <a:solidFill>
-                  <a:srgbClr val="7A7570"/>
-                </a:solidFill>
-                <a:latin typeface="Calibri" pitchFamily="34" charset="0"/>
-                <a:ea typeface="Calibri" pitchFamily="34" charset="-122"/>
-                <a:cs typeface="Calibri" pitchFamily="34" charset="-120"/>
-              </a:rPr>
-              <a:t>PortfolioPhoto, ContactMessage</a:t>
-            </a:r>
-            <a:endParaRPr lang="en-US" sz="1050" dirty="0"/>
-          </a:p>
-        </p:txBody>
-      </p:sp>
-      <p:sp>
-        <p:nvSpPr>
-          <p:cNvPr id="19" name="Shape 17"/>
-          <p:cNvSpPr/>
-          <p:nvPr/>
-        </p:nvSpPr>
-        <p:spPr>
-          <a:xfrm>
-            <a:off x="6172200" y="1234440"/>
-            <a:ext cx="2697480" cy="3520440"/>
-          </a:xfrm>
-          <a:prstGeom prst="rect">
-            <a:avLst/>
-          </a:prstGeom>
-          <a:solidFill>
-            <a:srgbClr val="252525"/>
-          </a:solidFill>
-          <a:ln w="12700">
-            <a:solidFill>
-              <a:srgbClr val="3A3A3A"/>
-            </a:solidFill>
-            <a:prstDash val="solid"/>
-          </a:ln>
-        </p:spPr>
-      </p:sp>
-      <p:sp>
-        <p:nvSpPr>
-          <p:cNvPr id="20" name="Shape 18"/>
-          <p:cNvSpPr/>
-          <p:nvPr/>
-        </p:nvSpPr>
-        <p:spPr>
-          <a:xfrm>
-            <a:off x="6172200" y="1234440"/>
-            <a:ext cx="2697480" cy="621792"/>
-          </a:xfrm>
-          <a:prstGeom prst="rect">
-            <a:avLst/>
-          </a:prstGeom>
-          <a:solidFill>
-            <a:srgbClr val="B89A6A"/>
-          </a:solidFill>
-          <a:ln w="12700">
-            <a:solidFill>
-              <a:srgbClr val="B89A6A"/>
-            </a:solidFill>
-            <a:prstDash val="solid"/>
-          </a:ln>
-        </p:spPr>
-      </p:sp>
-      <p:sp>
-        <p:nvSpPr>
-          <p:cNvPr id="21" name="Text 19"/>
-          <p:cNvSpPr/>
-          <p:nvPr/>
-        </p:nvSpPr>
-        <p:spPr>
-          <a:xfrm>
-            <a:off x="6263640" y="1261872"/>
-            <a:ext cx="2514600" cy="566928"/>
-          </a:xfrm>
-          <a:prstGeom prst="rect">
-            <a:avLst/>
-          </a:prstGeom>
-          <a:noFill/>
-          <a:ln/>
-        </p:spPr>
-        <p:txBody>
-          <a:bodyPr wrap="square" rtlCol="0" anchor="ctr"/>
-          <a:lstStyle/>
-          <a:p>
-            <a:pPr marL="0" indent="0" algn="ctr">
-              <a:buNone/>
-            </a:pPr>
-            <a:r>
-              <a:rPr lang="en-US" sz="1000" b="1" dirty="0">
-                <a:solidFill>
-                  <a:srgbClr val="1C1C1C"/>
-                </a:solidFill>
-                <a:latin typeface="Calibri" pitchFamily="34" charset="0"/>
-                <a:ea typeface="Calibri" pitchFamily="34" charset="-122"/>
-                <a:cs typeface="Calibri" pitchFamily="34" charset="-120"/>
-              </a:rPr>
-              <a:t>ДИАГРАММА</a:t>
-            </a:r>
-            <a:endParaRPr lang="en-US" sz="1000" dirty="0"/>
-          </a:p>
-          <a:p>
-            <a:pPr marL="0" indent="0" algn="ctr">
-              <a:buNone/>
-            </a:pPr>
-            <a:r>
-              <a:rPr lang="en-US" sz="1000" b="1" dirty="0">
-                <a:solidFill>
-                  <a:srgbClr val="1C1C1C"/>
-                </a:solidFill>
-                <a:latin typeface="Calibri" pitchFamily="34" charset="0"/>
-                <a:ea typeface="Calibri" pitchFamily="34" charset="-122"/>
-                <a:cs typeface="Calibri" pitchFamily="34" charset="-120"/>
-              </a:rPr>
-              <a:t>ПОСЛЕДОВАТЕЛЬНОСТИ</a:t>
-            </a:r>
-            <a:endParaRPr lang="en-US" sz="1000" dirty="0"/>
-          </a:p>
-        </p:txBody>
-      </p:sp>
-      <p:sp>
-        <p:nvSpPr>
-          <p:cNvPr id="22" name="Shape 20"/>
-          <p:cNvSpPr/>
-          <p:nvPr/>
-        </p:nvSpPr>
-        <p:spPr>
-          <a:xfrm>
-            <a:off x="7178040" y="2011680"/>
-            <a:ext cx="685800" cy="365760"/>
-          </a:xfrm>
-          <a:prstGeom prst="ellipse">
-            <a:avLst/>
-          </a:prstGeom>
-          <a:solidFill>
-            <a:srgbClr val="363636"/>
-          </a:solidFill>
-          <a:ln w="12700">
-            <a:solidFill>
-              <a:srgbClr val="B89A6A"/>
-            </a:solidFill>
-            <a:prstDash val="solid"/>
-          </a:ln>
-        </p:spPr>
-      </p:sp>
-      <p:sp>
-        <p:nvSpPr>
-          <p:cNvPr id="23" name="Shape 21"/>
-          <p:cNvSpPr/>
-          <p:nvPr/>
-        </p:nvSpPr>
-        <p:spPr>
-          <a:xfrm>
-            <a:off x="6446520" y="2560320"/>
-            <a:ext cx="2148840" cy="274320"/>
-          </a:xfrm>
-          <a:prstGeom prst="rect">
-            <a:avLst/>
-          </a:prstGeom>
-          <a:solidFill>
-            <a:srgbClr val="363636"/>
-          </a:solidFill>
-          <a:ln w="12700">
-            <a:solidFill>
-              <a:srgbClr val="4A4A4A"/>
-            </a:solidFill>
-            <a:prstDash val="solid"/>
-          </a:ln>
-        </p:spPr>
-      </p:sp>
-      <p:sp>
-        <p:nvSpPr>
-          <p:cNvPr id="24" name="Shape 22"/>
-          <p:cNvSpPr/>
-          <p:nvPr/>
-        </p:nvSpPr>
-        <p:spPr>
-          <a:xfrm>
-            <a:off x="6446520" y="2926080"/>
-            <a:ext cx="2148840" cy="274320"/>
-          </a:xfrm>
-          <a:prstGeom prst="rect">
-            <a:avLst/>
-          </a:prstGeom>
-          <a:solidFill>
-            <a:srgbClr val="363636"/>
-          </a:solidFill>
-          <a:ln w="12700">
-            <a:solidFill>
-              <a:srgbClr val="4A4A4A"/>
-            </a:solidFill>
-            <a:prstDash val="solid"/>
-          </a:ln>
-        </p:spPr>
-      </p:sp>
-      <p:sp>
-        <p:nvSpPr>
-          <p:cNvPr id="25" name="Text 23"/>
-          <p:cNvSpPr/>
-          <p:nvPr/>
-        </p:nvSpPr>
-        <p:spPr>
-          <a:xfrm>
-            <a:off x="6309360" y="3337560"/>
-            <a:ext cx="2423160" cy="1325880"/>
-          </a:xfrm>
-          <a:prstGeom prst="rect">
-            <a:avLst/>
-          </a:prstGeom>
-          <a:noFill/>
-          <a:ln/>
-        </p:spPr>
-        <p:txBody>
-          <a:bodyPr wrap="square" rtlCol="0" anchor="ctr"/>
-          <a:lstStyle/>
-          <a:p>
-            <a:pPr marL="0" indent="0">
-              <a:buNone/>
-            </a:pPr>
-            <a:r>
-              <a:rPr lang="en-US" sz="1050" dirty="0">
-                <a:solidFill>
-                  <a:srgbClr val="7A7570"/>
-                </a:solidFill>
-                <a:latin typeface="Calibri" pitchFamily="34" charset="0"/>
-                <a:ea typeface="Calibri" pitchFamily="34" charset="-122"/>
-                <a:cs typeface="Calibri" pitchFamily="34" charset="-120"/>
-              </a:rPr>
-              <a:t>Процесс модуля «Фотосессии»:</a:t>
-            </a:r>
-            <a:endParaRPr lang="en-US" sz="1050" dirty="0"/>
-          </a:p>
-          <a:p>
-            <a:pPr marL="0" indent="0">
-              <a:buNone/>
-            </a:pPr>
-            <a:r>
-              <a:rPr lang="en-US" sz="1050" dirty="0">
-                <a:solidFill>
-                  <a:srgbClr val="7A7570"/>
-                </a:solidFill>
-                <a:latin typeface="Calibri" pitchFamily="34" charset="0"/>
-                <a:ea typeface="Calibri" pitchFamily="34" charset="-122"/>
-                <a:cs typeface="Calibri" pitchFamily="34" charset="-120"/>
-              </a:rPr>
-              <a:t>загрузка → выбор клиента →</a:t>
-            </a:r>
-            <a:endParaRPr lang="en-US" sz="1050" dirty="0"/>
-          </a:p>
-          <a:p>
-            <a:pPr marL="0" indent="0">
-              <a:buNone/>
-            </a:pPr>
-            <a:r>
-              <a:rPr lang="en-US" sz="1050" dirty="0">
-                <a:solidFill>
-                  <a:srgbClr val="7A7570"/>
-                </a:solidFill>
-                <a:latin typeface="Calibri" pitchFamily="34" charset="0"/>
-                <a:ea typeface="Calibri" pitchFamily="34" charset="-122"/>
-                <a:cs typeface="Calibri" pitchFamily="34" charset="-120"/>
-              </a:rPr>
-              <a:t>комментарии → подтверждение →</a:t>
-            </a:r>
-            <a:endParaRPr lang="en-US" sz="1050" dirty="0"/>
-          </a:p>
-          <a:p>
-            <a:pPr marL="0" indent="0">
-              <a:buNone/>
-            </a:pPr>
-            <a:r>
-              <a:rPr lang="en-US" sz="1050" dirty="0">
-                <a:solidFill>
-                  <a:srgbClr val="7A7570"/>
-                </a:solidFill>
-                <a:latin typeface="Calibri" pitchFamily="34" charset="0"/>
-                <a:ea typeface="Calibri" pitchFamily="34" charset="-122"/>
-                <a:cs typeface="Calibri" pitchFamily="34" charset="-120"/>
-              </a:rPr>
-              <a:t>обработка → скачивание</a:t>
-            </a:r>
-            <a:endParaRPr lang="en-US" sz="1050" dirty="0"/>
+              <a:t>Bcrypt для паролей</a:t>
+            </a:r>
+            <a:endParaRPr lang="en-US" sz="1100" dirty="0"/>
           </a:p>
         </p:txBody>
       </p:sp>

--- a/Cameraw_presentation.pptx
+++ b/Cameraw_presentation.pptx
@@ -1900,7 +1900,40 @@
                 <a:ea typeface="Calibri" pitchFamily="34" charset="-122"/>
                 <a:cs typeface="Calibri" pitchFamily="34" charset="-120"/>
               </a:rPr>
-              <a:t>студент группы 09.02.07</a:t>
+              <a:t>студент </a:t>
+            </a:r>
+            <a:r>
+              <a:rPr lang="en-US" sz="1200" dirty="0" err="1">
+                <a:solidFill>
+                  <a:srgbClr val="FFFFFF"/>
+                </a:solidFill>
+                <a:latin typeface="Calibri" pitchFamily="34" charset="0"/>
+                <a:ea typeface="Calibri" pitchFamily="34" charset="-122"/>
+                <a:cs typeface="Calibri" pitchFamily="34" charset="-120"/>
+              </a:rPr>
+              <a:t>группы</a:t>
+            </a:r>
+            <a:r>
+              <a:rPr lang="en-US" sz="1200" dirty="0">
+                <a:solidFill>
+                  <a:srgbClr val="FFFFFF"/>
+                </a:solidFill>
+                <a:latin typeface="Calibri" pitchFamily="34" charset="0"/>
+                <a:ea typeface="Calibri" pitchFamily="34" charset="-122"/>
+                <a:cs typeface="Calibri" pitchFamily="34" charset="-120"/>
+              </a:rPr>
+              <a:t> 09.02.07 </a:t>
+            </a:r>
+            <a:r>
+              <a:rPr lang="ru-RU" sz="1200" dirty="0">
+                <a:solidFill>
+                  <a:srgbClr val="FFFFFF"/>
+                </a:solidFill>
+                <a:latin typeface="Calibri" pitchFamily="34" charset="0"/>
+                <a:ea typeface="Calibri" pitchFamily="34" charset="-122"/>
+                <a:cs typeface="Calibri" pitchFamily="34" charset="-120"/>
+              </a:rPr>
+              <a:t>Юферев Артём Алексеевич</a:t>
             </a:r>
             <a:endParaRPr lang="en-US" sz="1200" dirty="0"/>
           </a:p>
@@ -1950,7 +1983,40 @@
                 <a:ea typeface="Calibri" pitchFamily="34" charset="-122"/>
                 <a:cs typeface="Calibri" pitchFamily="34" charset="-120"/>
               </a:rPr>
-              <a:t>преподаватель МДК.09.01</a:t>
+              <a:t>преподаватель МДК.09.0</a:t>
+            </a:r>
+            <a:r>
+              <a:rPr lang="ru-RU" sz="1200" dirty="0">
+                <a:solidFill>
+                  <a:srgbClr val="FFFFFF"/>
+                </a:solidFill>
+                <a:latin typeface="Calibri" pitchFamily="34" charset="0"/>
+                <a:ea typeface="Calibri" pitchFamily="34" charset="-122"/>
+                <a:cs typeface="Calibri" pitchFamily="34" charset="-120"/>
+              </a:rPr>
+              <a:t>1 </a:t>
+            </a:r>
+            <a:r>
+              <a:rPr lang="ru-RU" sz="1200" dirty="0" err="1">
+                <a:solidFill>
+                  <a:srgbClr val="FFFFFF"/>
+                </a:solidFill>
+                <a:latin typeface="Calibri" pitchFamily="34" charset="0"/>
+                <a:ea typeface="Calibri" pitchFamily="34" charset="-122"/>
+                <a:cs typeface="Calibri" pitchFamily="34" charset="-120"/>
+              </a:rPr>
+              <a:t>Черевко</a:t>
+            </a:r>
+            <a:r>
+              <a:rPr lang="ru-RU" sz="1200" dirty="0">
+                <a:solidFill>
+                  <a:srgbClr val="FFFFFF"/>
+                </a:solidFill>
+                <a:latin typeface="Calibri" pitchFamily="34" charset="0"/>
+                <a:ea typeface="Calibri" pitchFamily="34" charset="-122"/>
+                <a:cs typeface="Calibri" pitchFamily="34" charset="-120"/>
+              </a:rPr>
+              <a:t> Александр Сергеевич</a:t>
             </a:r>
             <a:endParaRPr lang="en-US" sz="1200" dirty="0"/>
           </a:p>
@@ -2822,7 +2888,29 @@
                 <a:ea typeface="Georgia" pitchFamily="34" charset="-122"/>
                 <a:cs typeface="Georgia" pitchFamily="34" charset="-120"/>
               </a:rPr>
-              <a:t>Спасибо за внимание! Готов ответить на вопросы.</a:t>
+              <a:t>Спасибо за </a:t>
+            </a:r>
+            <a:r>
+              <a:rPr lang="en-US" sz="1800" i="1" dirty="0" err="1">
+                <a:solidFill>
+                  <a:srgbClr val="1C1C1C"/>
+                </a:solidFill>
+                <a:latin typeface="Georgia" pitchFamily="34" charset="0"/>
+                <a:ea typeface="Georgia" pitchFamily="34" charset="-122"/>
+                <a:cs typeface="Georgia" pitchFamily="34" charset="-120"/>
+              </a:rPr>
+              <a:t>внимание</a:t>
+            </a:r>
+            <a:r>
+              <a:rPr lang="en-US" sz="1800" i="1">
+                <a:solidFill>
+                  <a:srgbClr val="1C1C1C"/>
+                </a:solidFill>
+                <a:latin typeface="Georgia" pitchFamily="34" charset="0"/>
+                <a:ea typeface="Georgia" pitchFamily="34" charset="-122"/>
+                <a:cs typeface="Georgia" pitchFamily="34" charset="-120"/>
+              </a:rPr>
+              <a:t>!</a:t>
             </a:r>
             <a:endParaRPr lang="en-US" sz="1800" dirty="0"/>
           </a:p>

--- a/Cameraw_presentation.pptx
+++ b/Cameraw_presentation.pptx
@@ -5,7 +5,7 @@
     <p:sldMasterId id="2147483648" r:id="rId1"/>
   </p:sldMasterIdLst>
   <p:notesMasterIdLst>
-    <p:notesMasterId r:id="rId12"/>
+    <p:notesMasterId r:id="rId11"/>
   </p:notesMasterIdLst>
   <p:sldIdLst>
     <p:sldId id="256" r:id="rId2"/>
@@ -16,8 +16,7 @@
     <p:sldId id="261" r:id="rId7"/>
     <p:sldId id="262" r:id="rId8"/>
     <p:sldId id="263" r:id="rId9"/>
-    <p:sldId id="265" r:id="rId10"/>
-    <p:sldId id="266" r:id="rId11"/>
+    <p:sldId id="266" r:id="rId10"/>
   </p:sldIdLst>
   <p:sldSz cx="9144000" cy="5143500" type="screen16x9"/>
   <p:notesSz cx="5143500" cy="9144000"/>
@@ -330,90 +329,6 @@
 </p:notes>
 </file>
 
-<file path=ppt/notesSlides/notesSlide10.xml><?xml version="1.0" encoding="utf-8"?>
-<p:notes xmlns:a="http://schemas.openxmlformats.org/drawingml/2006/main" xmlns:r="http://schemas.openxmlformats.org/officeDocument/2006/relationships" xmlns:p="http://schemas.openxmlformats.org/presentationml/2006/main">
-  <p:cSld>
-    <p:spTree>
-      <p:nvGrpSpPr>
-        <p:cNvPr id="1" name=""/>
-        <p:cNvGrpSpPr/>
-        <p:nvPr/>
-      </p:nvGrpSpPr>
-      <p:grpSpPr>
-        <a:xfrm>
-          <a:off x="0" y="0"/>
-          <a:ext cx="0" cy="0"/>
-          <a:chOff x="0" y="0"/>
-          <a:chExt cx="0" cy="0"/>
-        </a:xfrm>
-      </p:grpSpPr>
-      <p:sp>
-        <p:nvSpPr>
-          <p:cNvPr id="2" name="Slide Image Placeholder 1"/>
-          <p:cNvSpPr>
-            <a:spLocks noGrp="1" noRot="1" noChangeAspect="1"/>
-          </p:cNvSpPr>
-          <p:nvPr>
-            <p:ph type="sldImg"/>
-          </p:nvPr>
-        </p:nvSpPr>
-        <p:spPr/>
-      </p:sp>
-      <p:sp>
-        <p:nvSpPr>
-          <p:cNvPr id="3" name="Notes Placeholder 2"/>
-          <p:cNvSpPr>
-            <a:spLocks noGrp="1"/>
-          </p:cNvSpPr>
-          <p:nvPr>
-            <p:ph type="body" idx="1"/>
-          </p:nvPr>
-        </p:nvSpPr>
-        <p:spPr/>
-        <p:txBody>
-          <a:bodyPr/>
-          <a:lstStyle/>
-          <a:p>
-            <a:endParaRPr lang="en-US" dirty="0"/>
-          </a:p>
-        </p:txBody>
-      </p:sp>
-      <p:sp>
-        <p:nvSpPr>
-          <p:cNvPr id="4" name="Slide Number Placeholder 3"/>
-          <p:cNvSpPr>
-            <a:spLocks noGrp="1"/>
-          </p:cNvSpPr>
-          <p:nvPr>
-            <p:ph type="sldNum" sz="quarter" idx="10"/>
-          </p:nvPr>
-        </p:nvSpPr>
-        <p:spPr/>
-        <p:txBody>
-          <a:bodyPr/>
-          <a:lstStyle/>
-          <a:p>
-            <a:fld id="{F7021451-1387-4CA6-816F-3879F97B5CBC}" type="slidenum">
-              <a:rPr lang="en-US"/>
-              <a:t>10</a:t>
-            </a:fld>
-            <a:endParaRPr lang="en-US"/>
-          </a:p>
-        </p:txBody>
-      </p:sp>
-    </p:spTree>
-    <p:extLst>
-      <p:ext uri="{BB962C8B-B14F-4D97-AF65-F5344CB8AC3E}">
-        <p14:creationId xmlns:p14="http://schemas.microsoft.com/office/powerpoint/2010/main" val="1024086991"/>
-      </p:ext>
-    </p:extLst>
-  </p:cSld>
-  <p:clrMapOvr>
-    <a:masterClrMapping/>
-  </p:clrMapOvr>
-</p:notes>
-</file>
-
 <file path=ppt/notesSlides/notesSlide2.xml><?xml version="1.0" encoding="utf-8"?>
 <p:notes xmlns:a="http://schemas.openxmlformats.org/drawingml/2006/main" xmlns:r="http://schemas.openxmlformats.org/officeDocument/2006/relationships" xmlns:p="http://schemas.openxmlformats.org/presentationml/2006/main">
   <p:cSld>
@@ -2119,811 +2034,6 @@
 </p:sld>
 </file>
 
-<file path=ppt/slides/slide10.xml><?xml version="1.0" encoding="utf-8"?>
-<p:sld xmlns:a="http://schemas.openxmlformats.org/drawingml/2006/main" xmlns:r="http://schemas.openxmlformats.org/officeDocument/2006/relationships" xmlns:p="http://schemas.openxmlformats.org/presentationml/2006/main">
-  <p:cSld name="Slide 11">
-    <p:bg>
-      <p:bgPr>
-        <a:solidFill>
-          <a:srgbClr val="1C1C1C"/>
-        </a:solidFill>
-        <a:effectLst/>
-      </p:bgPr>
-    </p:bg>
-    <p:spTree>
-      <p:nvGrpSpPr>
-        <p:cNvPr id="1" name=""/>
-        <p:cNvGrpSpPr/>
-        <p:nvPr/>
-      </p:nvGrpSpPr>
-      <p:grpSpPr>
-        <a:xfrm>
-          <a:off x="0" y="0"/>
-          <a:ext cx="0" cy="0"/>
-          <a:chOff x="0" y="0"/>
-          <a:chExt cx="0" cy="0"/>
-        </a:xfrm>
-      </p:grpSpPr>
-      <p:sp>
-        <p:nvSpPr>
-          <p:cNvPr id="2" name="Shape 0"/>
-          <p:cNvSpPr/>
-          <p:nvPr/>
-        </p:nvSpPr>
-        <p:spPr>
-          <a:xfrm>
-            <a:off x="0" y="0"/>
-            <a:ext cx="201168" cy="5143500"/>
-          </a:xfrm>
-          <a:prstGeom prst="rect">
-            <a:avLst/>
-          </a:prstGeom>
-          <a:solidFill>
-            <a:srgbClr val="B89A6A"/>
-          </a:solidFill>
-          <a:ln w="12700">
-            <a:solidFill>
-              <a:srgbClr val="B89A6A"/>
-            </a:solidFill>
-            <a:prstDash val="solid"/>
-          </a:ln>
-        </p:spPr>
-      </p:sp>
-      <p:sp>
-        <p:nvSpPr>
-          <p:cNvPr id="3" name="Text 1"/>
-          <p:cNvSpPr/>
-          <p:nvPr/>
-        </p:nvSpPr>
-        <p:spPr>
-          <a:xfrm>
-            <a:off x="411480" y="320040"/>
-            <a:ext cx="8229600" cy="365760"/>
-          </a:xfrm>
-          <a:prstGeom prst="rect">
-            <a:avLst/>
-          </a:prstGeom>
-          <a:noFill/>
-          <a:ln/>
-        </p:spPr>
-        <p:txBody>
-          <a:bodyPr wrap="square" rtlCol="0" anchor="ctr"/>
-          <a:lstStyle/>
-          <a:p>
-            <a:pPr marL="0" indent="0">
-              <a:buNone/>
-            </a:pPr>
-            <a:r>
-              <a:rPr lang="en-US" sz="1100" b="1" kern="0" spc="300" dirty="0">
-                <a:solidFill>
-                  <a:srgbClr val="B89A6A"/>
-                </a:solidFill>
-                <a:latin typeface="Calibri" pitchFamily="34" charset="0"/>
-                <a:ea typeface="Calibri" pitchFamily="34" charset="-122"/>
-                <a:cs typeface="Calibri" pitchFamily="34" charset="-120"/>
-              </a:rPr>
-              <a:t>ЗАКЛЮЧЕНИЕ</a:t>
-            </a:r>
-            <a:endParaRPr lang="en-US" sz="1100" dirty="0"/>
-          </a:p>
-        </p:txBody>
-      </p:sp>
-      <p:sp>
-        <p:nvSpPr>
-          <p:cNvPr id="4" name="Text 2"/>
-          <p:cNvSpPr/>
-          <p:nvPr/>
-        </p:nvSpPr>
-        <p:spPr>
-          <a:xfrm>
-            <a:off x="411480" y="731520"/>
-            <a:ext cx="8229600" cy="502920"/>
-          </a:xfrm>
-          <a:prstGeom prst="rect">
-            <a:avLst/>
-          </a:prstGeom>
-          <a:noFill/>
-          <a:ln/>
-        </p:spPr>
-        <p:txBody>
-          <a:bodyPr wrap="square" rtlCol="0" anchor="ctr"/>
-          <a:lstStyle/>
-          <a:p>
-            <a:pPr marL="0" indent="0">
-              <a:buNone/>
-            </a:pPr>
-            <a:r>
-              <a:rPr lang="en-US" sz="2600" i="1" dirty="0">
-                <a:solidFill>
-                  <a:srgbClr val="FFFFFF"/>
-                </a:solidFill>
-                <a:latin typeface="Georgia" pitchFamily="34" charset="0"/>
-                <a:ea typeface="Georgia" pitchFamily="34" charset="-122"/>
-                <a:cs typeface="Georgia" pitchFamily="34" charset="-120"/>
-              </a:rPr>
-              <a:t>Все поставленные задачи выполнены</a:t>
-            </a:r>
-            <a:endParaRPr lang="en-US" sz="2600" dirty="0"/>
-          </a:p>
-        </p:txBody>
-      </p:sp>
-      <p:sp>
-        <p:nvSpPr>
-          <p:cNvPr id="5" name="Shape 3"/>
-          <p:cNvSpPr/>
-          <p:nvPr/>
-        </p:nvSpPr>
-        <p:spPr>
-          <a:xfrm>
-            <a:off x="411480" y="1417320"/>
-            <a:ext cx="1965960" cy="1463040"/>
-          </a:xfrm>
-          <a:prstGeom prst="rect">
-            <a:avLst/>
-          </a:prstGeom>
-          <a:solidFill>
-            <a:srgbClr val="252525"/>
-          </a:solidFill>
-          <a:ln w="12700">
-            <a:solidFill>
-              <a:srgbClr val="3A3A3A"/>
-            </a:solidFill>
-            <a:prstDash val="solid"/>
-          </a:ln>
-        </p:spPr>
-      </p:sp>
-      <p:sp>
-        <p:nvSpPr>
-          <p:cNvPr id="6" name="Text 4"/>
-          <p:cNvSpPr/>
-          <p:nvPr/>
-        </p:nvSpPr>
-        <p:spPr>
-          <a:xfrm>
-            <a:off x="411480" y="1508760"/>
-            <a:ext cx="1965960" cy="685800"/>
-          </a:xfrm>
-          <a:prstGeom prst="rect">
-            <a:avLst/>
-          </a:prstGeom>
-          <a:noFill/>
-          <a:ln/>
-        </p:spPr>
-        <p:txBody>
-          <a:bodyPr wrap="square" rtlCol="0" anchor="ctr"/>
-          <a:lstStyle/>
-          <a:p>
-            <a:pPr marL="0" indent="0" algn="ctr">
-              <a:buNone/>
-            </a:pPr>
-            <a:r>
-              <a:rPr lang="en-US" sz="4400" b="1" dirty="0">
-                <a:solidFill>
-                  <a:srgbClr val="B89A6A"/>
-                </a:solidFill>
-                <a:latin typeface="Georgia" pitchFamily="34" charset="0"/>
-                <a:ea typeface="Georgia" pitchFamily="34" charset="-122"/>
-                <a:cs typeface="Georgia" pitchFamily="34" charset="-120"/>
-              </a:rPr>
-              <a:t>20</a:t>
-            </a:r>
-            <a:endParaRPr lang="en-US" sz="4400" dirty="0"/>
-          </a:p>
-        </p:txBody>
-      </p:sp>
-      <p:sp>
-        <p:nvSpPr>
-          <p:cNvPr id="7" name="Text 5"/>
-          <p:cNvSpPr/>
-          <p:nvPr/>
-        </p:nvSpPr>
-        <p:spPr>
-          <a:xfrm>
-            <a:off x="411480" y="2148840"/>
-            <a:ext cx="1965960" cy="594360"/>
-          </a:xfrm>
-          <a:prstGeom prst="rect">
-            <a:avLst/>
-          </a:prstGeom>
-          <a:noFill/>
-          <a:ln/>
-        </p:spPr>
-        <p:txBody>
-          <a:bodyPr wrap="square" rtlCol="0" anchor="ctr"/>
-          <a:lstStyle/>
-          <a:p>
-            <a:pPr marL="0" indent="0" algn="ctr">
-              <a:buNone/>
-            </a:pPr>
-            <a:r>
-              <a:rPr lang="en-US" sz="1100" dirty="0">
-                <a:solidFill>
-                  <a:srgbClr val="7A7570"/>
-                </a:solidFill>
-                <a:latin typeface="Calibri" pitchFamily="34" charset="0"/>
-                <a:ea typeface="Calibri" pitchFamily="34" charset="-122"/>
-                <a:cs typeface="Calibri" pitchFamily="34" charset="-120"/>
-              </a:rPr>
-              <a:t>Vue-компонентов</a:t>
-            </a:r>
-            <a:endParaRPr lang="en-US" sz="1100" dirty="0"/>
-          </a:p>
-          <a:p>
-            <a:pPr marL="0" indent="0" algn="ctr">
-              <a:buNone/>
-            </a:pPr>
-            <a:r>
-              <a:rPr lang="en-US" sz="1100" dirty="0">
-                <a:solidFill>
-                  <a:srgbClr val="7A7570"/>
-                </a:solidFill>
-                <a:latin typeface="Calibri" pitchFamily="34" charset="0"/>
-                <a:ea typeface="Calibri" pitchFamily="34" charset="-122"/>
-                <a:cs typeface="Calibri" pitchFamily="34" charset="-120"/>
-              </a:rPr>
-              <a:t>на фронтенде</a:t>
-            </a:r>
-            <a:endParaRPr lang="en-US" sz="1100" dirty="0"/>
-          </a:p>
-        </p:txBody>
-      </p:sp>
-      <p:sp>
-        <p:nvSpPr>
-          <p:cNvPr id="8" name="Shape 6"/>
-          <p:cNvSpPr/>
-          <p:nvPr/>
-        </p:nvSpPr>
-        <p:spPr>
-          <a:xfrm>
-            <a:off x="2560320" y="1417320"/>
-            <a:ext cx="1965960" cy="1463040"/>
-          </a:xfrm>
-          <a:prstGeom prst="rect">
-            <a:avLst/>
-          </a:prstGeom>
-          <a:solidFill>
-            <a:srgbClr val="252525"/>
-          </a:solidFill>
-          <a:ln w="12700">
-            <a:solidFill>
-              <a:srgbClr val="3A3A3A"/>
-            </a:solidFill>
-            <a:prstDash val="solid"/>
-          </a:ln>
-        </p:spPr>
-      </p:sp>
-      <p:sp>
-        <p:nvSpPr>
-          <p:cNvPr id="9" name="Text 7"/>
-          <p:cNvSpPr/>
-          <p:nvPr/>
-        </p:nvSpPr>
-        <p:spPr>
-          <a:xfrm>
-            <a:off x="2560320" y="1508760"/>
-            <a:ext cx="1965960" cy="685800"/>
-          </a:xfrm>
-          <a:prstGeom prst="rect">
-            <a:avLst/>
-          </a:prstGeom>
-          <a:noFill/>
-          <a:ln/>
-        </p:spPr>
-        <p:txBody>
-          <a:bodyPr wrap="square" rtlCol="0" anchor="ctr"/>
-          <a:lstStyle/>
-          <a:p>
-            <a:pPr marL="0" indent="0" algn="ctr">
-              <a:buNone/>
-            </a:pPr>
-            <a:r>
-              <a:rPr lang="en-US" sz="4400" b="1" dirty="0">
-                <a:solidFill>
-                  <a:srgbClr val="B89A6A"/>
-                </a:solidFill>
-                <a:latin typeface="Georgia" pitchFamily="34" charset="0"/>
-                <a:ea typeface="Georgia" pitchFamily="34" charset="-122"/>
-                <a:cs typeface="Georgia" pitchFamily="34" charset="-120"/>
-              </a:rPr>
-              <a:t>7</a:t>
-            </a:r>
-            <a:endParaRPr lang="en-US" sz="4400" dirty="0"/>
-          </a:p>
-        </p:txBody>
-      </p:sp>
-      <p:sp>
-        <p:nvSpPr>
-          <p:cNvPr id="10" name="Text 8"/>
-          <p:cNvSpPr/>
-          <p:nvPr/>
-        </p:nvSpPr>
-        <p:spPr>
-          <a:xfrm>
-            <a:off x="2560320" y="2148840"/>
-            <a:ext cx="1965960" cy="594360"/>
-          </a:xfrm>
-          <a:prstGeom prst="rect">
-            <a:avLst/>
-          </a:prstGeom>
-          <a:noFill/>
-          <a:ln/>
-        </p:spPr>
-        <p:txBody>
-          <a:bodyPr wrap="square" rtlCol="0" anchor="ctr"/>
-          <a:lstStyle/>
-          <a:p>
-            <a:pPr marL="0" indent="0" algn="ctr">
-              <a:buNone/>
-            </a:pPr>
-            <a:r>
-              <a:rPr lang="en-US" sz="1100" dirty="0">
-                <a:solidFill>
-                  <a:srgbClr val="7A7570"/>
-                </a:solidFill>
-                <a:latin typeface="Calibri" pitchFamily="34" charset="0"/>
-                <a:ea typeface="Calibri" pitchFamily="34" charset="-122"/>
-                <a:cs typeface="Calibri" pitchFamily="34" charset="-120"/>
-              </a:rPr>
-              <a:t>контроллеров</a:t>
-            </a:r>
-            <a:endParaRPr lang="en-US" sz="1100" dirty="0"/>
-          </a:p>
-          <a:p>
-            <a:pPr marL="0" indent="0" algn="ctr">
-              <a:buNone/>
-            </a:pPr>
-            <a:r>
-              <a:rPr lang="en-US" sz="1100" dirty="0">
-                <a:solidFill>
-                  <a:srgbClr val="7A7570"/>
-                </a:solidFill>
-                <a:latin typeface="Calibri" pitchFamily="34" charset="0"/>
-                <a:ea typeface="Calibri" pitchFamily="34" charset="-122"/>
-                <a:cs typeface="Calibri" pitchFamily="34" charset="-120"/>
-              </a:rPr>
-              <a:t>Laravel на бэкенде</a:t>
-            </a:r>
-            <a:endParaRPr lang="en-US" sz="1100" dirty="0"/>
-          </a:p>
-        </p:txBody>
-      </p:sp>
-      <p:sp>
-        <p:nvSpPr>
-          <p:cNvPr id="11" name="Shape 9"/>
-          <p:cNvSpPr/>
-          <p:nvPr/>
-        </p:nvSpPr>
-        <p:spPr>
-          <a:xfrm>
-            <a:off x="4709160" y="1417320"/>
-            <a:ext cx="1965960" cy="1463040"/>
-          </a:xfrm>
-          <a:prstGeom prst="rect">
-            <a:avLst/>
-          </a:prstGeom>
-          <a:solidFill>
-            <a:srgbClr val="252525"/>
-          </a:solidFill>
-          <a:ln w="12700">
-            <a:solidFill>
-              <a:srgbClr val="3A3A3A"/>
-            </a:solidFill>
-            <a:prstDash val="solid"/>
-          </a:ln>
-        </p:spPr>
-      </p:sp>
-      <p:sp>
-        <p:nvSpPr>
-          <p:cNvPr id="12" name="Text 10"/>
-          <p:cNvSpPr/>
-          <p:nvPr/>
-        </p:nvSpPr>
-        <p:spPr>
-          <a:xfrm>
-            <a:off x="4709160" y="1508760"/>
-            <a:ext cx="1965960" cy="685800"/>
-          </a:xfrm>
-          <a:prstGeom prst="rect">
-            <a:avLst/>
-          </a:prstGeom>
-          <a:noFill/>
-          <a:ln/>
-        </p:spPr>
-        <p:txBody>
-          <a:bodyPr wrap="square" rtlCol="0" anchor="ctr"/>
-          <a:lstStyle/>
-          <a:p>
-            <a:pPr marL="0" indent="0" algn="ctr">
-              <a:buNone/>
-            </a:pPr>
-            <a:r>
-              <a:rPr lang="en-US" sz="4400" b="1" dirty="0">
-                <a:solidFill>
-                  <a:srgbClr val="B89A6A"/>
-                </a:solidFill>
-                <a:latin typeface="Georgia" pitchFamily="34" charset="0"/>
-                <a:ea typeface="Georgia" pitchFamily="34" charset="-122"/>
-                <a:cs typeface="Georgia" pitchFamily="34" charset="-120"/>
-              </a:rPr>
-              <a:t>10</a:t>
-            </a:r>
-            <a:endParaRPr lang="en-US" sz="4400" dirty="0"/>
-          </a:p>
-        </p:txBody>
-      </p:sp>
-      <p:sp>
-        <p:nvSpPr>
-          <p:cNvPr id="13" name="Text 11"/>
-          <p:cNvSpPr/>
-          <p:nvPr/>
-        </p:nvSpPr>
-        <p:spPr>
-          <a:xfrm>
-            <a:off x="4709160" y="2148840"/>
-            <a:ext cx="1965960" cy="594360"/>
-          </a:xfrm>
-          <a:prstGeom prst="rect">
-            <a:avLst/>
-          </a:prstGeom>
-          <a:noFill/>
-          <a:ln/>
-        </p:spPr>
-        <p:txBody>
-          <a:bodyPr wrap="square" rtlCol="0" anchor="ctr"/>
-          <a:lstStyle/>
-          <a:p>
-            <a:pPr marL="0" indent="0" algn="ctr">
-              <a:buNone/>
-            </a:pPr>
-            <a:r>
-              <a:rPr lang="en-US" sz="1100" dirty="0">
-                <a:solidFill>
-                  <a:srgbClr val="7A7570"/>
-                </a:solidFill>
-                <a:latin typeface="Calibri" pitchFamily="34" charset="0"/>
-                <a:ea typeface="Calibri" pitchFamily="34" charset="-122"/>
-                <a:cs typeface="Calibri" pitchFamily="34" charset="-120"/>
-              </a:rPr>
-              <a:t>функциональных</a:t>
-            </a:r>
-            <a:endParaRPr lang="en-US" sz="1100" dirty="0"/>
-          </a:p>
-          <a:p>
-            <a:pPr marL="0" indent="0" algn="ctr">
-              <a:buNone/>
-            </a:pPr>
-            <a:r>
-              <a:rPr lang="en-US" sz="1100" dirty="0">
-                <a:solidFill>
-                  <a:srgbClr val="7A7570"/>
-                </a:solidFill>
-                <a:latin typeface="Calibri" pitchFamily="34" charset="0"/>
-                <a:ea typeface="Calibri" pitchFamily="34" charset="-122"/>
-                <a:cs typeface="Calibri" pitchFamily="34" charset="-120"/>
-              </a:rPr>
-              <a:t>модулей системы</a:t>
-            </a:r>
-            <a:endParaRPr lang="en-US" sz="1100" dirty="0"/>
-          </a:p>
-        </p:txBody>
-      </p:sp>
-      <p:sp>
-        <p:nvSpPr>
-          <p:cNvPr id="14" name="Shape 12"/>
-          <p:cNvSpPr/>
-          <p:nvPr/>
-        </p:nvSpPr>
-        <p:spPr>
-          <a:xfrm>
-            <a:off x="6858000" y="1417320"/>
-            <a:ext cx="1965960" cy="1463040"/>
-          </a:xfrm>
-          <a:prstGeom prst="rect">
-            <a:avLst/>
-          </a:prstGeom>
-          <a:solidFill>
-            <a:srgbClr val="252525"/>
-          </a:solidFill>
-          <a:ln w="12700">
-            <a:solidFill>
-              <a:srgbClr val="3A3A3A"/>
-            </a:solidFill>
-            <a:prstDash val="solid"/>
-          </a:ln>
-        </p:spPr>
-      </p:sp>
-      <p:sp>
-        <p:nvSpPr>
-          <p:cNvPr id="15" name="Text 13"/>
-          <p:cNvSpPr/>
-          <p:nvPr/>
-        </p:nvSpPr>
-        <p:spPr>
-          <a:xfrm>
-            <a:off x="6858000" y="1508760"/>
-            <a:ext cx="1965960" cy="685800"/>
-          </a:xfrm>
-          <a:prstGeom prst="rect">
-            <a:avLst/>
-          </a:prstGeom>
-          <a:noFill/>
-          <a:ln/>
-        </p:spPr>
-        <p:txBody>
-          <a:bodyPr wrap="square" rtlCol="0" anchor="ctr"/>
-          <a:lstStyle/>
-          <a:p>
-            <a:pPr marL="0" indent="0" algn="ctr">
-              <a:buNone/>
-            </a:pPr>
-            <a:r>
-              <a:rPr lang="en-US" sz="4400" b="1" dirty="0">
-                <a:solidFill>
-                  <a:srgbClr val="B89A6A"/>
-                </a:solidFill>
-                <a:latin typeface="Georgia" pitchFamily="34" charset="0"/>
-                <a:ea typeface="Georgia" pitchFamily="34" charset="-122"/>
-                <a:cs typeface="Georgia" pitchFamily="34" charset="-120"/>
-              </a:rPr>
-              <a:t>3</a:t>
-            </a:r>
-            <a:endParaRPr lang="en-US" sz="4400" dirty="0"/>
-          </a:p>
-        </p:txBody>
-      </p:sp>
-      <p:sp>
-        <p:nvSpPr>
-          <p:cNvPr id="16" name="Text 14"/>
-          <p:cNvSpPr/>
-          <p:nvPr/>
-        </p:nvSpPr>
-        <p:spPr>
-          <a:xfrm>
-            <a:off x="6858000" y="2148840"/>
-            <a:ext cx="1965960" cy="594360"/>
-          </a:xfrm>
-          <a:prstGeom prst="rect">
-            <a:avLst/>
-          </a:prstGeom>
-          <a:noFill/>
-          <a:ln/>
-        </p:spPr>
-        <p:txBody>
-          <a:bodyPr wrap="square" rtlCol="0" anchor="ctr"/>
-          <a:lstStyle/>
-          <a:p>
-            <a:pPr marL="0" indent="0" algn="ctr">
-              <a:buNone/>
-            </a:pPr>
-            <a:r>
-              <a:rPr lang="en-US" sz="1100" dirty="0">
-                <a:solidFill>
-                  <a:srgbClr val="7A7570"/>
-                </a:solidFill>
-                <a:latin typeface="Calibri" pitchFamily="34" charset="0"/>
-                <a:ea typeface="Calibri" pitchFamily="34" charset="-122"/>
-                <a:cs typeface="Calibri" pitchFamily="34" charset="-120"/>
-              </a:rPr>
-              <a:t>роли</a:t>
-            </a:r>
-            <a:endParaRPr lang="en-US" sz="1100" dirty="0"/>
-          </a:p>
-          <a:p>
-            <a:pPr marL="0" indent="0" algn="ctr">
-              <a:buNone/>
-            </a:pPr>
-            <a:r>
-              <a:rPr lang="en-US" sz="1100" dirty="0">
-                <a:solidFill>
-                  <a:srgbClr val="7A7570"/>
-                </a:solidFill>
-                <a:latin typeface="Calibri" pitchFamily="34" charset="0"/>
-                <a:ea typeface="Calibri" pitchFamily="34" charset="-122"/>
-                <a:cs typeface="Calibri" pitchFamily="34" charset="-120"/>
-              </a:rPr>
-              <a:t>пользователей</a:t>
-            </a:r>
-            <a:endParaRPr lang="en-US" sz="1100" dirty="0"/>
-          </a:p>
-        </p:txBody>
-      </p:sp>
-      <p:sp>
-        <p:nvSpPr>
-          <p:cNvPr id="17" name="Shape 15"/>
-          <p:cNvSpPr/>
-          <p:nvPr/>
-        </p:nvSpPr>
-        <p:spPr>
-          <a:xfrm>
-            <a:off x="411480" y="3063240"/>
-            <a:ext cx="8321040" cy="914400"/>
-          </a:xfrm>
-          <a:prstGeom prst="rect">
-            <a:avLst/>
-          </a:prstGeom>
-          <a:solidFill>
-            <a:srgbClr val="252525"/>
-          </a:solidFill>
-          <a:ln w="12700">
-            <a:solidFill>
-              <a:srgbClr val="363636"/>
-            </a:solidFill>
-            <a:prstDash val="solid"/>
-          </a:ln>
-        </p:spPr>
-      </p:sp>
-      <p:sp>
-        <p:nvSpPr>
-          <p:cNvPr id="18" name="Text 16"/>
-          <p:cNvSpPr/>
-          <p:nvPr/>
-        </p:nvSpPr>
-        <p:spPr>
-          <a:xfrm>
-            <a:off x="594360" y="3127248"/>
-            <a:ext cx="7955280" cy="786384"/>
-          </a:xfrm>
-          <a:prstGeom prst="rect">
-            <a:avLst/>
-          </a:prstGeom>
-          <a:noFill/>
-          <a:ln/>
-        </p:spPr>
-        <p:txBody>
-          <a:bodyPr wrap="square" rtlCol="0" anchor="ctr"/>
-          <a:lstStyle/>
-          <a:p>
-            <a:pPr marL="0" indent="0" algn="l">
-              <a:buNone/>
-            </a:pPr>
-            <a:r>
-              <a:rPr lang="en-US" sz="1250" dirty="0">
-                <a:solidFill>
-                  <a:srgbClr val="7A7570"/>
-                </a:solidFill>
-                <a:latin typeface="Calibri" pitchFamily="34" charset="0"/>
-                <a:ea typeface="Calibri" pitchFamily="34" charset="-122"/>
-                <a:cs typeface="Calibri" pitchFamily="34" charset="-120"/>
-              </a:rPr>
-              <a:t>Разработана информационная система сайта фотосалона «Cameraw» на стеке </a:t>
-            </a:r>
-            <a:r>
-              <a:rPr lang="en-US" sz="1250" b="1" dirty="0">
-                <a:solidFill>
-                  <a:srgbClr val="B89A6A"/>
-                </a:solidFill>
-                <a:latin typeface="Calibri" pitchFamily="34" charset="0"/>
-                <a:ea typeface="Calibri" pitchFamily="34" charset="-122"/>
-                <a:cs typeface="Calibri" pitchFamily="34" charset="-120"/>
-              </a:rPr>
-              <a:t>Vue.js 3 + Laravel 10 + MySQL</a:t>
-            </a:r>
-            <a:r>
-              <a:rPr lang="en-US" sz="1250" dirty="0">
-                <a:solidFill>
-                  <a:srgbClr val="7A7570"/>
-                </a:solidFill>
-                <a:latin typeface="Calibri" pitchFamily="34" charset="0"/>
-                <a:ea typeface="Calibri" pitchFamily="34" charset="-122"/>
-                <a:cs typeface="Calibri" pitchFamily="34" charset="-120"/>
-              </a:rPr>
-              <a:t>.</a:t>
-            </a:r>
-            <a:endParaRPr lang="en-US" sz="1250" dirty="0"/>
-          </a:p>
-          <a:p>
-            <a:pPr marL="0" indent="0" algn="l">
-              <a:buNone/>
-            </a:pPr>
-            <a:r>
-              <a:rPr lang="en-US" sz="1250" dirty="0">
-                <a:solidFill>
-                  <a:srgbClr val="7A7570"/>
-                </a:solidFill>
-                <a:latin typeface="Calibri" pitchFamily="34" charset="0"/>
-                <a:ea typeface="Calibri" pitchFamily="34" charset="-122"/>
-                <a:cs typeface="Calibri" pitchFamily="34" charset="-120"/>
-              </a:rPr>
-              <a:t>Система включает инновационный модуль «Фотосессии», не имеющий аналогов среди конкурентов анализируемого сегмента.</a:t>
-            </a:r>
-            <a:endParaRPr lang="en-US" sz="1250" dirty="0"/>
-          </a:p>
-        </p:txBody>
-      </p:sp>
-      <p:sp>
-        <p:nvSpPr>
-          <p:cNvPr id="19" name="Shape 17"/>
-          <p:cNvSpPr/>
-          <p:nvPr/>
-        </p:nvSpPr>
-        <p:spPr>
-          <a:xfrm>
-            <a:off x="411480" y="4160520"/>
-            <a:ext cx="8321040" cy="658368"/>
-          </a:xfrm>
-          <a:prstGeom prst="rect">
-            <a:avLst/>
-          </a:prstGeom>
-          <a:solidFill>
-            <a:srgbClr val="B89A6A"/>
-          </a:solidFill>
-          <a:ln w="12700">
-            <a:solidFill>
-              <a:srgbClr val="B89A6A"/>
-            </a:solidFill>
-            <a:prstDash val="solid"/>
-          </a:ln>
-        </p:spPr>
-      </p:sp>
-      <p:sp>
-        <p:nvSpPr>
-          <p:cNvPr id="20" name="Text 18"/>
-          <p:cNvSpPr/>
-          <p:nvPr/>
-        </p:nvSpPr>
-        <p:spPr>
-          <a:xfrm>
-            <a:off x="594360" y="4178808"/>
-            <a:ext cx="7955280" cy="621792"/>
-          </a:xfrm>
-          <a:prstGeom prst="rect">
-            <a:avLst/>
-          </a:prstGeom>
-          <a:noFill/>
-          <a:ln/>
-        </p:spPr>
-        <p:txBody>
-          <a:bodyPr wrap="square" rtlCol="0" anchor="ctr"/>
-          <a:lstStyle/>
-          <a:p>
-            <a:pPr marL="0" indent="0" algn="ctr">
-              <a:buNone/>
-            </a:pPr>
-            <a:r>
-              <a:rPr lang="en-US" sz="1800" i="1" dirty="0">
-                <a:solidFill>
-                  <a:srgbClr val="1C1C1C"/>
-                </a:solidFill>
-                <a:latin typeface="Georgia" pitchFamily="34" charset="0"/>
-                <a:ea typeface="Georgia" pitchFamily="34" charset="-122"/>
-                <a:cs typeface="Georgia" pitchFamily="34" charset="-120"/>
-              </a:rPr>
-              <a:t>Спасибо за </a:t>
-            </a:r>
-            <a:r>
-              <a:rPr lang="en-US" sz="1800" i="1" dirty="0" err="1">
-                <a:solidFill>
-                  <a:srgbClr val="1C1C1C"/>
-                </a:solidFill>
-                <a:latin typeface="Georgia" pitchFamily="34" charset="0"/>
-                <a:ea typeface="Georgia" pitchFamily="34" charset="-122"/>
-                <a:cs typeface="Georgia" pitchFamily="34" charset="-120"/>
-              </a:rPr>
-              <a:t>внимание</a:t>
-            </a:r>
-            <a:r>
-              <a:rPr lang="en-US" sz="1800" i="1">
-                <a:solidFill>
-                  <a:srgbClr val="1C1C1C"/>
-                </a:solidFill>
-                <a:latin typeface="Georgia" pitchFamily="34" charset="0"/>
-                <a:ea typeface="Georgia" pitchFamily="34" charset="-122"/>
-                <a:cs typeface="Georgia" pitchFamily="34" charset="-120"/>
-              </a:rPr>
-              <a:t>!</a:t>
-            </a:r>
-            <a:endParaRPr lang="en-US" sz="1800" dirty="0"/>
-          </a:p>
-        </p:txBody>
-      </p:sp>
-    </p:spTree>
-  </p:cSld>
-  <p:clrMapOvr>
-    <a:masterClrMapping/>
-  </p:clrMapOvr>
-</p:sld>
-</file>
-
 <file path=ppt/slides/slide2.xml><?xml version="1.0" encoding="utf-8"?>
 <p:sld xmlns:a="http://schemas.openxmlformats.org/drawingml/2006/main" xmlns:r="http://schemas.openxmlformats.org/officeDocument/2006/relationships" xmlns:p="http://schemas.openxmlformats.org/presentationml/2006/main">
   <p:cSld name="Slide 2">
@@ -5249,7 +4359,7 @@
         <p:spPr>
           <a:xfrm>
             <a:off x="594360" y="1554480"/>
-            <a:ext cx="3566160" cy="1143000"/>
+            <a:ext cx="3566160" cy="833120"/>
           </a:xfrm>
           <a:prstGeom prst="rect">
             <a:avLst/>
@@ -5290,10 +4400,8 @@
                 <a:ea typeface="Calibri" pitchFamily="34" charset="-122"/>
                 <a:cs typeface="Calibri" pitchFamily="34" charset="-120"/>
               </a:rPr>
-              <a:t>Новый бренд на рынке фотоуслуг г. Перми.
-• Срочное фото на документы
-• Художественная и деловая портретная съёмка
-• Печать и реставрация фотографий</a:t>
+              <a:t>Новый бренд на рынке фотоуслуг.
+</a:t>
             </a:r>
             <a:endParaRPr lang="en-US" sz="1150" dirty="0"/>
           </a:p>
@@ -5622,7 +4730,18 @@
                 <a:ea typeface="Calibri" pitchFamily="34" charset="-122"/>
                 <a:cs typeface="Calibri" pitchFamily="34" charset="-120"/>
               </a:rPr>
-              <a:t>Физические лица 18–55 лет · Администратор фотосалона</a:t>
+              <a:t>Физические лица 18–55 </a:t>
+            </a:r>
+            <a:r>
+              <a:rPr lang="en-US" sz="1250" i="1" dirty="0" err="1">
+                <a:solidFill>
+                  <a:srgbClr val="1C1C1C"/>
+                </a:solidFill>
+                <a:latin typeface="Calibri" pitchFamily="34" charset="0"/>
+                <a:ea typeface="Calibri" pitchFamily="34" charset="-122"/>
+                <a:cs typeface="Calibri" pitchFamily="34" charset="-120"/>
+              </a:rPr>
+              <a:t>лет</a:t>
             </a:r>
             <a:endParaRPr lang="en-US" sz="1250" dirty="0"/>
           </a:p>
@@ -6364,6 +5483,13 @@
             <a:prstDash val="solid"/>
           </a:ln>
         </p:spPr>
+        <p:txBody>
+          <a:bodyPr/>
+          <a:lstStyle/>
+          <a:p>
+            <a:endParaRPr lang="ru-RU" dirty="0"/>
+          </a:p>
+        </p:txBody>
       </p:sp>
       <p:sp>
         <p:nvSpPr>
@@ -6487,7 +5613,7 @@
                 <a:ea typeface="Georgia" pitchFamily="34" charset="-122"/>
                 <a:cs typeface="Georgia" pitchFamily="34" charset="-120"/>
               </a:rPr>
-              <a:t>VS Code + Git</a:t>
+              <a:t>VS Code</a:t>
             </a:r>
             <a:endParaRPr lang="en-US" sz="2200" dirty="0"/>
           </a:p>
@@ -6526,7 +5652,29 @@
                 <a:ea typeface="Calibri" pitchFamily="34" charset="-122"/>
                 <a:cs typeface="Calibri" pitchFamily="34" charset="-120"/>
               </a:rPr>
-              <a:t>Axios · date-fns · Composer · npm · GitHub</a:t>
+              <a:t>Axios · date-fns · Composer · </a:t>
+            </a:r>
+            <a:r>
+              <a:rPr lang="en-US" sz="1100" dirty="0" err="1">
+                <a:solidFill>
+                  <a:srgbClr val="7A7570"/>
+                </a:solidFill>
+                <a:latin typeface="Calibri" pitchFamily="34" charset="0"/>
+                <a:ea typeface="Calibri" pitchFamily="34" charset="-122"/>
+                <a:cs typeface="Calibri" pitchFamily="34" charset="-120"/>
+              </a:rPr>
+              <a:t>npm</a:t>
+            </a:r>
+            <a:r>
+              <a:rPr lang="en-US" sz="1100" dirty="0">
+                <a:solidFill>
+                  <a:srgbClr val="7A7570"/>
+                </a:solidFill>
+                <a:latin typeface="Calibri" pitchFamily="34" charset="0"/>
+                <a:ea typeface="Calibri" pitchFamily="34" charset="-122"/>
+                <a:cs typeface="Calibri" pitchFamily="34" charset="-120"/>
+              </a:rPr>
+              <a:t> ·</a:t>
             </a:r>
             <a:endParaRPr lang="en-US" sz="1100" dirty="0"/>
           </a:p>
@@ -8096,7 +7244,18 @@
                 <a:ea typeface="Georgia" pitchFamily="34" charset="-122"/>
                 <a:cs typeface="Georgia" pitchFamily="34" charset="-120"/>
               </a:rPr>
-              <a:t>10 модулей · 3 роли пользователей</a:t>
+              <a:t>10 </a:t>
+            </a:r>
+            <a:r>
+              <a:rPr lang="en-US" sz="1800" i="1" dirty="0" err="1">
+                <a:solidFill>
+                  <a:srgbClr val="FFFFFF"/>
+                </a:solidFill>
+                <a:latin typeface="Georgia" pitchFamily="34" charset="0"/>
+                <a:ea typeface="Georgia" pitchFamily="34" charset="-122"/>
+                <a:cs typeface="Georgia" pitchFamily="34" charset="-120"/>
+              </a:rPr>
+              <a:t>модулей</a:t>
             </a:r>
             <a:endParaRPr lang="en-US" sz="1800" dirty="0"/>
           </a:p>
@@ -10786,11 +9945,11 @@
 
 <file path=ppt/slides/slide9.xml><?xml version="1.0" encoding="utf-8"?>
 <p:sld xmlns:a="http://schemas.openxmlformats.org/drawingml/2006/main" xmlns:r="http://schemas.openxmlformats.org/officeDocument/2006/relationships" xmlns:p="http://schemas.openxmlformats.org/presentationml/2006/main">
-  <p:cSld name="Slide 10">
+  <p:cSld name="Slide 11">
     <p:bg>
       <p:bgPr>
         <a:solidFill>
-          <a:srgbClr val="F7F4EF"/>
+          <a:srgbClr val="1C1C1C"/>
         </a:solidFill>
         <a:effectLst/>
       </p:bgPr>
@@ -10818,32 +9977,693 @@
         <p:spPr>
           <a:xfrm>
             <a:off x="0" y="0"/>
-            <a:ext cx="9144000" cy="1005840"/>
-          </a:xfrm>
-          <a:prstGeom prst="rect">
-            <a:avLst/>
-          </a:prstGeom>
-          <a:solidFill>
-            <a:srgbClr val="1C1C1C"/>
+            <a:ext cx="201168" cy="5143500"/>
+          </a:xfrm>
+          <a:prstGeom prst="rect">
+            <a:avLst/>
+          </a:prstGeom>
+          <a:solidFill>
+            <a:srgbClr val="B89A6A"/>
           </a:solidFill>
           <a:ln w="12700">
             <a:solidFill>
-              <a:srgbClr val="1C1C1C"/>
-            </a:solidFill>
-            <a:prstDash val="solid"/>
-          </a:ln>
-        </p:spPr>
-      </p:sp>
-      <p:sp>
-        <p:nvSpPr>
-          <p:cNvPr id="3" name="Shape 1"/>
-          <p:cNvSpPr/>
-          <p:nvPr/>
-        </p:nvSpPr>
-        <p:spPr>
-          <a:xfrm>
-            <a:off x="0" y="0"/>
-            <a:ext cx="201168" cy="5143500"/>
+              <a:srgbClr val="B89A6A"/>
+            </a:solidFill>
+            <a:prstDash val="solid"/>
+          </a:ln>
+        </p:spPr>
+      </p:sp>
+      <p:sp>
+        <p:nvSpPr>
+          <p:cNvPr id="3" name="Text 1"/>
+          <p:cNvSpPr/>
+          <p:nvPr/>
+        </p:nvSpPr>
+        <p:spPr>
+          <a:xfrm>
+            <a:off x="411480" y="320040"/>
+            <a:ext cx="8229600" cy="365760"/>
+          </a:xfrm>
+          <a:prstGeom prst="rect">
+            <a:avLst/>
+          </a:prstGeom>
+          <a:noFill/>
+          <a:ln/>
+        </p:spPr>
+        <p:txBody>
+          <a:bodyPr wrap="square" rtlCol="0" anchor="ctr"/>
+          <a:lstStyle/>
+          <a:p>
+            <a:pPr marL="0" indent="0">
+              <a:buNone/>
+            </a:pPr>
+            <a:r>
+              <a:rPr lang="en-US" sz="1100" b="1" kern="0" spc="300" dirty="0">
+                <a:solidFill>
+                  <a:srgbClr val="B89A6A"/>
+                </a:solidFill>
+                <a:latin typeface="Calibri" pitchFamily="34" charset="0"/>
+                <a:ea typeface="Calibri" pitchFamily="34" charset="-122"/>
+                <a:cs typeface="Calibri" pitchFamily="34" charset="-120"/>
+              </a:rPr>
+              <a:t>ЗАКЛЮЧЕНИЕ</a:t>
+            </a:r>
+            <a:endParaRPr lang="en-US" sz="1100" dirty="0"/>
+          </a:p>
+        </p:txBody>
+      </p:sp>
+      <p:sp>
+        <p:nvSpPr>
+          <p:cNvPr id="4" name="Text 2"/>
+          <p:cNvSpPr/>
+          <p:nvPr/>
+        </p:nvSpPr>
+        <p:spPr>
+          <a:xfrm>
+            <a:off x="411480" y="731520"/>
+            <a:ext cx="8229600" cy="502920"/>
+          </a:xfrm>
+          <a:prstGeom prst="rect">
+            <a:avLst/>
+          </a:prstGeom>
+          <a:noFill/>
+          <a:ln/>
+        </p:spPr>
+        <p:txBody>
+          <a:bodyPr wrap="square" rtlCol="0" anchor="ctr"/>
+          <a:lstStyle/>
+          <a:p>
+            <a:pPr marL="0" indent="0">
+              <a:buNone/>
+            </a:pPr>
+            <a:r>
+              <a:rPr lang="en-US" sz="2600" i="1" dirty="0">
+                <a:solidFill>
+                  <a:srgbClr val="FFFFFF"/>
+                </a:solidFill>
+                <a:latin typeface="Georgia" pitchFamily="34" charset="0"/>
+                <a:ea typeface="Georgia" pitchFamily="34" charset="-122"/>
+                <a:cs typeface="Georgia" pitchFamily="34" charset="-120"/>
+              </a:rPr>
+              <a:t>Все поставленные задачи выполнены</a:t>
+            </a:r>
+            <a:endParaRPr lang="en-US" sz="2600" dirty="0"/>
+          </a:p>
+        </p:txBody>
+      </p:sp>
+      <p:sp>
+        <p:nvSpPr>
+          <p:cNvPr id="5" name="Shape 3"/>
+          <p:cNvSpPr/>
+          <p:nvPr/>
+        </p:nvSpPr>
+        <p:spPr>
+          <a:xfrm>
+            <a:off x="411480" y="1417320"/>
+            <a:ext cx="1965960" cy="1463040"/>
+          </a:xfrm>
+          <a:prstGeom prst="rect">
+            <a:avLst/>
+          </a:prstGeom>
+          <a:solidFill>
+            <a:srgbClr val="252525"/>
+          </a:solidFill>
+          <a:ln w="12700">
+            <a:solidFill>
+              <a:srgbClr val="3A3A3A"/>
+            </a:solidFill>
+            <a:prstDash val="solid"/>
+          </a:ln>
+        </p:spPr>
+      </p:sp>
+      <p:sp>
+        <p:nvSpPr>
+          <p:cNvPr id="6" name="Text 4"/>
+          <p:cNvSpPr/>
+          <p:nvPr/>
+        </p:nvSpPr>
+        <p:spPr>
+          <a:xfrm>
+            <a:off x="411480" y="1508760"/>
+            <a:ext cx="1965960" cy="685800"/>
+          </a:xfrm>
+          <a:prstGeom prst="rect">
+            <a:avLst/>
+          </a:prstGeom>
+          <a:noFill/>
+          <a:ln/>
+        </p:spPr>
+        <p:txBody>
+          <a:bodyPr wrap="square" rtlCol="0" anchor="ctr"/>
+          <a:lstStyle/>
+          <a:p>
+            <a:pPr marL="0" indent="0" algn="ctr">
+              <a:buNone/>
+            </a:pPr>
+            <a:r>
+              <a:rPr lang="en-US" sz="4400" b="1" dirty="0">
+                <a:solidFill>
+                  <a:srgbClr val="B89A6A"/>
+                </a:solidFill>
+                <a:latin typeface="Georgia" pitchFamily="34" charset="0"/>
+                <a:ea typeface="Georgia" pitchFamily="34" charset="-122"/>
+                <a:cs typeface="Georgia" pitchFamily="34" charset="-120"/>
+              </a:rPr>
+              <a:t>20</a:t>
+            </a:r>
+            <a:endParaRPr lang="en-US" sz="4400" dirty="0"/>
+          </a:p>
+        </p:txBody>
+      </p:sp>
+      <p:sp>
+        <p:nvSpPr>
+          <p:cNvPr id="7" name="Text 5"/>
+          <p:cNvSpPr/>
+          <p:nvPr/>
+        </p:nvSpPr>
+        <p:spPr>
+          <a:xfrm>
+            <a:off x="411480" y="2148840"/>
+            <a:ext cx="1965960" cy="594360"/>
+          </a:xfrm>
+          <a:prstGeom prst="rect">
+            <a:avLst/>
+          </a:prstGeom>
+          <a:noFill/>
+          <a:ln/>
+        </p:spPr>
+        <p:txBody>
+          <a:bodyPr wrap="square" rtlCol="0" anchor="ctr"/>
+          <a:lstStyle/>
+          <a:p>
+            <a:pPr marL="0" indent="0" algn="ctr">
+              <a:buNone/>
+            </a:pPr>
+            <a:r>
+              <a:rPr lang="en-US" sz="1100" dirty="0">
+                <a:solidFill>
+                  <a:srgbClr val="7A7570"/>
+                </a:solidFill>
+                <a:latin typeface="Calibri" pitchFamily="34" charset="0"/>
+                <a:ea typeface="Calibri" pitchFamily="34" charset="-122"/>
+                <a:cs typeface="Calibri" pitchFamily="34" charset="-120"/>
+              </a:rPr>
+              <a:t>Vue-компонентов</a:t>
+            </a:r>
+            <a:endParaRPr lang="en-US" sz="1100" dirty="0"/>
+          </a:p>
+          <a:p>
+            <a:pPr marL="0" indent="0" algn="ctr">
+              <a:buNone/>
+            </a:pPr>
+            <a:r>
+              <a:rPr lang="en-US" sz="1100" dirty="0">
+                <a:solidFill>
+                  <a:srgbClr val="7A7570"/>
+                </a:solidFill>
+                <a:latin typeface="Calibri" pitchFamily="34" charset="0"/>
+                <a:ea typeface="Calibri" pitchFamily="34" charset="-122"/>
+                <a:cs typeface="Calibri" pitchFamily="34" charset="-120"/>
+              </a:rPr>
+              <a:t>на фронтенде</a:t>
+            </a:r>
+            <a:endParaRPr lang="en-US" sz="1100" dirty="0"/>
+          </a:p>
+        </p:txBody>
+      </p:sp>
+      <p:sp>
+        <p:nvSpPr>
+          <p:cNvPr id="8" name="Shape 6"/>
+          <p:cNvSpPr/>
+          <p:nvPr/>
+        </p:nvSpPr>
+        <p:spPr>
+          <a:xfrm>
+            <a:off x="2560320" y="1417320"/>
+            <a:ext cx="1965960" cy="1463040"/>
+          </a:xfrm>
+          <a:prstGeom prst="rect">
+            <a:avLst/>
+          </a:prstGeom>
+          <a:solidFill>
+            <a:srgbClr val="252525"/>
+          </a:solidFill>
+          <a:ln w="12700">
+            <a:solidFill>
+              <a:srgbClr val="3A3A3A"/>
+            </a:solidFill>
+            <a:prstDash val="solid"/>
+          </a:ln>
+        </p:spPr>
+      </p:sp>
+      <p:sp>
+        <p:nvSpPr>
+          <p:cNvPr id="9" name="Text 7"/>
+          <p:cNvSpPr/>
+          <p:nvPr/>
+        </p:nvSpPr>
+        <p:spPr>
+          <a:xfrm>
+            <a:off x="2560320" y="1508760"/>
+            <a:ext cx="1965960" cy="685800"/>
+          </a:xfrm>
+          <a:prstGeom prst="rect">
+            <a:avLst/>
+          </a:prstGeom>
+          <a:noFill/>
+          <a:ln/>
+        </p:spPr>
+        <p:txBody>
+          <a:bodyPr wrap="square" rtlCol="0" anchor="ctr"/>
+          <a:lstStyle/>
+          <a:p>
+            <a:pPr marL="0" indent="0" algn="ctr">
+              <a:buNone/>
+            </a:pPr>
+            <a:r>
+              <a:rPr lang="en-US" sz="4400" b="1" dirty="0">
+                <a:solidFill>
+                  <a:srgbClr val="B89A6A"/>
+                </a:solidFill>
+                <a:latin typeface="Georgia" pitchFamily="34" charset="0"/>
+                <a:ea typeface="Georgia" pitchFamily="34" charset="-122"/>
+                <a:cs typeface="Georgia" pitchFamily="34" charset="-120"/>
+              </a:rPr>
+              <a:t>7</a:t>
+            </a:r>
+            <a:endParaRPr lang="en-US" sz="4400" dirty="0"/>
+          </a:p>
+        </p:txBody>
+      </p:sp>
+      <p:sp>
+        <p:nvSpPr>
+          <p:cNvPr id="10" name="Text 8"/>
+          <p:cNvSpPr/>
+          <p:nvPr/>
+        </p:nvSpPr>
+        <p:spPr>
+          <a:xfrm>
+            <a:off x="2560320" y="2148840"/>
+            <a:ext cx="1965960" cy="594360"/>
+          </a:xfrm>
+          <a:prstGeom prst="rect">
+            <a:avLst/>
+          </a:prstGeom>
+          <a:noFill/>
+          <a:ln/>
+        </p:spPr>
+        <p:txBody>
+          <a:bodyPr wrap="square" rtlCol="0" anchor="ctr"/>
+          <a:lstStyle/>
+          <a:p>
+            <a:pPr marL="0" indent="0" algn="ctr">
+              <a:buNone/>
+            </a:pPr>
+            <a:r>
+              <a:rPr lang="en-US" sz="1100" dirty="0">
+                <a:solidFill>
+                  <a:srgbClr val="7A7570"/>
+                </a:solidFill>
+                <a:latin typeface="Calibri" pitchFamily="34" charset="0"/>
+                <a:ea typeface="Calibri" pitchFamily="34" charset="-122"/>
+                <a:cs typeface="Calibri" pitchFamily="34" charset="-120"/>
+              </a:rPr>
+              <a:t>контроллеров</a:t>
+            </a:r>
+            <a:endParaRPr lang="en-US" sz="1100" dirty="0"/>
+          </a:p>
+          <a:p>
+            <a:pPr marL="0" indent="0" algn="ctr">
+              <a:buNone/>
+            </a:pPr>
+            <a:r>
+              <a:rPr lang="en-US" sz="1100" dirty="0">
+                <a:solidFill>
+                  <a:srgbClr val="7A7570"/>
+                </a:solidFill>
+                <a:latin typeface="Calibri" pitchFamily="34" charset="0"/>
+                <a:ea typeface="Calibri" pitchFamily="34" charset="-122"/>
+                <a:cs typeface="Calibri" pitchFamily="34" charset="-120"/>
+              </a:rPr>
+              <a:t>Laravel на бэкенде</a:t>
+            </a:r>
+            <a:endParaRPr lang="en-US" sz="1100" dirty="0"/>
+          </a:p>
+        </p:txBody>
+      </p:sp>
+      <p:sp>
+        <p:nvSpPr>
+          <p:cNvPr id="11" name="Shape 9"/>
+          <p:cNvSpPr/>
+          <p:nvPr/>
+        </p:nvSpPr>
+        <p:spPr>
+          <a:xfrm>
+            <a:off x="4709160" y="1417320"/>
+            <a:ext cx="1965960" cy="1463040"/>
+          </a:xfrm>
+          <a:prstGeom prst="rect">
+            <a:avLst/>
+          </a:prstGeom>
+          <a:solidFill>
+            <a:srgbClr val="252525"/>
+          </a:solidFill>
+          <a:ln w="12700">
+            <a:solidFill>
+              <a:srgbClr val="3A3A3A"/>
+            </a:solidFill>
+            <a:prstDash val="solid"/>
+          </a:ln>
+        </p:spPr>
+      </p:sp>
+      <p:sp>
+        <p:nvSpPr>
+          <p:cNvPr id="12" name="Text 10"/>
+          <p:cNvSpPr/>
+          <p:nvPr/>
+        </p:nvSpPr>
+        <p:spPr>
+          <a:xfrm>
+            <a:off x="4709160" y="1508760"/>
+            <a:ext cx="1965960" cy="685800"/>
+          </a:xfrm>
+          <a:prstGeom prst="rect">
+            <a:avLst/>
+          </a:prstGeom>
+          <a:noFill/>
+          <a:ln/>
+        </p:spPr>
+        <p:txBody>
+          <a:bodyPr wrap="square" rtlCol="0" anchor="ctr"/>
+          <a:lstStyle/>
+          <a:p>
+            <a:pPr marL="0" indent="0" algn="ctr">
+              <a:buNone/>
+            </a:pPr>
+            <a:r>
+              <a:rPr lang="en-US" sz="4400" b="1" dirty="0">
+                <a:solidFill>
+                  <a:srgbClr val="B89A6A"/>
+                </a:solidFill>
+                <a:latin typeface="Georgia" pitchFamily="34" charset="0"/>
+                <a:ea typeface="Georgia" pitchFamily="34" charset="-122"/>
+                <a:cs typeface="Georgia" pitchFamily="34" charset="-120"/>
+              </a:rPr>
+              <a:t>10</a:t>
+            </a:r>
+            <a:endParaRPr lang="en-US" sz="4400" dirty="0"/>
+          </a:p>
+        </p:txBody>
+      </p:sp>
+      <p:sp>
+        <p:nvSpPr>
+          <p:cNvPr id="13" name="Text 11"/>
+          <p:cNvSpPr/>
+          <p:nvPr/>
+        </p:nvSpPr>
+        <p:spPr>
+          <a:xfrm>
+            <a:off x="4709160" y="2148840"/>
+            <a:ext cx="1965960" cy="594360"/>
+          </a:xfrm>
+          <a:prstGeom prst="rect">
+            <a:avLst/>
+          </a:prstGeom>
+          <a:noFill/>
+          <a:ln/>
+        </p:spPr>
+        <p:txBody>
+          <a:bodyPr wrap="square" rtlCol="0" anchor="ctr"/>
+          <a:lstStyle/>
+          <a:p>
+            <a:pPr marL="0" indent="0" algn="ctr">
+              <a:buNone/>
+            </a:pPr>
+            <a:r>
+              <a:rPr lang="en-US" sz="1100" dirty="0">
+                <a:solidFill>
+                  <a:srgbClr val="7A7570"/>
+                </a:solidFill>
+                <a:latin typeface="Calibri" pitchFamily="34" charset="0"/>
+                <a:ea typeface="Calibri" pitchFamily="34" charset="-122"/>
+                <a:cs typeface="Calibri" pitchFamily="34" charset="-120"/>
+              </a:rPr>
+              <a:t>функциональных</a:t>
+            </a:r>
+            <a:endParaRPr lang="en-US" sz="1100" dirty="0"/>
+          </a:p>
+          <a:p>
+            <a:pPr marL="0" indent="0" algn="ctr">
+              <a:buNone/>
+            </a:pPr>
+            <a:r>
+              <a:rPr lang="en-US" sz="1100" dirty="0">
+                <a:solidFill>
+                  <a:srgbClr val="7A7570"/>
+                </a:solidFill>
+                <a:latin typeface="Calibri" pitchFamily="34" charset="0"/>
+                <a:ea typeface="Calibri" pitchFamily="34" charset="-122"/>
+                <a:cs typeface="Calibri" pitchFamily="34" charset="-120"/>
+              </a:rPr>
+              <a:t>модулей системы</a:t>
+            </a:r>
+            <a:endParaRPr lang="en-US" sz="1100" dirty="0"/>
+          </a:p>
+        </p:txBody>
+      </p:sp>
+      <p:sp>
+        <p:nvSpPr>
+          <p:cNvPr id="14" name="Shape 12"/>
+          <p:cNvSpPr/>
+          <p:nvPr/>
+        </p:nvSpPr>
+        <p:spPr>
+          <a:xfrm>
+            <a:off x="6858000" y="1417320"/>
+            <a:ext cx="1965960" cy="1463040"/>
+          </a:xfrm>
+          <a:prstGeom prst="rect">
+            <a:avLst/>
+          </a:prstGeom>
+          <a:solidFill>
+            <a:srgbClr val="252525"/>
+          </a:solidFill>
+          <a:ln w="12700">
+            <a:solidFill>
+              <a:srgbClr val="3A3A3A"/>
+            </a:solidFill>
+            <a:prstDash val="solid"/>
+          </a:ln>
+        </p:spPr>
+      </p:sp>
+      <p:sp>
+        <p:nvSpPr>
+          <p:cNvPr id="15" name="Text 13"/>
+          <p:cNvSpPr/>
+          <p:nvPr/>
+        </p:nvSpPr>
+        <p:spPr>
+          <a:xfrm>
+            <a:off x="6858000" y="1508760"/>
+            <a:ext cx="1965960" cy="685800"/>
+          </a:xfrm>
+          <a:prstGeom prst="rect">
+            <a:avLst/>
+          </a:prstGeom>
+          <a:noFill/>
+          <a:ln/>
+        </p:spPr>
+        <p:txBody>
+          <a:bodyPr wrap="square" rtlCol="0" anchor="ctr"/>
+          <a:lstStyle/>
+          <a:p>
+            <a:pPr marL="0" indent="0" algn="ctr">
+              <a:buNone/>
+            </a:pPr>
+            <a:r>
+              <a:rPr lang="en-US" sz="4400" b="1" dirty="0">
+                <a:solidFill>
+                  <a:srgbClr val="B89A6A"/>
+                </a:solidFill>
+                <a:latin typeface="Georgia" pitchFamily="34" charset="0"/>
+                <a:ea typeface="Georgia" pitchFamily="34" charset="-122"/>
+                <a:cs typeface="Georgia" pitchFamily="34" charset="-120"/>
+              </a:rPr>
+              <a:t>3</a:t>
+            </a:r>
+            <a:endParaRPr lang="en-US" sz="4400" dirty="0"/>
+          </a:p>
+        </p:txBody>
+      </p:sp>
+      <p:sp>
+        <p:nvSpPr>
+          <p:cNvPr id="16" name="Text 14"/>
+          <p:cNvSpPr/>
+          <p:nvPr/>
+        </p:nvSpPr>
+        <p:spPr>
+          <a:xfrm>
+            <a:off x="6858000" y="2148840"/>
+            <a:ext cx="1965960" cy="594360"/>
+          </a:xfrm>
+          <a:prstGeom prst="rect">
+            <a:avLst/>
+          </a:prstGeom>
+          <a:noFill/>
+          <a:ln/>
+        </p:spPr>
+        <p:txBody>
+          <a:bodyPr wrap="square" rtlCol="0" anchor="ctr"/>
+          <a:lstStyle/>
+          <a:p>
+            <a:pPr marL="0" indent="0" algn="ctr">
+              <a:buNone/>
+            </a:pPr>
+            <a:r>
+              <a:rPr lang="en-US" sz="1100" dirty="0">
+                <a:solidFill>
+                  <a:srgbClr val="7A7570"/>
+                </a:solidFill>
+                <a:latin typeface="Calibri" pitchFamily="34" charset="0"/>
+                <a:ea typeface="Calibri" pitchFamily="34" charset="-122"/>
+                <a:cs typeface="Calibri" pitchFamily="34" charset="-120"/>
+              </a:rPr>
+              <a:t>роли</a:t>
+            </a:r>
+            <a:endParaRPr lang="en-US" sz="1100" dirty="0"/>
+          </a:p>
+          <a:p>
+            <a:pPr marL="0" indent="0" algn="ctr">
+              <a:buNone/>
+            </a:pPr>
+            <a:r>
+              <a:rPr lang="en-US" sz="1100" dirty="0">
+                <a:solidFill>
+                  <a:srgbClr val="7A7570"/>
+                </a:solidFill>
+                <a:latin typeface="Calibri" pitchFamily="34" charset="0"/>
+                <a:ea typeface="Calibri" pitchFamily="34" charset="-122"/>
+                <a:cs typeface="Calibri" pitchFamily="34" charset="-120"/>
+              </a:rPr>
+              <a:t>пользователей</a:t>
+            </a:r>
+            <a:endParaRPr lang="en-US" sz="1100" dirty="0"/>
+          </a:p>
+        </p:txBody>
+      </p:sp>
+      <p:sp>
+        <p:nvSpPr>
+          <p:cNvPr id="17" name="Shape 15"/>
+          <p:cNvSpPr/>
+          <p:nvPr/>
+        </p:nvSpPr>
+        <p:spPr>
+          <a:xfrm>
+            <a:off x="411480" y="3063240"/>
+            <a:ext cx="8321040" cy="914400"/>
+          </a:xfrm>
+          <a:prstGeom prst="rect">
+            <a:avLst/>
+          </a:prstGeom>
+          <a:solidFill>
+            <a:srgbClr val="252525"/>
+          </a:solidFill>
+          <a:ln w="12700">
+            <a:solidFill>
+              <a:srgbClr val="363636"/>
+            </a:solidFill>
+            <a:prstDash val="solid"/>
+          </a:ln>
+        </p:spPr>
+      </p:sp>
+      <p:sp>
+        <p:nvSpPr>
+          <p:cNvPr id="18" name="Text 16"/>
+          <p:cNvSpPr/>
+          <p:nvPr/>
+        </p:nvSpPr>
+        <p:spPr>
+          <a:xfrm>
+            <a:off x="594360" y="3127248"/>
+            <a:ext cx="7955280" cy="786384"/>
+          </a:xfrm>
+          <a:prstGeom prst="rect">
+            <a:avLst/>
+          </a:prstGeom>
+          <a:noFill/>
+          <a:ln/>
+        </p:spPr>
+        <p:txBody>
+          <a:bodyPr wrap="square" rtlCol="0" anchor="ctr"/>
+          <a:lstStyle/>
+          <a:p>
+            <a:pPr marL="0" indent="0" algn="l">
+              <a:buNone/>
+            </a:pPr>
+            <a:r>
+              <a:rPr lang="en-US" sz="1250" dirty="0">
+                <a:solidFill>
+                  <a:srgbClr val="7A7570"/>
+                </a:solidFill>
+                <a:latin typeface="Calibri" pitchFamily="34" charset="0"/>
+                <a:ea typeface="Calibri" pitchFamily="34" charset="-122"/>
+                <a:cs typeface="Calibri" pitchFamily="34" charset="-120"/>
+              </a:rPr>
+              <a:t>Разработана информационная система сайта фотосалона «Cameraw» на стеке </a:t>
+            </a:r>
+            <a:r>
+              <a:rPr lang="en-US" sz="1250" b="1" dirty="0">
+                <a:solidFill>
+                  <a:srgbClr val="B89A6A"/>
+                </a:solidFill>
+                <a:latin typeface="Calibri" pitchFamily="34" charset="0"/>
+                <a:ea typeface="Calibri" pitchFamily="34" charset="-122"/>
+                <a:cs typeface="Calibri" pitchFamily="34" charset="-120"/>
+              </a:rPr>
+              <a:t>Vue.js 3 + Laravel 10 + MySQL</a:t>
+            </a:r>
+            <a:r>
+              <a:rPr lang="en-US" sz="1250" dirty="0">
+                <a:solidFill>
+                  <a:srgbClr val="7A7570"/>
+                </a:solidFill>
+                <a:latin typeface="Calibri" pitchFamily="34" charset="0"/>
+                <a:ea typeface="Calibri" pitchFamily="34" charset="-122"/>
+                <a:cs typeface="Calibri" pitchFamily="34" charset="-120"/>
+              </a:rPr>
+              <a:t>.</a:t>
+            </a:r>
+            <a:endParaRPr lang="en-US" sz="1250" dirty="0"/>
+          </a:p>
+          <a:p>
+            <a:pPr marL="0" indent="0" algn="l">
+              <a:buNone/>
+            </a:pPr>
+            <a:r>
+              <a:rPr lang="en-US" sz="1250" dirty="0">
+                <a:solidFill>
+                  <a:srgbClr val="7A7570"/>
+                </a:solidFill>
+                <a:latin typeface="Calibri" pitchFamily="34" charset="0"/>
+                <a:ea typeface="Calibri" pitchFamily="34" charset="-122"/>
+                <a:cs typeface="Calibri" pitchFamily="34" charset="-120"/>
+              </a:rPr>
+              <a:t>Система включает инновационный модуль «Фотосессии», не имеющий аналогов среди конкурентов анализируемого сегмента.</a:t>
+            </a:r>
+            <a:endParaRPr lang="en-US" sz="1250" dirty="0"/>
+          </a:p>
+        </p:txBody>
+      </p:sp>
+      <p:sp>
+        <p:nvSpPr>
+          <p:cNvPr id="19" name="Shape 17"/>
+          <p:cNvSpPr/>
+          <p:nvPr/>
+        </p:nvSpPr>
+        <p:spPr>
+          <a:xfrm>
+            <a:off x="411480" y="4160520"/>
+            <a:ext cx="8321040" cy="658368"/>
           </a:xfrm>
           <a:prstGeom prst="rect">
             <a:avLst/>
@@ -10861,103 +10681,14 @@
       </p:sp>
       <p:sp>
         <p:nvSpPr>
-          <p:cNvPr id="4" name="Text 2"/>
-          <p:cNvSpPr/>
-          <p:nvPr/>
-        </p:nvSpPr>
-        <p:spPr>
-          <a:xfrm>
-            <a:off x="411480" y="274320"/>
-            <a:ext cx="8229600" cy="457200"/>
-          </a:xfrm>
-          <a:prstGeom prst="rect">
-            <a:avLst/>
-          </a:prstGeom>
-          <a:noFill/>
-          <a:ln/>
-        </p:spPr>
-        <p:txBody>
-          <a:bodyPr wrap="square" rtlCol="0" anchor="ctr"/>
-          <a:lstStyle/>
-          <a:p>
-            <a:pPr marL="0" indent="0" algn="l">
-              <a:buNone/>
-            </a:pPr>
-            <a:r>
-              <a:rPr lang="en-US" sz="2000" b="1" kern="0" spc="300" dirty="0">
-                <a:solidFill>
-                  <a:srgbClr val="FFFFFF"/>
-                </a:solidFill>
-                <a:latin typeface="Calibri" pitchFamily="34" charset="0"/>
-                <a:ea typeface="Calibri" pitchFamily="34" charset="-122"/>
-                <a:cs typeface="Calibri" pitchFamily="34" charset="-120"/>
-              </a:rPr>
-              <a:t>ТЕСТИРОВАНИЕ ПРОДУКТА</a:t>
-            </a:r>
-            <a:endParaRPr lang="en-US" sz="2000" dirty="0"/>
-          </a:p>
-        </p:txBody>
-      </p:sp>
-      <p:sp>
-        <p:nvSpPr>
-          <p:cNvPr id="5" name="Shape 3"/>
-          <p:cNvSpPr/>
-          <p:nvPr/>
-        </p:nvSpPr>
-        <p:spPr>
-          <a:xfrm>
-            <a:off x="411480" y="1143000"/>
-            <a:ext cx="2697480" cy="3611880"/>
-          </a:xfrm>
-          <a:prstGeom prst="rect">
-            <a:avLst/>
-          </a:prstGeom>
-          <a:solidFill>
-            <a:srgbClr val="F0EDE8"/>
-          </a:solidFill>
-          <a:ln w="12700">
-            <a:solidFill>
-              <a:srgbClr val="E8E0D4"/>
-            </a:solidFill>
-            <a:prstDash val="solid"/>
-          </a:ln>
-        </p:spPr>
-      </p:sp>
-      <p:sp>
-        <p:nvSpPr>
-          <p:cNvPr id="6" name="Shape 4"/>
-          <p:cNvSpPr/>
-          <p:nvPr/>
-        </p:nvSpPr>
-        <p:spPr>
-          <a:xfrm>
-            <a:off x="411480" y="1143000"/>
-            <a:ext cx="2697480" cy="594360"/>
-          </a:xfrm>
-          <a:prstGeom prst="rect">
-            <a:avLst/>
-          </a:prstGeom>
-          <a:solidFill>
-            <a:srgbClr val="1C1C1C"/>
-          </a:solidFill>
-          <a:ln w="12700">
-            <a:solidFill>
-              <a:srgbClr val="1C1C1C"/>
-            </a:solidFill>
-            <a:prstDash val="solid"/>
-          </a:ln>
-        </p:spPr>
-      </p:sp>
-      <p:sp>
-        <p:nvSpPr>
-          <p:cNvPr id="7" name="Text 5"/>
-          <p:cNvSpPr/>
-          <p:nvPr/>
-        </p:nvSpPr>
-        <p:spPr>
-          <a:xfrm>
-            <a:off x="521208" y="1170432"/>
-            <a:ext cx="2478024" cy="539496"/>
+          <p:cNvPr id="20" name="Text 18"/>
+          <p:cNvSpPr/>
+          <p:nvPr/>
+        </p:nvSpPr>
+        <p:spPr>
+          <a:xfrm>
+            <a:off x="594360" y="4178808"/>
+            <a:ext cx="7955280" cy="621792"/>
           </a:xfrm>
           <a:prstGeom prst="rect">
             <a:avLst/>
@@ -10973,1142 +10704,39 @@
               <a:buNone/>
             </a:pPr>
             <a:r>
-              <a:rPr lang="en-US" sz="1150" b="1" dirty="0">
-                <a:solidFill>
-                  <a:srgbClr val="FFFFFF"/>
-                </a:solidFill>
-                <a:latin typeface="Calibri" pitchFamily="34" charset="0"/>
-                <a:ea typeface="Calibri" pitchFamily="34" charset="-122"/>
-                <a:cs typeface="Calibri" pitchFamily="34" charset="-120"/>
-              </a:rPr>
-              <a:t>Функциональное</a:t>
-            </a:r>
-            <a:endParaRPr lang="en-US" sz="1150" dirty="0"/>
-          </a:p>
-          <a:p>
-            <a:pPr marL="0" indent="0" algn="ctr">
-              <a:buNone/>
-            </a:pPr>
-            <a:r>
-              <a:rPr lang="en-US" sz="1150" b="1" dirty="0">
-                <a:solidFill>
-                  <a:srgbClr val="FFFFFF"/>
-                </a:solidFill>
-                <a:latin typeface="Calibri" pitchFamily="34" charset="0"/>
-                <a:ea typeface="Calibri" pitchFamily="34" charset="-122"/>
-                <a:cs typeface="Calibri" pitchFamily="34" charset="-120"/>
-              </a:rPr>
-              <a:t>тестирование</a:t>
-            </a:r>
-            <a:endParaRPr lang="en-US" sz="1150" dirty="0"/>
-          </a:p>
-        </p:txBody>
-      </p:sp>
-      <p:sp>
-        <p:nvSpPr>
-          <p:cNvPr id="8" name="Shape 6"/>
-          <p:cNvSpPr/>
-          <p:nvPr/>
-        </p:nvSpPr>
-        <p:spPr>
-          <a:xfrm>
-            <a:off x="868680" y="1874520"/>
-            <a:ext cx="1783080" cy="384048"/>
-          </a:xfrm>
-          <a:prstGeom prst="rect">
-            <a:avLst/>
-          </a:prstGeom>
-          <a:solidFill>
-            <a:srgbClr val="2D6A4F"/>
-          </a:solidFill>
-          <a:ln w="12700">
-            <a:solidFill>
-              <a:srgbClr val="2D6A4F"/>
-            </a:solidFill>
-            <a:prstDash val="solid"/>
-          </a:ln>
-        </p:spPr>
-      </p:sp>
-      <p:sp>
-        <p:nvSpPr>
-          <p:cNvPr id="9" name="Text 7"/>
-          <p:cNvSpPr/>
-          <p:nvPr/>
-        </p:nvSpPr>
-        <p:spPr>
-          <a:xfrm>
-            <a:off x="868680" y="1874520"/>
-            <a:ext cx="1783080" cy="384048"/>
-          </a:xfrm>
-          <a:prstGeom prst="rect">
-            <a:avLst/>
-          </a:prstGeom>
-          <a:noFill/>
-          <a:ln/>
-        </p:spPr>
-        <p:txBody>
-          <a:bodyPr wrap="square" rtlCol="0" anchor="ctr"/>
-          <a:lstStyle/>
-          <a:p>
-            <a:pPr marL="0" indent="0" algn="ctr">
-              <a:buNone/>
-            </a:pPr>
-            <a:r>
-              <a:rPr lang="en-US" sz="1200" b="1" dirty="0">
-                <a:solidFill>
-                  <a:srgbClr val="FFFFFF"/>
-                </a:solidFill>
-                <a:latin typeface="Calibri" pitchFamily="34" charset="0"/>
-                <a:ea typeface="Calibri" pitchFamily="34" charset="-122"/>
-                <a:cs typeface="Calibri" pitchFamily="34" charset="-120"/>
-              </a:rPr>
-              <a:t>ПРОЙДЕНО</a:t>
-            </a:r>
-            <a:endParaRPr lang="en-US" sz="1200" dirty="0"/>
-          </a:p>
-        </p:txBody>
-      </p:sp>
-      <p:sp>
-        <p:nvSpPr>
-          <p:cNvPr id="10" name="Shape 8"/>
-          <p:cNvSpPr/>
-          <p:nvPr/>
-        </p:nvSpPr>
-        <p:spPr>
-          <a:xfrm>
-            <a:off x="594360" y="2423160"/>
-            <a:ext cx="109728" cy="109728"/>
-          </a:xfrm>
-          <a:prstGeom prst="ellipse">
-            <a:avLst/>
-          </a:prstGeom>
-          <a:solidFill>
-            <a:srgbClr val="B89A6A"/>
-          </a:solidFill>
-          <a:ln w="12700">
-            <a:solidFill>
-              <a:srgbClr val="B89A6A"/>
-            </a:solidFill>
-            <a:prstDash val="solid"/>
-          </a:ln>
-        </p:spPr>
-      </p:sp>
-      <p:sp>
-        <p:nvSpPr>
-          <p:cNvPr id="11" name="Text 9"/>
-          <p:cNvSpPr/>
-          <p:nvPr/>
-        </p:nvSpPr>
-        <p:spPr>
-          <a:xfrm>
-            <a:off x="795528" y="2377440"/>
-            <a:ext cx="2212848" cy="384048"/>
-          </a:xfrm>
-          <a:prstGeom prst="rect">
-            <a:avLst/>
-          </a:prstGeom>
-          <a:noFill/>
-          <a:ln/>
-        </p:spPr>
-        <p:txBody>
-          <a:bodyPr wrap="square" rtlCol="0" anchor="ctr"/>
-          <a:lstStyle/>
-          <a:p>
-            <a:pPr marL="0" indent="0">
-              <a:buNone/>
-            </a:pPr>
-            <a:r>
-              <a:rPr lang="en-US" sz="1100" dirty="0">
+              <a:rPr lang="en-US" sz="1800" i="1" dirty="0">
                 <a:solidFill>
                   <a:srgbClr val="1C1C1C"/>
                 </a:solidFill>
-                <a:latin typeface="Calibri" pitchFamily="34" charset="0"/>
-                <a:ea typeface="Calibri" pitchFamily="34" charset="-122"/>
-                <a:cs typeface="Calibri" pitchFamily="34" charset="-120"/>
-              </a:rPr>
-              <a:t>Все 10 модулей проверены</a:t>
-            </a:r>
-            <a:endParaRPr lang="en-US" sz="1100" dirty="0"/>
-          </a:p>
-        </p:txBody>
-      </p:sp>
-      <p:sp>
-        <p:nvSpPr>
-          <p:cNvPr id="12" name="Shape 10"/>
-          <p:cNvSpPr/>
-          <p:nvPr/>
-        </p:nvSpPr>
-        <p:spPr>
-          <a:xfrm>
-            <a:off x="594360" y="2935224"/>
-            <a:ext cx="109728" cy="109728"/>
-          </a:xfrm>
-          <a:prstGeom prst="ellipse">
-            <a:avLst/>
-          </a:prstGeom>
-          <a:solidFill>
-            <a:srgbClr val="B89A6A"/>
-          </a:solidFill>
-          <a:ln w="12700">
-            <a:solidFill>
-              <a:srgbClr val="B89A6A"/>
-            </a:solidFill>
-            <a:prstDash val="solid"/>
-          </a:ln>
-        </p:spPr>
-      </p:sp>
-      <p:sp>
-        <p:nvSpPr>
-          <p:cNvPr id="13" name="Text 11"/>
-          <p:cNvSpPr/>
-          <p:nvPr/>
-        </p:nvSpPr>
-        <p:spPr>
-          <a:xfrm>
-            <a:off x="795528" y="2889504"/>
-            <a:ext cx="2212848" cy="384048"/>
-          </a:xfrm>
-          <a:prstGeom prst="rect">
-            <a:avLst/>
-          </a:prstGeom>
-          <a:noFill/>
-          <a:ln/>
-        </p:spPr>
-        <p:txBody>
-          <a:bodyPr wrap="square" rtlCol="0" anchor="ctr"/>
-          <a:lstStyle/>
-          <a:p>
-            <a:pPr marL="0" indent="0">
-              <a:buNone/>
-            </a:pPr>
-            <a:r>
-              <a:rPr lang="en-US" sz="1100" dirty="0">
+                <a:latin typeface="Georgia" pitchFamily="34" charset="0"/>
+                <a:ea typeface="Georgia" pitchFamily="34" charset="-122"/>
+                <a:cs typeface="Georgia" pitchFamily="34" charset="-120"/>
+              </a:rPr>
+              <a:t>Спасибо за </a:t>
+            </a:r>
+            <a:r>
+              <a:rPr lang="en-US" sz="1800" i="1" dirty="0" err="1">
                 <a:solidFill>
                   <a:srgbClr val="1C1C1C"/>
                 </a:solidFill>
-                <a:latin typeface="Calibri" pitchFamily="34" charset="0"/>
-                <a:ea typeface="Calibri" pitchFamily="34" charset="-122"/>
-                <a:cs typeface="Calibri" pitchFamily="34" charset="-120"/>
-              </a:rPr>
-              <a:t>Онлайн-запись: слоты корректны</a:t>
-            </a:r>
-            <a:endParaRPr lang="en-US" sz="1100" dirty="0"/>
-          </a:p>
-        </p:txBody>
-      </p:sp>
-      <p:sp>
-        <p:nvSpPr>
-          <p:cNvPr id="14" name="Shape 12"/>
-          <p:cNvSpPr/>
-          <p:nvPr/>
-        </p:nvSpPr>
-        <p:spPr>
-          <a:xfrm>
-            <a:off x="594360" y="3447288"/>
-            <a:ext cx="109728" cy="109728"/>
-          </a:xfrm>
-          <a:prstGeom prst="ellipse">
-            <a:avLst/>
-          </a:prstGeom>
-          <a:solidFill>
-            <a:srgbClr val="B89A6A"/>
-          </a:solidFill>
-          <a:ln w="12700">
-            <a:solidFill>
-              <a:srgbClr val="B89A6A"/>
-            </a:solidFill>
-            <a:prstDash val="solid"/>
-          </a:ln>
-        </p:spPr>
-      </p:sp>
-      <p:sp>
-        <p:nvSpPr>
-          <p:cNvPr id="15" name="Text 13"/>
-          <p:cNvSpPr/>
-          <p:nvPr/>
-        </p:nvSpPr>
-        <p:spPr>
-          <a:xfrm>
-            <a:off x="795528" y="3401568"/>
-            <a:ext cx="2212848" cy="384048"/>
-          </a:xfrm>
-          <a:prstGeom prst="rect">
-            <a:avLst/>
-          </a:prstGeom>
-          <a:noFill/>
-          <a:ln/>
-        </p:spPr>
-        <p:txBody>
-          <a:bodyPr wrap="square" rtlCol="0" anchor="ctr"/>
-          <a:lstStyle/>
-          <a:p>
-            <a:pPr marL="0" indent="0">
-              <a:buNone/>
-            </a:pPr>
-            <a:r>
-              <a:rPr lang="en-US" sz="1100" dirty="0">
+                <a:latin typeface="Georgia" pitchFamily="34" charset="0"/>
+                <a:ea typeface="Georgia" pitchFamily="34" charset="-122"/>
+                <a:cs typeface="Georgia" pitchFamily="34" charset="-120"/>
+              </a:rPr>
+              <a:t>внимание</a:t>
+            </a:r>
+            <a:r>
+              <a:rPr lang="en-US" sz="1800" i="1">
                 <a:solidFill>
                   <a:srgbClr val="1C1C1C"/>
                 </a:solidFill>
-                <a:latin typeface="Calibri" pitchFamily="34" charset="0"/>
-                <a:ea typeface="Calibri" pitchFamily="34" charset="-122"/>
-                <a:cs typeface="Calibri" pitchFamily="34" charset="-120"/>
-              </a:rPr>
-              <a:t>Фотосессии: статусы и выбор работают</a:t>
-            </a:r>
-            <a:endParaRPr lang="en-US" sz="1100" dirty="0"/>
-          </a:p>
-        </p:txBody>
-      </p:sp>
-      <p:sp>
-        <p:nvSpPr>
-          <p:cNvPr id="16" name="Shape 14"/>
-          <p:cNvSpPr/>
-          <p:nvPr/>
-        </p:nvSpPr>
-        <p:spPr>
-          <a:xfrm>
-            <a:off x="594360" y="3959352"/>
-            <a:ext cx="109728" cy="109728"/>
-          </a:xfrm>
-          <a:prstGeom prst="ellipse">
-            <a:avLst/>
-          </a:prstGeom>
-          <a:solidFill>
-            <a:srgbClr val="B89A6A"/>
-          </a:solidFill>
-          <a:ln w="12700">
-            <a:solidFill>
-              <a:srgbClr val="B89A6A"/>
-            </a:solidFill>
-            <a:prstDash val="solid"/>
-          </a:ln>
-        </p:spPr>
-      </p:sp>
-      <p:sp>
-        <p:nvSpPr>
-          <p:cNvPr id="17" name="Text 15"/>
-          <p:cNvSpPr/>
-          <p:nvPr/>
-        </p:nvSpPr>
-        <p:spPr>
-          <a:xfrm>
-            <a:off x="795528" y="3913632"/>
-            <a:ext cx="2212848" cy="384048"/>
-          </a:xfrm>
-          <a:prstGeom prst="rect">
-            <a:avLst/>
-          </a:prstGeom>
-          <a:noFill/>
-          <a:ln/>
-        </p:spPr>
-        <p:txBody>
-          <a:bodyPr wrap="square" rtlCol="0" anchor="ctr"/>
-          <a:lstStyle/>
-          <a:p>
-            <a:pPr marL="0" indent="0">
-              <a:buNone/>
-            </a:pPr>
-            <a:r>
-              <a:rPr lang="en-US" sz="1100" dirty="0">
-                <a:solidFill>
-                  <a:srgbClr val="1C1C1C"/>
-                </a:solidFill>
-                <a:latin typeface="Calibri" pitchFamily="34" charset="0"/>
-                <a:ea typeface="Calibri" pitchFamily="34" charset="-122"/>
-                <a:cs typeface="Calibri" pitchFamily="34" charset="-120"/>
-              </a:rPr>
-              <a:t>Права доступа разграничены верно</a:t>
-            </a:r>
-            <a:endParaRPr lang="en-US" sz="1100" dirty="0"/>
-          </a:p>
-        </p:txBody>
-      </p:sp>
-      <p:sp>
-        <p:nvSpPr>
-          <p:cNvPr id="18" name="Shape 16"/>
-          <p:cNvSpPr/>
-          <p:nvPr/>
-        </p:nvSpPr>
-        <p:spPr>
-          <a:xfrm>
-            <a:off x="3291840" y="1143000"/>
-            <a:ext cx="2697480" cy="3611880"/>
-          </a:xfrm>
-          <a:prstGeom prst="rect">
-            <a:avLst/>
-          </a:prstGeom>
-          <a:solidFill>
-            <a:srgbClr val="F0EDE8"/>
-          </a:solidFill>
-          <a:ln w="12700">
-            <a:solidFill>
-              <a:srgbClr val="E8E0D4"/>
-            </a:solidFill>
-            <a:prstDash val="solid"/>
-          </a:ln>
-        </p:spPr>
-      </p:sp>
-      <p:sp>
-        <p:nvSpPr>
-          <p:cNvPr id="19" name="Shape 17"/>
-          <p:cNvSpPr/>
-          <p:nvPr/>
-        </p:nvSpPr>
-        <p:spPr>
-          <a:xfrm>
-            <a:off x="3291840" y="1143000"/>
-            <a:ext cx="2697480" cy="594360"/>
-          </a:xfrm>
-          <a:prstGeom prst="rect">
-            <a:avLst/>
-          </a:prstGeom>
-          <a:solidFill>
-            <a:srgbClr val="1C1C1C"/>
-          </a:solidFill>
-          <a:ln w="12700">
-            <a:solidFill>
-              <a:srgbClr val="1C1C1C"/>
-            </a:solidFill>
-            <a:prstDash val="solid"/>
-          </a:ln>
-        </p:spPr>
-      </p:sp>
-      <p:sp>
-        <p:nvSpPr>
-          <p:cNvPr id="20" name="Text 18"/>
-          <p:cNvSpPr/>
-          <p:nvPr/>
-        </p:nvSpPr>
-        <p:spPr>
-          <a:xfrm>
-            <a:off x="3401568" y="1170432"/>
-            <a:ext cx="2478024" cy="539496"/>
-          </a:xfrm>
-          <a:prstGeom prst="rect">
-            <a:avLst/>
-          </a:prstGeom>
-          <a:noFill/>
-          <a:ln/>
-        </p:spPr>
-        <p:txBody>
-          <a:bodyPr wrap="square" rtlCol="0" anchor="ctr"/>
-          <a:lstStyle/>
-          <a:p>
-            <a:pPr marL="0" indent="0" algn="ctr">
-              <a:buNone/>
-            </a:pPr>
-            <a:r>
-              <a:rPr lang="en-US" sz="1150" b="1" dirty="0">
-                <a:solidFill>
-                  <a:srgbClr val="FFFFFF"/>
-                </a:solidFill>
-                <a:latin typeface="Calibri" pitchFamily="34" charset="0"/>
-                <a:ea typeface="Calibri" pitchFamily="34" charset="-122"/>
-                <a:cs typeface="Calibri" pitchFamily="34" charset="-120"/>
-              </a:rPr>
-              <a:t>UI-тестирование</a:t>
-            </a:r>
-            <a:endParaRPr lang="en-US" sz="1150" dirty="0"/>
-          </a:p>
-          <a:p>
-            <a:pPr marL="0" indent="0" algn="ctr">
-              <a:buNone/>
-            </a:pPr>
-            <a:r>
-              <a:rPr lang="en-US" sz="1150" b="1" dirty="0">
-                <a:solidFill>
-                  <a:srgbClr val="FFFFFF"/>
-                </a:solidFill>
-                <a:latin typeface="Calibri" pitchFamily="34" charset="0"/>
-                <a:ea typeface="Calibri" pitchFamily="34" charset="-122"/>
-                <a:cs typeface="Calibri" pitchFamily="34" charset="-120"/>
-              </a:rPr>
-              <a:t>(интерфейс)</a:t>
-            </a:r>
-            <a:endParaRPr lang="en-US" sz="1150" dirty="0"/>
-          </a:p>
-        </p:txBody>
-      </p:sp>
-      <p:sp>
-        <p:nvSpPr>
-          <p:cNvPr id="21" name="Shape 19"/>
-          <p:cNvSpPr/>
-          <p:nvPr/>
-        </p:nvSpPr>
-        <p:spPr>
-          <a:xfrm>
-            <a:off x="3749040" y="1874520"/>
-            <a:ext cx="1783080" cy="384048"/>
-          </a:xfrm>
-          <a:prstGeom prst="rect">
-            <a:avLst/>
-          </a:prstGeom>
-          <a:solidFill>
-            <a:srgbClr val="2D6A4F"/>
-          </a:solidFill>
-          <a:ln w="12700">
-            <a:solidFill>
-              <a:srgbClr val="2D6A4F"/>
-            </a:solidFill>
-            <a:prstDash val="solid"/>
-          </a:ln>
-        </p:spPr>
-      </p:sp>
-      <p:sp>
-        <p:nvSpPr>
-          <p:cNvPr id="22" name="Text 20"/>
-          <p:cNvSpPr/>
-          <p:nvPr/>
-        </p:nvSpPr>
-        <p:spPr>
-          <a:xfrm>
-            <a:off x="3749040" y="1874520"/>
-            <a:ext cx="1783080" cy="384048"/>
-          </a:xfrm>
-          <a:prstGeom prst="rect">
-            <a:avLst/>
-          </a:prstGeom>
-          <a:noFill/>
-          <a:ln/>
-        </p:spPr>
-        <p:txBody>
-          <a:bodyPr wrap="square" rtlCol="0" anchor="ctr"/>
-          <a:lstStyle/>
-          <a:p>
-            <a:pPr marL="0" indent="0" algn="ctr">
-              <a:buNone/>
-            </a:pPr>
-            <a:r>
-              <a:rPr lang="en-US" sz="1200" b="1" dirty="0">
-                <a:solidFill>
-                  <a:srgbClr val="FFFFFF"/>
-                </a:solidFill>
-                <a:latin typeface="Calibri" pitchFamily="34" charset="0"/>
-                <a:ea typeface="Calibri" pitchFamily="34" charset="-122"/>
-                <a:cs typeface="Calibri" pitchFamily="34" charset="-120"/>
-              </a:rPr>
-              <a:t>ПРОЙДЕНО</a:t>
-            </a:r>
-            <a:endParaRPr lang="en-US" sz="1200" dirty="0"/>
-          </a:p>
-        </p:txBody>
-      </p:sp>
-      <p:sp>
-        <p:nvSpPr>
-          <p:cNvPr id="23" name="Shape 21"/>
-          <p:cNvSpPr/>
-          <p:nvPr/>
-        </p:nvSpPr>
-        <p:spPr>
-          <a:xfrm>
-            <a:off x="3474720" y="2423160"/>
-            <a:ext cx="109728" cy="109728"/>
-          </a:xfrm>
-          <a:prstGeom prst="ellipse">
-            <a:avLst/>
-          </a:prstGeom>
-          <a:solidFill>
-            <a:srgbClr val="B89A6A"/>
-          </a:solidFill>
-          <a:ln w="12700">
-            <a:solidFill>
-              <a:srgbClr val="B89A6A"/>
-            </a:solidFill>
-            <a:prstDash val="solid"/>
-          </a:ln>
-        </p:spPr>
-      </p:sp>
-      <p:sp>
-        <p:nvSpPr>
-          <p:cNvPr id="24" name="Text 22"/>
-          <p:cNvSpPr/>
-          <p:nvPr/>
-        </p:nvSpPr>
-        <p:spPr>
-          <a:xfrm>
-            <a:off x="3675888" y="2377440"/>
-            <a:ext cx="2212848" cy="384048"/>
-          </a:xfrm>
-          <a:prstGeom prst="rect">
-            <a:avLst/>
-          </a:prstGeom>
-          <a:noFill/>
-          <a:ln/>
-        </p:spPr>
-        <p:txBody>
-          <a:bodyPr wrap="square" rtlCol="0" anchor="ctr"/>
-          <a:lstStyle/>
-          <a:p>
-            <a:pPr marL="0" indent="0">
-              <a:buNone/>
-            </a:pPr>
-            <a:r>
-              <a:rPr lang="en-US" sz="1100" dirty="0">
-                <a:solidFill>
-                  <a:srgbClr val="1C1C1C"/>
-                </a:solidFill>
-                <a:latin typeface="Calibri" pitchFamily="34" charset="0"/>
-                <a:ea typeface="Calibri" pitchFamily="34" charset="-122"/>
-                <a:cs typeface="Calibri" pitchFamily="34" charset="-120"/>
-              </a:rPr>
-              <a:t>320px (мобильный) — корректно</a:t>
-            </a:r>
-            <a:endParaRPr lang="en-US" sz="1100" dirty="0"/>
-          </a:p>
-        </p:txBody>
-      </p:sp>
-      <p:sp>
-        <p:nvSpPr>
-          <p:cNvPr id="25" name="Shape 23"/>
-          <p:cNvSpPr/>
-          <p:nvPr/>
-        </p:nvSpPr>
-        <p:spPr>
-          <a:xfrm>
-            <a:off x="3474720" y="2935224"/>
-            <a:ext cx="109728" cy="109728"/>
-          </a:xfrm>
-          <a:prstGeom prst="ellipse">
-            <a:avLst/>
-          </a:prstGeom>
-          <a:solidFill>
-            <a:srgbClr val="B89A6A"/>
-          </a:solidFill>
-          <a:ln w="12700">
-            <a:solidFill>
-              <a:srgbClr val="B89A6A"/>
-            </a:solidFill>
-            <a:prstDash val="solid"/>
-          </a:ln>
-        </p:spPr>
-      </p:sp>
-      <p:sp>
-        <p:nvSpPr>
-          <p:cNvPr id="26" name="Text 24"/>
-          <p:cNvSpPr/>
-          <p:nvPr/>
-        </p:nvSpPr>
-        <p:spPr>
-          <a:xfrm>
-            <a:off x="3675888" y="2889504"/>
-            <a:ext cx="2212848" cy="384048"/>
-          </a:xfrm>
-          <a:prstGeom prst="rect">
-            <a:avLst/>
-          </a:prstGeom>
-          <a:noFill/>
-          <a:ln/>
-        </p:spPr>
-        <p:txBody>
-          <a:bodyPr wrap="square" rtlCol="0" anchor="ctr"/>
-          <a:lstStyle/>
-          <a:p>
-            <a:pPr marL="0" indent="0">
-              <a:buNone/>
-            </a:pPr>
-            <a:r>
-              <a:rPr lang="en-US" sz="1100" dirty="0">
-                <a:solidFill>
-                  <a:srgbClr val="1C1C1C"/>
-                </a:solidFill>
-                <a:latin typeface="Calibri" pitchFamily="34" charset="0"/>
-                <a:ea typeface="Calibri" pitchFamily="34" charset="-122"/>
-                <a:cs typeface="Calibri" pitchFamily="34" charset="-120"/>
-              </a:rPr>
-              <a:t>768px (планшет) — корректно</a:t>
-            </a:r>
-            <a:endParaRPr lang="en-US" sz="1100" dirty="0"/>
-          </a:p>
-        </p:txBody>
-      </p:sp>
-      <p:sp>
-        <p:nvSpPr>
-          <p:cNvPr id="27" name="Shape 25"/>
-          <p:cNvSpPr/>
-          <p:nvPr/>
-        </p:nvSpPr>
-        <p:spPr>
-          <a:xfrm>
-            <a:off x="3474720" y="3447288"/>
-            <a:ext cx="109728" cy="109728"/>
-          </a:xfrm>
-          <a:prstGeom prst="ellipse">
-            <a:avLst/>
-          </a:prstGeom>
-          <a:solidFill>
-            <a:srgbClr val="B89A6A"/>
-          </a:solidFill>
-          <a:ln w="12700">
-            <a:solidFill>
-              <a:srgbClr val="B89A6A"/>
-            </a:solidFill>
-            <a:prstDash val="solid"/>
-          </a:ln>
-        </p:spPr>
-      </p:sp>
-      <p:sp>
-        <p:nvSpPr>
-          <p:cNvPr id="28" name="Text 26"/>
-          <p:cNvSpPr/>
-          <p:nvPr/>
-        </p:nvSpPr>
-        <p:spPr>
-          <a:xfrm>
-            <a:off x="3675888" y="3401568"/>
-            <a:ext cx="2212848" cy="384048"/>
-          </a:xfrm>
-          <a:prstGeom prst="rect">
-            <a:avLst/>
-          </a:prstGeom>
-          <a:noFill/>
-          <a:ln/>
-        </p:spPr>
-        <p:txBody>
-          <a:bodyPr wrap="square" rtlCol="0" anchor="ctr"/>
-          <a:lstStyle/>
-          <a:p>
-            <a:pPr marL="0" indent="0">
-              <a:buNone/>
-            </a:pPr>
-            <a:r>
-              <a:rPr lang="en-US" sz="1100" dirty="0">
-                <a:solidFill>
-                  <a:srgbClr val="1C1C1C"/>
-                </a:solidFill>
-                <a:latin typeface="Calibri" pitchFamily="34" charset="0"/>
-                <a:ea typeface="Calibri" pitchFamily="34" charset="-122"/>
-                <a:cs typeface="Calibri" pitchFamily="34" charset="-120"/>
-              </a:rPr>
-              <a:t>1920px (десктоп) — корректно</a:t>
-            </a:r>
-            <a:endParaRPr lang="en-US" sz="1100" dirty="0"/>
-          </a:p>
-        </p:txBody>
-      </p:sp>
-      <p:sp>
-        <p:nvSpPr>
-          <p:cNvPr id="29" name="Shape 27"/>
-          <p:cNvSpPr/>
-          <p:nvPr/>
-        </p:nvSpPr>
-        <p:spPr>
-          <a:xfrm>
-            <a:off x="3474720" y="3959352"/>
-            <a:ext cx="109728" cy="109728"/>
-          </a:xfrm>
-          <a:prstGeom prst="ellipse">
-            <a:avLst/>
-          </a:prstGeom>
-          <a:solidFill>
-            <a:srgbClr val="B89A6A"/>
-          </a:solidFill>
-          <a:ln w="12700">
-            <a:solidFill>
-              <a:srgbClr val="B89A6A"/>
-            </a:solidFill>
-            <a:prstDash val="solid"/>
-          </a:ln>
-        </p:spPr>
-      </p:sp>
-      <p:sp>
-        <p:nvSpPr>
-          <p:cNvPr id="30" name="Text 28"/>
-          <p:cNvSpPr/>
-          <p:nvPr/>
-        </p:nvSpPr>
-        <p:spPr>
-          <a:xfrm>
-            <a:off x="3675888" y="3913632"/>
-            <a:ext cx="2212848" cy="384048"/>
-          </a:xfrm>
-          <a:prstGeom prst="rect">
-            <a:avLst/>
-          </a:prstGeom>
-          <a:noFill/>
-          <a:ln/>
-        </p:spPr>
-        <p:txBody>
-          <a:bodyPr wrap="square" rtlCol="0" anchor="ctr"/>
-          <a:lstStyle/>
-          <a:p>
-            <a:pPr marL="0" indent="0">
-              <a:buNone/>
-            </a:pPr>
-            <a:r>
-              <a:rPr lang="en-US" sz="1100" dirty="0">
-                <a:solidFill>
-                  <a:srgbClr val="1C1C1C"/>
-                </a:solidFill>
-                <a:latin typeface="Calibri" pitchFamily="34" charset="0"/>
-                <a:ea typeface="Calibri" pitchFamily="34" charset="-122"/>
-                <a:cs typeface="Calibri" pitchFamily="34" charset="-120"/>
-              </a:rPr>
-              <a:t>Hover-эффекты на всех элементах</a:t>
-            </a:r>
-            <a:endParaRPr lang="en-US" sz="1100" dirty="0"/>
-          </a:p>
-        </p:txBody>
-      </p:sp>
-      <p:sp>
-        <p:nvSpPr>
-          <p:cNvPr id="31" name="Shape 29"/>
-          <p:cNvSpPr/>
-          <p:nvPr/>
-        </p:nvSpPr>
-        <p:spPr>
-          <a:xfrm>
-            <a:off x="6172200" y="1143000"/>
-            <a:ext cx="2697480" cy="3611880"/>
-          </a:xfrm>
-          <a:prstGeom prst="rect">
-            <a:avLst/>
-          </a:prstGeom>
-          <a:solidFill>
-            <a:srgbClr val="F0EDE8"/>
-          </a:solidFill>
-          <a:ln w="12700">
-            <a:solidFill>
-              <a:srgbClr val="E8E0D4"/>
-            </a:solidFill>
-            <a:prstDash val="solid"/>
-          </a:ln>
-        </p:spPr>
-      </p:sp>
-      <p:sp>
-        <p:nvSpPr>
-          <p:cNvPr id="32" name="Shape 30"/>
-          <p:cNvSpPr/>
-          <p:nvPr/>
-        </p:nvSpPr>
-        <p:spPr>
-          <a:xfrm>
-            <a:off x="6172200" y="1143000"/>
-            <a:ext cx="2697480" cy="594360"/>
-          </a:xfrm>
-          <a:prstGeom prst="rect">
-            <a:avLst/>
-          </a:prstGeom>
-          <a:solidFill>
-            <a:srgbClr val="1C1C1C"/>
-          </a:solidFill>
-          <a:ln w="12700">
-            <a:solidFill>
-              <a:srgbClr val="1C1C1C"/>
-            </a:solidFill>
-            <a:prstDash val="solid"/>
-          </a:ln>
-        </p:spPr>
-      </p:sp>
-      <p:sp>
-        <p:nvSpPr>
-          <p:cNvPr id="33" name="Text 31"/>
-          <p:cNvSpPr/>
-          <p:nvPr/>
-        </p:nvSpPr>
-        <p:spPr>
-          <a:xfrm>
-            <a:off x="6281928" y="1170432"/>
-            <a:ext cx="2478024" cy="539496"/>
-          </a:xfrm>
-          <a:prstGeom prst="rect">
-            <a:avLst/>
-          </a:prstGeom>
-          <a:noFill/>
-          <a:ln/>
-        </p:spPr>
-        <p:txBody>
-          <a:bodyPr wrap="square" rtlCol="0" anchor="ctr"/>
-          <a:lstStyle/>
-          <a:p>
-            <a:pPr marL="0" indent="0" algn="ctr">
-              <a:buNone/>
-            </a:pPr>
-            <a:r>
-              <a:rPr lang="en-US" sz="1150" b="1" dirty="0">
-                <a:solidFill>
-                  <a:srgbClr val="FFFFFF"/>
-                </a:solidFill>
-                <a:latin typeface="Calibri" pitchFamily="34" charset="0"/>
-                <a:ea typeface="Calibri" pitchFamily="34" charset="-122"/>
-                <a:cs typeface="Calibri" pitchFamily="34" charset="-120"/>
-              </a:rPr>
-              <a:t>Тестирование</a:t>
-            </a:r>
-            <a:endParaRPr lang="en-US" sz="1150" dirty="0"/>
-          </a:p>
-          <a:p>
-            <a:pPr marL="0" indent="0" algn="ctr">
-              <a:buNone/>
-            </a:pPr>
-            <a:r>
-              <a:rPr lang="en-US" sz="1150" b="1" dirty="0">
-                <a:solidFill>
-                  <a:srgbClr val="FFFFFF"/>
-                </a:solidFill>
-                <a:latin typeface="Calibri" pitchFamily="34" charset="0"/>
-                <a:ea typeface="Calibri" pitchFamily="34" charset="-122"/>
-                <a:cs typeface="Calibri" pitchFamily="34" charset="-120"/>
-              </a:rPr>
-              <a:t>безопасности</a:t>
-            </a:r>
-            <a:endParaRPr lang="en-US" sz="1150" dirty="0"/>
-          </a:p>
-        </p:txBody>
-      </p:sp>
-      <p:sp>
-        <p:nvSpPr>
-          <p:cNvPr id="34" name="Shape 32"/>
-          <p:cNvSpPr/>
-          <p:nvPr/>
-        </p:nvSpPr>
-        <p:spPr>
-          <a:xfrm>
-            <a:off x="6629400" y="1874520"/>
-            <a:ext cx="1783080" cy="384048"/>
-          </a:xfrm>
-          <a:prstGeom prst="rect">
-            <a:avLst/>
-          </a:prstGeom>
-          <a:solidFill>
-            <a:srgbClr val="2D6A4F"/>
-          </a:solidFill>
-          <a:ln w="12700">
-            <a:solidFill>
-              <a:srgbClr val="2D6A4F"/>
-            </a:solidFill>
-            <a:prstDash val="solid"/>
-          </a:ln>
-        </p:spPr>
-      </p:sp>
-      <p:sp>
-        <p:nvSpPr>
-          <p:cNvPr id="35" name="Text 33"/>
-          <p:cNvSpPr/>
-          <p:nvPr/>
-        </p:nvSpPr>
-        <p:spPr>
-          <a:xfrm>
-            <a:off x="6629400" y="1874520"/>
-            <a:ext cx="1783080" cy="384048"/>
-          </a:xfrm>
-          <a:prstGeom prst="rect">
-            <a:avLst/>
-          </a:prstGeom>
-          <a:noFill/>
-          <a:ln/>
-        </p:spPr>
-        <p:txBody>
-          <a:bodyPr wrap="square" rtlCol="0" anchor="ctr"/>
-          <a:lstStyle/>
-          <a:p>
-            <a:pPr marL="0" indent="0" algn="ctr">
-              <a:buNone/>
-            </a:pPr>
-            <a:r>
-              <a:rPr lang="en-US" sz="1200" b="1" dirty="0">
-                <a:solidFill>
-                  <a:srgbClr val="FFFFFF"/>
-                </a:solidFill>
-                <a:latin typeface="Calibri" pitchFamily="34" charset="0"/>
-                <a:ea typeface="Calibri" pitchFamily="34" charset="-122"/>
-                <a:cs typeface="Calibri" pitchFamily="34" charset="-120"/>
-              </a:rPr>
-              <a:t>ПРОЙДЕНО</a:t>
-            </a:r>
-            <a:endParaRPr lang="en-US" sz="1200" dirty="0"/>
-          </a:p>
-        </p:txBody>
-      </p:sp>
-      <p:sp>
-        <p:nvSpPr>
-          <p:cNvPr id="36" name="Shape 34"/>
-          <p:cNvSpPr/>
-          <p:nvPr/>
-        </p:nvSpPr>
-        <p:spPr>
-          <a:xfrm>
-            <a:off x="6355080" y="2423160"/>
-            <a:ext cx="109728" cy="109728"/>
-          </a:xfrm>
-          <a:prstGeom prst="ellipse">
-            <a:avLst/>
-          </a:prstGeom>
-          <a:solidFill>
-            <a:srgbClr val="B89A6A"/>
-          </a:solidFill>
-          <a:ln w="12700">
-            <a:solidFill>
-              <a:srgbClr val="B89A6A"/>
-            </a:solidFill>
-            <a:prstDash val="solid"/>
-          </a:ln>
-        </p:spPr>
-      </p:sp>
-      <p:sp>
-        <p:nvSpPr>
-          <p:cNvPr id="37" name="Text 35"/>
-          <p:cNvSpPr/>
-          <p:nvPr/>
-        </p:nvSpPr>
-        <p:spPr>
-          <a:xfrm>
-            <a:off x="6556248" y="2377440"/>
-            <a:ext cx="2212848" cy="384048"/>
-          </a:xfrm>
-          <a:prstGeom prst="rect">
-            <a:avLst/>
-          </a:prstGeom>
-          <a:noFill/>
-          <a:ln/>
-        </p:spPr>
-        <p:txBody>
-          <a:bodyPr wrap="square" rtlCol="0" anchor="ctr"/>
-          <a:lstStyle/>
-          <a:p>
-            <a:pPr marL="0" indent="0">
-              <a:buNone/>
-            </a:pPr>
-            <a:r>
-              <a:rPr lang="en-US" sz="1100" dirty="0">
-                <a:solidFill>
-                  <a:srgbClr val="1C1C1C"/>
-                </a:solidFill>
-                <a:latin typeface="Calibri" pitchFamily="34" charset="0"/>
-                <a:ea typeface="Calibri" pitchFamily="34" charset="-122"/>
-                <a:cs typeface="Calibri" pitchFamily="34" charset="-120"/>
-              </a:rPr>
-              <a:t>/admin без авторизации → 401</a:t>
-            </a:r>
-            <a:endParaRPr lang="en-US" sz="1100" dirty="0"/>
-          </a:p>
-        </p:txBody>
-      </p:sp>
-      <p:sp>
-        <p:nvSpPr>
-          <p:cNvPr id="38" name="Shape 36"/>
-          <p:cNvSpPr/>
-          <p:nvPr/>
-        </p:nvSpPr>
-        <p:spPr>
-          <a:xfrm>
-            <a:off x="6355080" y="2935224"/>
-            <a:ext cx="109728" cy="109728"/>
-          </a:xfrm>
-          <a:prstGeom prst="ellipse">
-            <a:avLst/>
-          </a:prstGeom>
-          <a:solidFill>
-            <a:srgbClr val="B89A6A"/>
-          </a:solidFill>
-          <a:ln w="12700">
-            <a:solidFill>
-              <a:srgbClr val="B89A6A"/>
-            </a:solidFill>
-            <a:prstDash val="solid"/>
-          </a:ln>
-        </p:spPr>
-      </p:sp>
-      <p:sp>
-        <p:nvSpPr>
-          <p:cNvPr id="39" name="Text 37"/>
-          <p:cNvSpPr/>
-          <p:nvPr/>
-        </p:nvSpPr>
-        <p:spPr>
-          <a:xfrm>
-            <a:off x="6556248" y="2889504"/>
-            <a:ext cx="2212848" cy="384048"/>
-          </a:xfrm>
-          <a:prstGeom prst="rect">
-            <a:avLst/>
-          </a:prstGeom>
-          <a:noFill/>
-          <a:ln/>
-        </p:spPr>
-        <p:txBody>
-          <a:bodyPr wrap="square" rtlCol="0" anchor="ctr"/>
-          <a:lstStyle/>
-          <a:p>
-            <a:pPr marL="0" indent="0">
-              <a:buNone/>
-            </a:pPr>
-            <a:r>
-              <a:rPr lang="en-US" sz="1100" dirty="0">
-                <a:solidFill>
-                  <a:srgbClr val="1C1C1C"/>
-                </a:solidFill>
-                <a:latin typeface="Calibri" pitchFamily="34" charset="0"/>
-                <a:ea typeface="Calibri" pitchFamily="34" charset="-122"/>
-                <a:cs typeface="Calibri" pitchFamily="34" charset="-120"/>
-              </a:rPr>
-              <a:t>Клиент не видит чужие данные</a:t>
-            </a:r>
-            <a:endParaRPr lang="en-US" sz="1100" dirty="0"/>
-          </a:p>
-        </p:txBody>
-      </p:sp>
-      <p:sp>
-        <p:nvSpPr>
-          <p:cNvPr id="40" name="Shape 38"/>
-          <p:cNvSpPr/>
-          <p:nvPr/>
-        </p:nvSpPr>
-        <p:spPr>
-          <a:xfrm>
-            <a:off x="6355080" y="3447288"/>
-            <a:ext cx="109728" cy="109728"/>
-          </a:xfrm>
-          <a:prstGeom prst="ellipse">
-            <a:avLst/>
-          </a:prstGeom>
-          <a:solidFill>
-            <a:srgbClr val="B89A6A"/>
-          </a:solidFill>
-          <a:ln w="12700">
-            <a:solidFill>
-              <a:srgbClr val="B89A6A"/>
-            </a:solidFill>
-            <a:prstDash val="solid"/>
-          </a:ln>
-        </p:spPr>
-      </p:sp>
-      <p:sp>
-        <p:nvSpPr>
-          <p:cNvPr id="41" name="Text 39"/>
-          <p:cNvSpPr/>
-          <p:nvPr/>
-        </p:nvSpPr>
-        <p:spPr>
-          <a:xfrm>
-            <a:off x="6556248" y="3401568"/>
-            <a:ext cx="2212848" cy="384048"/>
-          </a:xfrm>
-          <a:prstGeom prst="rect">
-            <a:avLst/>
-          </a:prstGeom>
-          <a:noFill/>
-          <a:ln/>
-        </p:spPr>
-        <p:txBody>
-          <a:bodyPr wrap="square" rtlCol="0" anchor="ctr"/>
-          <a:lstStyle/>
-          <a:p>
-            <a:pPr marL="0" indent="0">
-              <a:buNone/>
-            </a:pPr>
-            <a:r>
-              <a:rPr lang="en-US" sz="1100" dirty="0">
-                <a:solidFill>
-                  <a:srgbClr val="1C1C1C"/>
-                </a:solidFill>
-                <a:latin typeface="Calibri" pitchFamily="34" charset="0"/>
-                <a:ea typeface="Calibri" pitchFamily="34" charset="-122"/>
-                <a:cs typeface="Calibri" pitchFamily="34" charset="-120"/>
-              </a:rPr>
-              <a:t>Bcrypt для паролей</a:t>
-            </a:r>
-            <a:endParaRPr lang="en-US" sz="1100" dirty="0"/>
+                <a:latin typeface="Georgia" pitchFamily="34" charset="0"/>
+                <a:ea typeface="Georgia" pitchFamily="34" charset="-122"/>
+                <a:cs typeface="Georgia" pitchFamily="34" charset="-120"/>
+              </a:rPr>
+              <a:t>!</a:t>
+            </a:r>
+            <a:endParaRPr lang="en-US" sz="1800" dirty="0"/>
           </a:p>
         </p:txBody>
       </p:sp>
